--- a/Opstart/Vooruitgang presentatie 1.pptx
+++ b/Opstart/Vooruitgang presentatie 1.pptx
@@ -105,7 +105,3222 @@
       </a:defRPr>
     </a:lvl9pPr>
   </p:defaultTextStyle>
+  <p:extLst>
+    <p:ext uri="{EFAFB233-063F-42B5-8137-9DF3F51BA10A}">
+      <p15:sldGuideLst xmlns:p15="http://schemas.microsoft.com/office/powerpoint/2012/main"/>
+    </p:ext>
+  </p:extLst>
 </p:presentation>
+</file>
+
+<file path=ppt/diagrams/colors1.xml><?xml version="1.0" encoding="utf-8"?>
+<dgm:colorsDef xmlns:dgm="http://schemas.openxmlformats.org/drawingml/2006/diagram" xmlns:a="http://schemas.openxmlformats.org/drawingml/2006/main" uniqueId="urn:microsoft.com/office/officeart/2018/5/colors/Iconchunking_neutralicon_colorful1">
+  <dgm:title val=""/>
+  <dgm:desc val=""/>
+  <dgm:catLst>
+    <dgm:cat type="colorful" pri="10100"/>
+  </dgm:catLst>
+  <dgm:styleLbl name="node0">
+    <dgm:fillClrLst meth="repeat">
+      <a:schemeClr val="accent1"/>
+    </dgm:fillClrLst>
+    <dgm:linClrLst meth="repeat">
+      <a:schemeClr val="lt1"/>
+    </dgm:linClrLst>
+    <dgm:effectClrLst/>
+    <dgm:txLinClrLst/>
+    <dgm:txFillClrLst/>
+    <dgm:txEffectClrLst/>
+  </dgm:styleLbl>
+  <dgm:styleLbl name="node1">
+    <dgm:fillClrLst meth="repeat">
+      <a:schemeClr val="bg1"/>
+    </dgm:fillClrLst>
+    <dgm:linClrLst meth="repeat">
+      <a:schemeClr val="lt1">
+        <a:alpha val="0"/>
+      </a:schemeClr>
+    </dgm:linClrLst>
+    <dgm:effectClrLst/>
+    <dgm:txLinClrLst/>
+    <dgm:txFillClrLst meth="repeat">
+      <a:schemeClr val="dk1"/>
+    </dgm:txFillClrLst>
+    <dgm:txEffectClrLst/>
+  </dgm:styleLbl>
+  <dgm:styleLbl name="alignNode1">
+    <dgm:fillClrLst meth="repeat">
+      <a:schemeClr val="accent2"/>
+      <a:schemeClr val="accent3"/>
+      <a:schemeClr val="accent4"/>
+      <a:schemeClr val="accent5"/>
+      <a:schemeClr val="accent6"/>
+    </dgm:fillClrLst>
+    <dgm:linClrLst meth="repeat">
+      <a:schemeClr val="accent2"/>
+      <a:schemeClr val="accent3"/>
+      <a:schemeClr val="accent4"/>
+      <a:schemeClr val="accent5"/>
+      <a:schemeClr val="accent6"/>
+    </dgm:linClrLst>
+    <dgm:effectClrLst/>
+    <dgm:txLinClrLst/>
+    <dgm:txFillClrLst/>
+    <dgm:txEffectClrLst/>
+  </dgm:styleLbl>
+  <dgm:styleLbl name="lnNode1">
+    <dgm:fillClrLst meth="repeat">
+      <a:schemeClr val="accent2"/>
+      <a:schemeClr val="accent3"/>
+      <a:schemeClr val="accent4"/>
+      <a:schemeClr val="accent5"/>
+      <a:schemeClr val="accent6"/>
+    </dgm:fillClrLst>
+    <dgm:linClrLst meth="repeat">
+      <a:schemeClr val="lt1"/>
+    </dgm:linClrLst>
+    <dgm:effectClrLst/>
+    <dgm:txLinClrLst/>
+    <dgm:txFillClrLst/>
+    <dgm:txEffectClrLst/>
+  </dgm:styleLbl>
+  <dgm:styleLbl name="vennNode1">
+    <dgm:fillClrLst meth="repeat">
+      <a:schemeClr val="accent2">
+        <a:alpha val="50000"/>
+      </a:schemeClr>
+      <a:schemeClr val="accent3">
+        <a:alpha val="50000"/>
+      </a:schemeClr>
+      <a:schemeClr val="accent4">
+        <a:alpha val="50000"/>
+      </a:schemeClr>
+      <a:schemeClr val="accent5">
+        <a:alpha val="50000"/>
+      </a:schemeClr>
+      <a:schemeClr val="accent6">
+        <a:alpha val="50000"/>
+      </a:schemeClr>
+    </dgm:fillClrLst>
+    <dgm:linClrLst meth="repeat">
+      <a:schemeClr val="lt1"/>
+    </dgm:linClrLst>
+    <dgm:effectClrLst/>
+    <dgm:txLinClrLst/>
+    <dgm:txFillClrLst/>
+    <dgm:txEffectClrLst/>
+  </dgm:styleLbl>
+  <dgm:styleLbl name="node2">
+    <dgm:fillClrLst>
+      <a:schemeClr val="accent2"/>
+    </dgm:fillClrLst>
+    <dgm:linClrLst meth="repeat">
+      <a:schemeClr val="lt1"/>
+    </dgm:linClrLst>
+    <dgm:effectClrLst/>
+    <dgm:txLinClrLst/>
+    <dgm:txFillClrLst/>
+    <dgm:txEffectClrLst/>
+  </dgm:styleLbl>
+  <dgm:styleLbl name="node3">
+    <dgm:fillClrLst>
+      <a:schemeClr val="accent3"/>
+    </dgm:fillClrLst>
+    <dgm:linClrLst meth="repeat">
+      <a:schemeClr val="lt1"/>
+    </dgm:linClrLst>
+    <dgm:effectClrLst/>
+    <dgm:txLinClrLst/>
+    <dgm:txFillClrLst/>
+    <dgm:txEffectClrLst/>
+  </dgm:styleLbl>
+  <dgm:styleLbl name="node4">
+    <dgm:fillClrLst>
+      <a:schemeClr val="accent4"/>
+    </dgm:fillClrLst>
+    <dgm:linClrLst meth="repeat">
+      <a:schemeClr val="lt1"/>
+    </dgm:linClrLst>
+    <dgm:effectClrLst/>
+    <dgm:txLinClrLst/>
+    <dgm:txFillClrLst/>
+    <dgm:txEffectClrLst/>
+  </dgm:styleLbl>
+  <dgm:styleLbl name="fgImgPlace1">
+    <dgm:fillClrLst meth="repeat">
+      <a:schemeClr val="accent2">
+        <a:tint val="50000"/>
+      </a:schemeClr>
+      <a:schemeClr val="accent3">
+        <a:tint val="50000"/>
+      </a:schemeClr>
+      <a:schemeClr val="accent4">
+        <a:tint val="50000"/>
+      </a:schemeClr>
+      <a:schemeClr val="accent5">
+        <a:tint val="50000"/>
+      </a:schemeClr>
+      <a:schemeClr val="accent6">
+        <a:tint val="50000"/>
+      </a:schemeClr>
+    </dgm:fillClrLst>
+    <dgm:linClrLst meth="repeat">
+      <a:schemeClr val="lt1"/>
+    </dgm:linClrLst>
+    <dgm:effectClrLst/>
+    <dgm:txLinClrLst/>
+    <dgm:txFillClrLst meth="repeat">
+      <a:schemeClr val="lt1"/>
+    </dgm:txFillClrLst>
+    <dgm:txEffectClrLst/>
+  </dgm:styleLbl>
+  <dgm:styleLbl name="alignImgPlace1">
+    <dgm:fillClrLst>
+      <a:schemeClr val="accent1">
+        <a:tint val="50000"/>
+      </a:schemeClr>
+      <a:schemeClr val="accent2">
+        <a:tint val="20000"/>
+      </a:schemeClr>
+    </dgm:fillClrLst>
+    <dgm:linClrLst meth="repeat">
+      <a:schemeClr val="lt1"/>
+    </dgm:linClrLst>
+    <dgm:effectClrLst/>
+    <dgm:txLinClrLst/>
+    <dgm:txFillClrLst meth="repeat">
+      <a:schemeClr val="lt1"/>
+    </dgm:txFillClrLst>
+    <dgm:txEffectClrLst/>
+  </dgm:styleLbl>
+  <dgm:styleLbl name="bgImgPlace1">
+    <dgm:fillClrLst>
+      <a:schemeClr val="accent1">
+        <a:tint val="50000"/>
+      </a:schemeClr>
+      <a:schemeClr val="accent2">
+        <a:tint val="20000"/>
+      </a:schemeClr>
+    </dgm:fillClrLst>
+    <dgm:linClrLst meth="repeat">
+      <a:schemeClr val="lt1"/>
+    </dgm:linClrLst>
+    <dgm:effectClrLst/>
+    <dgm:txLinClrLst/>
+    <dgm:txFillClrLst meth="repeat">
+      <a:schemeClr val="lt1"/>
+    </dgm:txFillClrLst>
+    <dgm:txEffectClrLst/>
+  </dgm:styleLbl>
+  <dgm:styleLbl name="sibTrans2D1">
+    <dgm:fillClrLst meth="repeat">
+      <a:schemeClr val="accent2"/>
+      <a:schemeClr val="accent3"/>
+      <a:schemeClr val="accent4"/>
+      <a:schemeClr val="accent5"/>
+      <a:schemeClr val="accent6"/>
+    </dgm:fillClrLst>
+    <dgm:linClrLst meth="cycle">
+      <a:schemeClr val="lt1"/>
+    </dgm:linClrLst>
+    <dgm:effectClrLst/>
+    <dgm:txLinClrLst/>
+    <dgm:txFillClrLst/>
+    <dgm:txEffectClrLst/>
+  </dgm:styleLbl>
+  <dgm:styleLbl name="fgSibTrans2D1">
+    <dgm:fillClrLst meth="repeat">
+      <a:schemeClr val="accent2"/>
+      <a:schemeClr val="accent3"/>
+      <a:schemeClr val="accent4"/>
+      <a:schemeClr val="accent5"/>
+      <a:schemeClr val="accent6"/>
+    </dgm:fillClrLst>
+    <dgm:linClrLst meth="cycle">
+      <a:schemeClr val="lt1"/>
+    </dgm:linClrLst>
+    <dgm:effectClrLst/>
+    <dgm:txLinClrLst/>
+    <dgm:txFillClrLst meth="repeat">
+      <a:schemeClr val="lt1"/>
+    </dgm:txFillClrLst>
+    <dgm:txEffectClrLst/>
+  </dgm:styleLbl>
+  <dgm:styleLbl name="bgSibTrans2D1">
+    <dgm:fillClrLst meth="repeat">
+      <a:schemeClr val="accent2"/>
+      <a:schemeClr val="accent3"/>
+      <a:schemeClr val="accent4"/>
+      <a:schemeClr val="accent5"/>
+      <a:schemeClr val="accent6"/>
+    </dgm:fillClrLst>
+    <dgm:linClrLst meth="cycle">
+      <a:schemeClr val="lt1"/>
+    </dgm:linClrLst>
+    <dgm:effectClrLst/>
+    <dgm:txLinClrLst/>
+    <dgm:txFillClrLst meth="repeat">
+      <a:schemeClr val="lt1"/>
+    </dgm:txFillClrLst>
+    <dgm:txEffectClrLst/>
+  </dgm:styleLbl>
+  <dgm:styleLbl name="sibTrans1D1">
+    <dgm:fillClrLst meth="repeat">
+      <a:schemeClr val="accent2"/>
+      <a:schemeClr val="accent3"/>
+      <a:schemeClr val="accent4"/>
+      <a:schemeClr val="accent5"/>
+      <a:schemeClr val="accent6"/>
+    </dgm:fillClrLst>
+    <dgm:linClrLst meth="repeat">
+      <a:schemeClr val="accent2"/>
+      <a:schemeClr val="accent3"/>
+      <a:schemeClr val="accent4"/>
+      <a:schemeClr val="accent5"/>
+      <a:schemeClr val="accent6"/>
+    </dgm:linClrLst>
+    <dgm:effectClrLst/>
+    <dgm:txLinClrLst/>
+    <dgm:txFillClrLst meth="repeat">
+      <a:schemeClr val="tx1"/>
+    </dgm:txFillClrLst>
+    <dgm:txEffectClrLst/>
+  </dgm:styleLbl>
+  <dgm:styleLbl name="callout">
+    <dgm:fillClrLst meth="repeat">
+      <a:schemeClr val="accent2"/>
+    </dgm:fillClrLst>
+    <dgm:linClrLst meth="repeat">
+      <a:schemeClr val="accent2">
+        <a:tint val="50000"/>
+      </a:schemeClr>
+    </dgm:linClrLst>
+    <dgm:effectClrLst/>
+    <dgm:txLinClrLst/>
+    <dgm:txFillClrLst meth="repeat">
+      <a:schemeClr val="tx1"/>
+    </dgm:txFillClrLst>
+    <dgm:txEffectClrLst/>
+  </dgm:styleLbl>
+  <dgm:styleLbl name="asst0">
+    <dgm:fillClrLst meth="repeat">
+      <a:schemeClr val="accent1"/>
+    </dgm:fillClrLst>
+    <dgm:linClrLst meth="repeat">
+      <a:schemeClr val="lt1"/>
+    </dgm:linClrLst>
+    <dgm:effectClrLst/>
+    <dgm:txLinClrLst/>
+    <dgm:txFillClrLst/>
+    <dgm:txEffectClrLst/>
+  </dgm:styleLbl>
+  <dgm:styleLbl name="asst1">
+    <dgm:fillClrLst meth="repeat">
+      <a:schemeClr val="accent2"/>
+    </dgm:fillClrLst>
+    <dgm:linClrLst meth="repeat">
+      <a:schemeClr val="lt1"/>
+    </dgm:linClrLst>
+    <dgm:effectClrLst/>
+    <dgm:txLinClrLst/>
+    <dgm:txFillClrLst/>
+    <dgm:txEffectClrLst/>
+  </dgm:styleLbl>
+  <dgm:styleLbl name="asst2">
+    <dgm:fillClrLst>
+      <a:schemeClr val="accent3"/>
+    </dgm:fillClrLst>
+    <dgm:linClrLst meth="repeat">
+      <a:schemeClr val="lt1"/>
+    </dgm:linClrLst>
+    <dgm:effectClrLst/>
+    <dgm:txLinClrLst/>
+    <dgm:txFillClrLst/>
+    <dgm:txEffectClrLst/>
+  </dgm:styleLbl>
+  <dgm:styleLbl name="asst3">
+    <dgm:fillClrLst>
+      <a:schemeClr val="accent4"/>
+    </dgm:fillClrLst>
+    <dgm:linClrLst meth="repeat">
+      <a:schemeClr val="lt1"/>
+    </dgm:linClrLst>
+    <dgm:effectClrLst/>
+    <dgm:txLinClrLst/>
+    <dgm:txFillClrLst/>
+    <dgm:txEffectClrLst/>
+  </dgm:styleLbl>
+  <dgm:styleLbl name="asst4">
+    <dgm:fillClrLst>
+      <a:schemeClr val="accent5"/>
+    </dgm:fillClrLst>
+    <dgm:linClrLst meth="repeat">
+      <a:schemeClr val="lt1"/>
+    </dgm:linClrLst>
+    <dgm:effectClrLst/>
+    <dgm:txLinClrLst/>
+    <dgm:txFillClrLst/>
+    <dgm:txEffectClrLst/>
+  </dgm:styleLbl>
+  <dgm:styleLbl name="parChTrans2D1">
+    <dgm:fillClrLst meth="repeat">
+      <a:schemeClr val="accent2"/>
+    </dgm:fillClrLst>
+    <dgm:linClrLst meth="repeat">
+      <a:schemeClr val="lt1"/>
+    </dgm:linClrLst>
+    <dgm:effectClrLst/>
+    <dgm:txLinClrLst/>
+    <dgm:txFillClrLst meth="repeat">
+      <a:schemeClr val="lt1"/>
+    </dgm:txFillClrLst>
+    <dgm:txEffectClrLst/>
+  </dgm:styleLbl>
+  <dgm:styleLbl name="parChTrans2D2">
+    <dgm:fillClrLst meth="repeat">
+      <a:schemeClr val="accent3"/>
+    </dgm:fillClrLst>
+    <dgm:linClrLst meth="repeat">
+      <a:schemeClr val="lt1"/>
+    </dgm:linClrLst>
+    <dgm:effectClrLst/>
+    <dgm:txLinClrLst/>
+    <dgm:txFillClrLst/>
+    <dgm:txEffectClrLst/>
+  </dgm:styleLbl>
+  <dgm:styleLbl name="parChTrans2D3">
+    <dgm:fillClrLst meth="repeat">
+      <a:schemeClr val="accent4"/>
+    </dgm:fillClrLst>
+    <dgm:linClrLst meth="repeat">
+      <a:schemeClr val="lt1"/>
+    </dgm:linClrLst>
+    <dgm:effectClrLst/>
+    <dgm:txLinClrLst/>
+    <dgm:txFillClrLst/>
+    <dgm:txEffectClrLst/>
+  </dgm:styleLbl>
+  <dgm:styleLbl name="parChTrans2D4">
+    <dgm:fillClrLst meth="repeat">
+      <a:schemeClr val="accent5"/>
+    </dgm:fillClrLst>
+    <dgm:linClrLst meth="repeat">
+      <a:schemeClr val="lt1"/>
+    </dgm:linClrLst>
+    <dgm:effectClrLst/>
+    <dgm:txLinClrLst/>
+    <dgm:txFillClrLst meth="repeat">
+      <a:schemeClr val="lt1"/>
+    </dgm:txFillClrLst>
+    <dgm:txEffectClrLst/>
+  </dgm:styleLbl>
+  <dgm:styleLbl name="parChTrans1D1">
+    <dgm:fillClrLst meth="repeat">
+      <a:schemeClr val="accent2"/>
+    </dgm:fillClrLst>
+    <dgm:linClrLst meth="repeat">
+      <a:schemeClr val="accent1"/>
+    </dgm:linClrLst>
+    <dgm:effectClrLst/>
+    <dgm:txLinClrLst/>
+    <dgm:txFillClrLst meth="repeat">
+      <a:schemeClr val="tx1"/>
+    </dgm:txFillClrLst>
+    <dgm:txEffectClrLst/>
+  </dgm:styleLbl>
+  <dgm:styleLbl name="parChTrans1D2">
+    <dgm:fillClrLst meth="repeat">
+      <a:schemeClr val="accent3">
+        <a:tint val="90000"/>
+      </a:schemeClr>
+    </dgm:fillClrLst>
+    <dgm:linClrLst meth="repeat">
+      <a:schemeClr val="accent2"/>
+    </dgm:linClrLst>
+    <dgm:effectClrLst/>
+    <dgm:txLinClrLst/>
+    <dgm:txFillClrLst meth="repeat">
+      <a:schemeClr val="tx1"/>
+    </dgm:txFillClrLst>
+    <dgm:txEffectClrLst/>
+  </dgm:styleLbl>
+  <dgm:styleLbl name="parChTrans1D3">
+    <dgm:fillClrLst meth="repeat">
+      <a:schemeClr val="accent4">
+        <a:tint val="70000"/>
+      </a:schemeClr>
+    </dgm:fillClrLst>
+    <dgm:linClrLst meth="repeat">
+      <a:schemeClr val="accent3"/>
+    </dgm:linClrLst>
+    <dgm:effectClrLst/>
+    <dgm:txLinClrLst/>
+    <dgm:txFillClrLst meth="repeat">
+      <a:schemeClr val="tx1"/>
+    </dgm:txFillClrLst>
+    <dgm:txEffectClrLst/>
+  </dgm:styleLbl>
+  <dgm:styleLbl name="parChTrans1D4">
+    <dgm:fillClrLst meth="repeat">
+      <a:schemeClr val="accent5">
+        <a:tint val="50000"/>
+      </a:schemeClr>
+    </dgm:fillClrLst>
+    <dgm:linClrLst meth="repeat">
+      <a:schemeClr val="accent4"/>
+    </dgm:linClrLst>
+    <dgm:effectClrLst/>
+    <dgm:txLinClrLst/>
+    <dgm:txFillClrLst meth="repeat">
+      <a:schemeClr val="tx1"/>
+    </dgm:txFillClrLst>
+    <dgm:txEffectClrLst/>
+  </dgm:styleLbl>
+  <dgm:styleLbl name="fgAcc1">
+    <dgm:fillClrLst meth="repeat">
+      <a:schemeClr val="lt1">
+        <a:alpha val="90000"/>
+      </a:schemeClr>
+    </dgm:fillClrLst>
+    <dgm:linClrLst meth="repeat">
+      <a:schemeClr val="accent2"/>
+      <a:schemeClr val="accent3"/>
+      <a:schemeClr val="accent4"/>
+      <a:schemeClr val="accent5"/>
+      <a:schemeClr val="accent6"/>
+    </dgm:linClrLst>
+    <dgm:effectClrLst/>
+    <dgm:txLinClrLst/>
+    <dgm:txFillClrLst meth="repeat">
+      <a:schemeClr val="dk1"/>
+    </dgm:txFillClrLst>
+    <dgm:txEffectClrLst/>
+  </dgm:styleLbl>
+  <dgm:styleLbl name="conFgAcc1">
+    <dgm:fillClrLst meth="repeat">
+      <a:schemeClr val="lt1">
+        <a:alpha val="90000"/>
+      </a:schemeClr>
+    </dgm:fillClrLst>
+    <dgm:linClrLst meth="repeat">
+      <a:schemeClr val="accent2"/>
+      <a:schemeClr val="accent3"/>
+      <a:schemeClr val="accent4"/>
+      <a:schemeClr val="accent5"/>
+      <a:schemeClr val="accent6"/>
+    </dgm:linClrLst>
+    <dgm:effectClrLst/>
+    <dgm:txLinClrLst/>
+    <dgm:txFillClrLst meth="repeat">
+      <a:schemeClr val="dk1"/>
+    </dgm:txFillClrLst>
+    <dgm:txEffectClrLst/>
+  </dgm:styleLbl>
+  <dgm:styleLbl name="alignAcc1">
+    <dgm:fillClrLst meth="repeat">
+      <a:schemeClr val="lt1">
+        <a:alpha val="90000"/>
+      </a:schemeClr>
+    </dgm:fillClrLst>
+    <dgm:linClrLst meth="repeat">
+      <a:schemeClr val="accent2"/>
+      <a:schemeClr val="accent3"/>
+      <a:schemeClr val="accent4"/>
+      <a:schemeClr val="accent5"/>
+      <a:schemeClr val="accent6"/>
+    </dgm:linClrLst>
+    <dgm:effectClrLst/>
+    <dgm:txLinClrLst/>
+    <dgm:txFillClrLst meth="repeat">
+      <a:schemeClr val="dk1"/>
+    </dgm:txFillClrLst>
+    <dgm:txEffectClrLst/>
+  </dgm:styleLbl>
+  <dgm:styleLbl name="trAlignAcc1">
+    <dgm:fillClrLst meth="repeat">
+      <a:schemeClr val="lt1">
+        <a:alpha val="40000"/>
+      </a:schemeClr>
+    </dgm:fillClrLst>
+    <dgm:linClrLst meth="repeat">
+      <a:schemeClr val="accent1"/>
+    </dgm:linClrLst>
+    <dgm:effectClrLst/>
+    <dgm:txLinClrLst/>
+    <dgm:txFillClrLst meth="repeat">
+      <a:schemeClr val="dk1"/>
+    </dgm:txFillClrLst>
+    <dgm:txEffectClrLst/>
+  </dgm:styleLbl>
+  <dgm:styleLbl name="bgAcc1">
+    <dgm:fillClrLst meth="repeat">
+      <a:schemeClr val="lt1">
+        <a:alpha val="90000"/>
+      </a:schemeClr>
+    </dgm:fillClrLst>
+    <dgm:linClrLst meth="repeat">
+      <a:schemeClr val="accent2"/>
+      <a:schemeClr val="accent3"/>
+      <a:schemeClr val="accent4"/>
+      <a:schemeClr val="accent5"/>
+      <a:schemeClr val="accent6"/>
+    </dgm:linClrLst>
+    <dgm:effectClrLst/>
+    <dgm:txLinClrLst/>
+    <dgm:txFillClrLst meth="repeat">
+      <a:schemeClr val="dk1"/>
+    </dgm:txFillClrLst>
+    <dgm:txEffectClrLst/>
+  </dgm:styleLbl>
+  <dgm:styleLbl name="solidFgAcc1">
+    <dgm:fillClrLst meth="repeat">
+      <a:schemeClr val="lt1"/>
+    </dgm:fillClrLst>
+    <dgm:linClrLst meth="repeat">
+      <a:schemeClr val="accent2"/>
+      <a:schemeClr val="accent3"/>
+      <a:schemeClr val="accent4"/>
+      <a:schemeClr val="accent5"/>
+      <a:schemeClr val="accent6"/>
+    </dgm:linClrLst>
+    <dgm:effectClrLst/>
+    <dgm:txLinClrLst/>
+    <dgm:txFillClrLst meth="repeat">
+      <a:schemeClr val="dk1"/>
+    </dgm:txFillClrLst>
+    <dgm:txEffectClrLst/>
+  </dgm:styleLbl>
+  <dgm:styleLbl name="solidAlignAcc1">
+    <dgm:fillClrLst meth="repeat">
+      <a:schemeClr val="lt1"/>
+    </dgm:fillClrLst>
+    <dgm:linClrLst meth="repeat">
+      <a:schemeClr val="accent2"/>
+      <a:schemeClr val="accent3"/>
+      <a:schemeClr val="accent4"/>
+      <a:schemeClr val="accent5"/>
+      <a:schemeClr val="accent6"/>
+    </dgm:linClrLst>
+    <dgm:effectClrLst/>
+    <dgm:txLinClrLst/>
+    <dgm:txFillClrLst meth="repeat">
+      <a:schemeClr val="dk1"/>
+    </dgm:txFillClrLst>
+    <dgm:txEffectClrLst/>
+  </dgm:styleLbl>
+  <dgm:styleLbl name="solidBgAcc1">
+    <dgm:fillClrLst meth="repeat">
+      <a:schemeClr val="lt1"/>
+    </dgm:fillClrLst>
+    <dgm:linClrLst meth="repeat">
+      <a:schemeClr val="accent2"/>
+      <a:schemeClr val="accent3"/>
+      <a:schemeClr val="accent4"/>
+      <a:schemeClr val="accent5"/>
+      <a:schemeClr val="accent6"/>
+    </dgm:linClrLst>
+    <dgm:effectClrLst/>
+    <dgm:txLinClrLst/>
+    <dgm:txFillClrLst meth="repeat">
+      <a:schemeClr val="dk1"/>
+    </dgm:txFillClrLst>
+    <dgm:txEffectClrLst/>
+  </dgm:styleLbl>
+  <dgm:styleLbl name="fgAccFollowNode1">
+    <dgm:fillClrLst meth="repeat">
+      <a:schemeClr val="accent2">
+        <a:tint val="40000"/>
+        <a:alpha val="90000"/>
+      </a:schemeClr>
+      <a:schemeClr val="accent3">
+        <a:tint val="40000"/>
+        <a:alpha val="90000"/>
+      </a:schemeClr>
+      <a:schemeClr val="accent4">
+        <a:tint val="40000"/>
+        <a:alpha val="90000"/>
+      </a:schemeClr>
+      <a:schemeClr val="accent5">
+        <a:tint val="40000"/>
+        <a:alpha val="90000"/>
+      </a:schemeClr>
+      <a:schemeClr val="accent6">
+        <a:tint val="40000"/>
+        <a:alpha val="90000"/>
+      </a:schemeClr>
+    </dgm:fillClrLst>
+    <dgm:linClrLst meth="repeat">
+      <a:schemeClr val="accent2">
+        <a:tint val="40000"/>
+        <a:alpha val="90000"/>
+      </a:schemeClr>
+      <a:schemeClr val="accent3">
+        <a:tint val="40000"/>
+        <a:alpha val="90000"/>
+      </a:schemeClr>
+      <a:schemeClr val="accent4">
+        <a:tint val="40000"/>
+        <a:alpha val="90000"/>
+      </a:schemeClr>
+      <a:schemeClr val="accent5">
+        <a:tint val="40000"/>
+        <a:alpha val="90000"/>
+      </a:schemeClr>
+      <a:schemeClr val="accent6">
+        <a:tint val="40000"/>
+        <a:alpha val="90000"/>
+      </a:schemeClr>
+    </dgm:linClrLst>
+    <dgm:effectClrLst/>
+    <dgm:txLinClrLst/>
+    <dgm:txFillClrLst meth="repeat">
+      <a:schemeClr val="dk1"/>
+    </dgm:txFillClrLst>
+    <dgm:txEffectClrLst/>
+  </dgm:styleLbl>
+  <dgm:styleLbl name="alignAccFollowNode1">
+    <dgm:fillClrLst meth="repeat">
+      <a:schemeClr val="accent2">
+        <a:tint val="40000"/>
+        <a:alpha val="90000"/>
+      </a:schemeClr>
+      <a:schemeClr val="accent3">
+        <a:tint val="40000"/>
+        <a:alpha val="90000"/>
+      </a:schemeClr>
+      <a:schemeClr val="accent4">
+        <a:tint val="40000"/>
+        <a:alpha val="90000"/>
+      </a:schemeClr>
+      <a:schemeClr val="accent5">
+        <a:tint val="40000"/>
+        <a:alpha val="90000"/>
+      </a:schemeClr>
+      <a:schemeClr val="accent6">
+        <a:tint val="40000"/>
+        <a:alpha val="90000"/>
+      </a:schemeClr>
+    </dgm:fillClrLst>
+    <dgm:linClrLst meth="repeat">
+      <a:schemeClr val="accent2">
+        <a:tint val="40000"/>
+        <a:alpha val="90000"/>
+      </a:schemeClr>
+      <a:schemeClr val="accent3">
+        <a:tint val="40000"/>
+        <a:alpha val="90000"/>
+      </a:schemeClr>
+      <a:schemeClr val="accent4">
+        <a:tint val="40000"/>
+        <a:alpha val="90000"/>
+      </a:schemeClr>
+      <a:schemeClr val="accent5">
+        <a:tint val="40000"/>
+        <a:alpha val="90000"/>
+      </a:schemeClr>
+      <a:schemeClr val="accent6">
+        <a:tint val="40000"/>
+        <a:alpha val="90000"/>
+      </a:schemeClr>
+    </dgm:linClrLst>
+    <dgm:effectClrLst/>
+    <dgm:txLinClrLst/>
+    <dgm:txFillClrLst meth="repeat">
+      <a:schemeClr val="dk1"/>
+    </dgm:txFillClrLst>
+    <dgm:txEffectClrLst/>
+  </dgm:styleLbl>
+  <dgm:styleLbl name="bgAccFollowNode1">
+    <dgm:fillClrLst meth="repeat">
+      <a:schemeClr val="accent2">
+        <a:tint val="40000"/>
+        <a:alpha val="90000"/>
+      </a:schemeClr>
+      <a:schemeClr val="accent3">
+        <a:tint val="40000"/>
+        <a:alpha val="90000"/>
+      </a:schemeClr>
+      <a:schemeClr val="accent4">
+        <a:tint val="40000"/>
+        <a:alpha val="90000"/>
+      </a:schemeClr>
+      <a:schemeClr val="accent5">
+        <a:tint val="40000"/>
+        <a:alpha val="90000"/>
+      </a:schemeClr>
+      <a:schemeClr val="accent6">
+        <a:tint val="40000"/>
+        <a:alpha val="90000"/>
+      </a:schemeClr>
+    </dgm:fillClrLst>
+    <dgm:linClrLst meth="repeat">
+      <a:schemeClr val="accent2">
+        <a:tint val="40000"/>
+        <a:alpha val="90000"/>
+      </a:schemeClr>
+      <a:schemeClr val="accent3">
+        <a:tint val="40000"/>
+        <a:alpha val="90000"/>
+      </a:schemeClr>
+      <a:schemeClr val="accent4">
+        <a:tint val="40000"/>
+        <a:alpha val="90000"/>
+      </a:schemeClr>
+      <a:schemeClr val="accent5">
+        <a:tint val="40000"/>
+        <a:alpha val="90000"/>
+      </a:schemeClr>
+      <a:schemeClr val="accent6">
+        <a:tint val="40000"/>
+        <a:alpha val="90000"/>
+      </a:schemeClr>
+    </dgm:linClrLst>
+    <dgm:effectClrLst/>
+    <dgm:txLinClrLst/>
+    <dgm:txFillClrLst meth="repeat">
+      <a:schemeClr val="dk1"/>
+    </dgm:txFillClrLst>
+    <dgm:txEffectClrLst/>
+  </dgm:styleLbl>
+  <dgm:styleLbl name="fgAcc0">
+    <dgm:fillClrLst meth="repeat">
+      <a:schemeClr val="lt1">
+        <a:alpha val="90000"/>
+      </a:schemeClr>
+    </dgm:fillClrLst>
+    <dgm:linClrLst>
+      <a:schemeClr val="accent1"/>
+    </dgm:linClrLst>
+    <dgm:effectClrLst/>
+    <dgm:txLinClrLst/>
+    <dgm:txFillClrLst meth="repeat">
+      <a:schemeClr val="dk1"/>
+    </dgm:txFillClrLst>
+    <dgm:txEffectClrLst/>
+  </dgm:styleLbl>
+  <dgm:styleLbl name="fgAcc2">
+    <dgm:fillClrLst meth="repeat">
+      <a:schemeClr val="lt1">
+        <a:alpha val="90000"/>
+      </a:schemeClr>
+    </dgm:fillClrLst>
+    <dgm:linClrLst>
+      <a:schemeClr val="accent2"/>
+    </dgm:linClrLst>
+    <dgm:effectClrLst/>
+    <dgm:txLinClrLst/>
+    <dgm:txFillClrLst meth="repeat">
+      <a:schemeClr val="dk1"/>
+    </dgm:txFillClrLst>
+    <dgm:txEffectClrLst/>
+  </dgm:styleLbl>
+  <dgm:styleLbl name="fgAcc3">
+    <dgm:fillClrLst meth="repeat">
+      <a:schemeClr val="lt1">
+        <a:alpha val="90000"/>
+      </a:schemeClr>
+    </dgm:fillClrLst>
+    <dgm:linClrLst>
+      <a:schemeClr val="accent3"/>
+    </dgm:linClrLst>
+    <dgm:effectClrLst/>
+    <dgm:txLinClrLst/>
+    <dgm:txFillClrLst meth="repeat">
+      <a:schemeClr val="dk1"/>
+    </dgm:txFillClrLst>
+    <dgm:txEffectClrLst/>
+  </dgm:styleLbl>
+  <dgm:styleLbl name="fgAcc4">
+    <dgm:fillClrLst meth="repeat">
+      <a:schemeClr val="lt1">
+        <a:alpha val="90000"/>
+      </a:schemeClr>
+    </dgm:fillClrLst>
+    <dgm:linClrLst>
+      <a:schemeClr val="accent4"/>
+    </dgm:linClrLst>
+    <dgm:effectClrLst/>
+    <dgm:txLinClrLst/>
+    <dgm:txFillClrLst meth="repeat">
+      <a:schemeClr val="dk1"/>
+    </dgm:txFillClrLst>
+    <dgm:txEffectClrLst/>
+  </dgm:styleLbl>
+  <dgm:styleLbl name="bgShp">
+    <dgm:fillClrLst meth="repeat">
+      <a:schemeClr val="accent2"/>
+      <a:schemeClr val="accent3"/>
+      <a:schemeClr val="accent4"/>
+      <a:schemeClr val="accent5"/>
+      <a:schemeClr val="accent6"/>
+    </dgm:fillClrLst>
+    <dgm:linClrLst meth="repeat">
+      <a:schemeClr val="lt1">
+        <a:alpha val="0"/>
+      </a:schemeClr>
+    </dgm:linClrLst>
+    <dgm:effectClrLst/>
+    <dgm:txLinClrLst/>
+    <dgm:txFillClrLst/>
+    <dgm:txEffectClrLst/>
+  </dgm:styleLbl>
+  <dgm:styleLbl name="dkBgShp">
+    <dgm:fillClrLst meth="repeat">
+      <a:schemeClr val="accent2">
+        <a:shade val="90000"/>
+      </a:schemeClr>
+    </dgm:fillClrLst>
+    <dgm:linClrLst meth="repeat">
+      <a:schemeClr val="dk1"/>
+    </dgm:linClrLst>
+    <dgm:effectClrLst/>
+    <dgm:txLinClrLst/>
+    <dgm:txFillClrLst meth="repeat">
+      <a:schemeClr val="lt1"/>
+    </dgm:txFillClrLst>
+    <dgm:txEffectClrLst/>
+  </dgm:styleLbl>
+  <dgm:styleLbl name="trBgShp">
+    <dgm:fillClrLst meth="repeat">
+      <a:schemeClr val="accent1">
+        <a:tint val="50000"/>
+        <a:alpha val="40000"/>
+      </a:schemeClr>
+    </dgm:fillClrLst>
+    <dgm:linClrLst meth="repeat">
+      <a:schemeClr val="accent2"/>
+    </dgm:linClrLst>
+    <dgm:effectClrLst/>
+    <dgm:txLinClrLst/>
+    <dgm:txFillClrLst meth="repeat">
+      <a:schemeClr val="lt1"/>
+    </dgm:txFillClrLst>
+    <dgm:txEffectClrLst/>
+  </dgm:styleLbl>
+  <dgm:styleLbl name="fgShp">
+    <dgm:fillClrLst meth="repeat">
+      <a:schemeClr val="accent2">
+        <a:tint val="40000"/>
+      </a:schemeClr>
+    </dgm:fillClrLst>
+    <dgm:linClrLst meth="repeat">
+      <a:schemeClr val="lt1"/>
+    </dgm:linClrLst>
+    <dgm:effectClrLst/>
+    <dgm:txLinClrLst/>
+    <dgm:txFillClrLst meth="repeat">
+      <a:schemeClr val="dk1"/>
+    </dgm:txFillClrLst>
+    <dgm:txEffectClrLst/>
+  </dgm:styleLbl>
+  <dgm:styleLbl name="revTx">
+    <dgm:fillClrLst meth="repeat">
+      <a:schemeClr val="lt1">
+        <a:alpha val="0"/>
+      </a:schemeClr>
+    </dgm:fillClrLst>
+    <dgm:linClrLst meth="repeat">
+      <a:schemeClr val="dk1">
+        <a:alpha val="0"/>
+      </a:schemeClr>
+    </dgm:linClrLst>
+    <dgm:effectClrLst/>
+    <dgm:txLinClrLst/>
+    <dgm:txFillClrLst meth="repeat">
+      <a:schemeClr val="tx1"/>
+    </dgm:txFillClrLst>
+    <dgm:txEffectClrLst/>
+  </dgm:styleLbl>
+</dgm:colorsDef>
+</file>
+
+<file path=ppt/diagrams/data1.xml><?xml version="1.0" encoding="utf-8"?>
+<dgm:dataModel xmlns:dgm="http://schemas.openxmlformats.org/drawingml/2006/diagram" xmlns:a="http://schemas.openxmlformats.org/drawingml/2006/main">
+  <dgm:ptLst>
+    <dgm:pt modelId="{814AC369-0702-4184-B4BB-DB8FA9668F21}" type="doc">
+      <dgm:prSet loTypeId="urn:microsoft.com/office/officeart/2018/5/layout/IconCircleLabelList" loCatId="icon" qsTypeId="urn:microsoft.com/office/officeart/2005/8/quickstyle/simple1" qsCatId="simple" csTypeId="urn:microsoft.com/office/officeart/2018/5/colors/Iconchunking_neutralicon_colorful1" csCatId="colorful" phldr="1"/>
+      <dgm:spPr/>
+      <dgm:t>
+        <a:bodyPr/>
+        <a:lstStyle/>
+        <a:p>
+          <a:endParaRPr lang="en-US"/>
+        </a:p>
+      </dgm:t>
+    </dgm:pt>
+    <dgm:pt modelId="{107EF4C6-75B1-41F7-BB86-7DDAD627A6DA}">
+      <dgm:prSet/>
+      <dgm:spPr/>
+      <dgm:t>
+        <a:bodyPr/>
+        <a:lstStyle/>
+        <a:p>
+          <a:pPr>
+            <a:defRPr cap="all"/>
+          </a:pPr>
+          <a:r>
+            <a:rPr lang="en-US"/>
+            <a:t>Spullen Bestellen</a:t>
+          </a:r>
+        </a:p>
+      </dgm:t>
+    </dgm:pt>
+    <dgm:pt modelId="{B1D601D9-9518-41ED-A618-B05F3B402DEC}" type="parTrans" cxnId="{95F27D7F-0DEF-4060-BF6C-1F486B96E4B5}">
+      <dgm:prSet/>
+      <dgm:spPr/>
+      <dgm:t>
+        <a:bodyPr/>
+        <a:lstStyle/>
+        <a:p>
+          <a:endParaRPr lang="en-US"/>
+        </a:p>
+      </dgm:t>
+    </dgm:pt>
+    <dgm:pt modelId="{10EF14FA-DC56-43B0-9F40-09EEEBEE5B3F}" type="sibTrans" cxnId="{95F27D7F-0DEF-4060-BF6C-1F486B96E4B5}">
+      <dgm:prSet/>
+      <dgm:spPr/>
+      <dgm:t>
+        <a:bodyPr/>
+        <a:lstStyle/>
+        <a:p>
+          <a:endParaRPr lang="en-US"/>
+        </a:p>
+      </dgm:t>
+    </dgm:pt>
+    <dgm:pt modelId="{507D532F-91EB-487F-9BD5-187952D003CA}">
+      <dgm:prSet/>
+      <dgm:spPr/>
+      <dgm:t>
+        <a:bodyPr/>
+        <a:lstStyle/>
+        <a:p>
+          <a:pPr>
+            <a:defRPr cap="all"/>
+          </a:pPr>
+          <a:r>
+            <a:rPr lang="en-US"/>
+            <a:t>Begin van de app</a:t>
+          </a:r>
+        </a:p>
+      </dgm:t>
+    </dgm:pt>
+    <dgm:pt modelId="{F4458FBC-7F9C-40AC-BC62-0073EB2AD5D3}" type="parTrans" cxnId="{2AA24843-D2F3-4AF3-8C43-FA8C614CE4A1}">
+      <dgm:prSet/>
+      <dgm:spPr/>
+      <dgm:t>
+        <a:bodyPr/>
+        <a:lstStyle/>
+        <a:p>
+          <a:endParaRPr lang="en-US"/>
+        </a:p>
+      </dgm:t>
+    </dgm:pt>
+    <dgm:pt modelId="{49CCFDE8-2C83-45AE-AC06-DE23C22DA939}" type="sibTrans" cxnId="{2AA24843-D2F3-4AF3-8C43-FA8C614CE4A1}">
+      <dgm:prSet/>
+      <dgm:spPr/>
+      <dgm:t>
+        <a:bodyPr/>
+        <a:lstStyle/>
+        <a:p>
+          <a:endParaRPr lang="en-US"/>
+        </a:p>
+      </dgm:t>
+    </dgm:pt>
+    <dgm:pt modelId="{A3E71BEA-D3D1-4E92-9E9E-1BD9DE1D7ABC}">
+      <dgm:prSet/>
+      <dgm:spPr/>
+      <dgm:t>
+        <a:bodyPr/>
+        <a:lstStyle/>
+        <a:p>
+          <a:pPr>
+            <a:defRPr cap="all"/>
+          </a:pPr>
+          <a:r>
+            <a:rPr lang="en-US"/>
+            <a:t>Begonnen aan een 3d print</a:t>
+          </a:r>
+        </a:p>
+      </dgm:t>
+    </dgm:pt>
+    <dgm:pt modelId="{B65B1ABD-B6E0-4449-B78D-91D57806A36A}" type="parTrans" cxnId="{9EF98AB6-1A53-4FA7-B9AF-5BB44B8ED465}">
+      <dgm:prSet/>
+      <dgm:spPr/>
+      <dgm:t>
+        <a:bodyPr/>
+        <a:lstStyle/>
+        <a:p>
+          <a:endParaRPr lang="en-US"/>
+        </a:p>
+      </dgm:t>
+    </dgm:pt>
+    <dgm:pt modelId="{D57AA778-98DA-404D-B429-CD834DBA5BBE}" type="sibTrans" cxnId="{9EF98AB6-1A53-4FA7-B9AF-5BB44B8ED465}">
+      <dgm:prSet/>
+      <dgm:spPr/>
+      <dgm:t>
+        <a:bodyPr/>
+        <a:lstStyle/>
+        <a:p>
+          <a:endParaRPr lang="en-US"/>
+        </a:p>
+      </dgm:t>
+    </dgm:pt>
+    <dgm:pt modelId="{815F9C40-9CB1-4C12-AE2C-45F070E5FCC4}">
+      <dgm:prSet/>
+      <dgm:spPr/>
+      <dgm:t>
+        <a:bodyPr/>
+        <a:lstStyle/>
+        <a:p>
+          <a:pPr>
+            <a:defRPr cap="all"/>
+          </a:pPr>
+          <a:r>
+            <a:rPr lang="en-US"/>
+            <a:t>Basis electronica werkt</a:t>
+          </a:r>
+        </a:p>
+      </dgm:t>
+    </dgm:pt>
+    <dgm:pt modelId="{9283565A-9CD0-450D-886E-0F2F7322E847}" type="parTrans" cxnId="{A8F7CBA8-85F8-4170-911D-B4AE75FC18BF}">
+      <dgm:prSet/>
+      <dgm:spPr/>
+      <dgm:t>
+        <a:bodyPr/>
+        <a:lstStyle/>
+        <a:p>
+          <a:endParaRPr lang="en-US"/>
+        </a:p>
+      </dgm:t>
+    </dgm:pt>
+    <dgm:pt modelId="{D4B2FA74-65B9-4AC4-8C33-866B089B258A}" type="sibTrans" cxnId="{A8F7CBA8-85F8-4170-911D-B4AE75FC18BF}">
+      <dgm:prSet/>
+      <dgm:spPr/>
+      <dgm:t>
+        <a:bodyPr/>
+        <a:lstStyle/>
+        <a:p>
+          <a:endParaRPr lang="en-US"/>
+        </a:p>
+      </dgm:t>
+    </dgm:pt>
+    <dgm:pt modelId="{13E41660-C718-42A7-B4C3-4A9E70289A6A}" type="pres">
+      <dgm:prSet presAssocID="{814AC369-0702-4184-B4BB-DB8FA9668F21}" presName="root" presStyleCnt="0">
+        <dgm:presLayoutVars>
+          <dgm:dir/>
+          <dgm:resizeHandles val="exact"/>
+        </dgm:presLayoutVars>
+      </dgm:prSet>
+      <dgm:spPr/>
+    </dgm:pt>
+    <dgm:pt modelId="{326CE07B-20FD-4A24-84C9-DCCD0FC706DD}" type="pres">
+      <dgm:prSet presAssocID="{107EF4C6-75B1-41F7-BB86-7DDAD627A6DA}" presName="compNode" presStyleCnt="0"/>
+      <dgm:spPr/>
+    </dgm:pt>
+    <dgm:pt modelId="{010F53ED-7760-4057-B98D-1E48C4413A63}" type="pres">
+      <dgm:prSet presAssocID="{107EF4C6-75B1-41F7-BB86-7DDAD627A6DA}" presName="iconBgRect" presStyleLbl="bgShp" presStyleIdx="0" presStyleCnt="4"/>
+      <dgm:spPr/>
+    </dgm:pt>
+    <dgm:pt modelId="{FAF0AC7A-AEE2-4820-8E31-EFEF0E320CB6}" type="pres">
+      <dgm:prSet presAssocID="{107EF4C6-75B1-41F7-BB86-7DDAD627A6DA}" presName="iconRect" presStyleLbl="node1" presStyleIdx="0" presStyleCnt="4"/>
+      <dgm:spPr>
+        <a:blipFill>
+          <a:blip xmlns:r="http://schemas.openxmlformats.org/officeDocument/2006/relationships" r:embed="rId1">
+            <a:extLst>
+              <a:ext uri="{28A0092B-C50C-407E-A947-70E740481C1C}">
+                <a14:useLocalDpi xmlns:a14="http://schemas.microsoft.com/office/drawing/2010/main" val="0"/>
+              </a:ext>
+              <a:ext uri="{96DAC541-7B7A-43D3-8B79-37D633B846F1}">
+                <asvg:svgBlip xmlns:asvg="http://schemas.microsoft.com/office/drawing/2016/SVG/main" r:embed="rId2"/>
+              </a:ext>
+            </a:extLst>
+          </a:blip>
+          <a:stretch>
+            <a:fillRect/>
+          </a:stretch>
+        </a:blipFill>
+        <a:ln>
+          <a:noFill/>
+        </a:ln>
+      </dgm:spPr>
+      <dgm:extLst>
+        <a:ext uri="{E40237B7-FDA0-4F09-8148-C483321AD2D9}">
+          <dgm14:cNvPr xmlns:dgm14="http://schemas.microsoft.com/office/drawing/2010/diagram" id="0" name="" descr="Glue"/>
+        </a:ext>
+      </dgm:extLst>
+    </dgm:pt>
+    <dgm:pt modelId="{F0DD7318-7391-40F7-A5B2-A0CA8DEBA185}" type="pres">
+      <dgm:prSet presAssocID="{107EF4C6-75B1-41F7-BB86-7DDAD627A6DA}" presName="spaceRect" presStyleCnt="0"/>
+      <dgm:spPr/>
+    </dgm:pt>
+    <dgm:pt modelId="{D8D2CF7E-6C3C-4C1E-968D-2EC55E296834}" type="pres">
+      <dgm:prSet presAssocID="{107EF4C6-75B1-41F7-BB86-7DDAD627A6DA}" presName="textRect" presStyleLbl="revTx" presStyleIdx="0" presStyleCnt="4">
+        <dgm:presLayoutVars>
+          <dgm:chMax val="1"/>
+          <dgm:chPref val="1"/>
+        </dgm:presLayoutVars>
+      </dgm:prSet>
+      <dgm:spPr/>
+    </dgm:pt>
+    <dgm:pt modelId="{D0415F20-5112-43BE-8D2C-84D61160AE54}" type="pres">
+      <dgm:prSet presAssocID="{10EF14FA-DC56-43B0-9F40-09EEEBEE5B3F}" presName="sibTrans" presStyleCnt="0"/>
+      <dgm:spPr/>
+    </dgm:pt>
+    <dgm:pt modelId="{D1432A39-B38C-4F2B-A73D-0347A3923275}" type="pres">
+      <dgm:prSet presAssocID="{507D532F-91EB-487F-9BD5-187952D003CA}" presName="compNode" presStyleCnt="0"/>
+      <dgm:spPr/>
+    </dgm:pt>
+    <dgm:pt modelId="{A9424158-7DB8-40F2-B963-CE2459DA2E44}" type="pres">
+      <dgm:prSet presAssocID="{507D532F-91EB-487F-9BD5-187952D003CA}" presName="iconBgRect" presStyleLbl="bgShp" presStyleIdx="1" presStyleCnt="4"/>
+      <dgm:spPr/>
+    </dgm:pt>
+    <dgm:pt modelId="{250B9C5C-77E6-48A0-932D-15A8432D7932}" type="pres">
+      <dgm:prSet presAssocID="{507D532F-91EB-487F-9BD5-187952D003CA}" presName="iconRect" presStyleLbl="node1" presStyleIdx="1" presStyleCnt="4"/>
+      <dgm:spPr>
+        <a:blipFill>
+          <a:blip xmlns:r="http://schemas.openxmlformats.org/officeDocument/2006/relationships" r:embed="rId3">
+            <a:extLst>
+              <a:ext uri="{28A0092B-C50C-407E-A947-70E740481C1C}">
+                <a14:useLocalDpi xmlns:a14="http://schemas.microsoft.com/office/drawing/2010/main" val="0"/>
+              </a:ext>
+              <a:ext uri="{96DAC541-7B7A-43D3-8B79-37D633B846F1}">
+                <asvg:svgBlip xmlns:asvg="http://schemas.microsoft.com/office/drawing/2016/SVG/main" r:embed="rId4"/>
+              </a:ext>
+            </a:extLst>
+          </a:blip>
+          <a:stretch>
+            <a:fillRect/>
+          </a:stretch>
+        </a:blipFill>
+        <a:ln>
+          <a:noFill/>
+        </a:ln>
+      </dgm:spPr>
+      <dgm:extLst>
+        <a:ext uri="{E40237B7-FDA0-4F09-8148-C483321AD2D9}">
+          <dgm14:cNvPr xmlns:dgm14="http://schemas.microsoft.com/office/drawing/2010/diagram" id="0" name="" descr="Smart Phone"/>
+        </a:ext>
+      </dgm:extLst>
+    </dgm:pt>
+    <dgm:pt modelId="{D9858B38-5FB9-4F9C-B31B-8BFB0673C3F9}" type="pres">
+      <dgm:prSet presAssocID="{507D532F-91EB-487F-9BD5-187952D003CA}" presName="spaceRect" presStyleCnt="0"/>
+      <dgm:spPr/>
+    </dgm:pt>
+    <dgm:pt modelId="{3DCE9382-B290-4AEC-9A00-F9279F2E5AD3}" type="pres">
+      <dgm:prSet presAssocID="{507D532F-91EB-487F-9BD5-187952D003CA}" presName="textRect" presStyleLbl="revTx" presStyleIdx="1" presStyleCnt="4">
+        <dgm:presLayoutVars>
+          <dgm:chMax val="1"/>
+          <dgm:chPref val="1"/>
+        </dgm:presLayoutVars>
+      </dgm:prSet>
+      <dgm:spPr/>
+    </dgm:pt>
+    <dgm:pt modelId="{3A73CCA6-E1D6-4E77-ADAB-7255A272BA51}" type="pres">
+      <dgm:prSet presAssocID="{49CCFDE8-2C83-45AE-AC06-DE23C22DA939}" presName="sibTrans" presStyleCnt="0"/>
+      <dgm:spPr/>
+    </dgm:pt>
+    <dgm:pt modelId="{57F78976-083E-4E87-801B-839A36F3D141}" type="pres">
+      <dgm:prSet presAssocID="{A3E71BEA-D3D1-4E92-9E9E-1BD9DE1D7ABC}" presName="compNode" presStyleCnt="0"/>
+      <dgm:spPr/>
+    </dgm:pt>
+    <dgm:pt modelId="{EAD9D067-6A5B-4361-8BEC-C1E86D0C998F}" type="pres">
+      <dgm:prSet presAssocID="{A3E71BEA-D3D1-4E92-9E9E-1BD9DE1D7ABC}" presName="iconBgRect" presStyleLbl="bgShp" presStyleIdx="2" presStyleCnt="4"/>
+      <dgm:spPr/>
+    </dgm:pt>
+    <dgm:pt modelId="{772F8A45-AAA4-4790-9972-6F2979CE29D3}" type="pres">
+      <dgm:prSet presAssocID="{A3E71BEA-D3D1-4E92-9E9E-1BD9DE1D7ABC}" presName="iconRect" presStyleLbl="node1" presStyleIdx="2" presStyleCnt="4"/>
+      <dgm:spPr>
+        <a:blipFill>
+          <a:blip xmlns:r="http://schemas.openxmlformats.org/officeDocument/2006/relationships" r:embed="rId5">
+            <a:extLst>
+              <a:ext uri="{28A0092B-C50C-407E-A947-70E740481C1C}">
+                <a14:useLocalDpi xmlns:a14="http://schemas.microsoft.com/office/drawing/2010/main" val="0"/>
+              </a:ext>
+              <a:ext uri="{96DAC541-7B7A-43D3-8B79-37D633B846F1}">
+                <asvg:svgBlip xmlns:asvg="http://schemas.microsoft.com/office/drawing/2016/SVG/main" r:embed="rId6"/>
+              </a:ext>
+            </a:extLst>
+          </a:blip>
+          <a:stretch>
+            <a:fillRect/>
+          </a:stretch>
+        </a:blipFill>
+        <a:ln>
+          <a:noFill/>
+        </a:ln>
+      </dgm:spPr>
+      <dgm:extLst>
+        <a:ext uri="{E40237B7-FDA0-4F09-8148-C483321AD2D9}">
+          <dgm14:cNvPr xmlns:dgm14="http://schemas.microsoft.com/office/drawing/2010/diagram" id="0" name="" descr="Printer"/>
+        </a:ext>
+      </dgm:extLst>
+    </dgm:pt>
+    <dgm:pt modelId="{49ACA20E-8EC9-4F68-8234-285FC62C2B8A}" type="pres">
+      <dgm:prSet presAssocID="{A3E71BEA-D3D1-4E92-9E9E-1BD9DE1D7ABC}" presName="spaceRect" presStyleCnt="0"/>
+      <dgm:spPr/>
+    </dgm:pt>
+    <dgm:pt modelId="{D10A76C9-AD70-4518-ADD3-26098A969878}" type="pres">
+      <dgm:prSet presAssocID="{A3E71BEA-D3D1-4E92-9E9E-1BD9DE1D7ABC}" presName="textRect" presStyleLbl="revTx" presStyleIdx="2" presStyleCnt="4">
+        <dgm:presLayoutVars>
+          <dgm:chMax val="1"/>
+          <dgm:chPref val="1"/>
+        </dgm:presLayoutVars>
+      </dgm:prSet>
+      <dgm:spPr/>
+    </dgm:pt>
+    <dgm:pt modelId="{7E934AA3-326E-4873-A3B4-76EC62760566}" type="pres">
+      <dgm:prSet presAssocID="{D57AA778-98DA-404D-B429-CD834DBA5BBE}" presName="sibTrans" presStyleCnt="0"/>
+      <dgm:spPr/>
+    </dgm:pt>
+    <dgm:pt modelId="{D96AA0D8-FB21-48C9-8E10-06D5BCB4B9A3}" type="pres">
+      <dgm:prSet presAssocID="{815F9C40-9CB1-4C12-AE2C-45F070E5FCC4}" presName="compNode" presStyleCnt="0"/>
+      <dgm:spPr/>
+    </dgm:pt>
+    <dgm:pt modelId="{7027218F-4950-4A2E-B8F3-AC8FBC9A58AB}" type="pres">
+      <dgm:prSet presAssocID="{815F9C40-9CB1-4C12-AE2C-45F070E5FCC4}" presName="iconBgRect" presStyleLbl="bgShp" presStyleIdx="3" presStyleCnt="4"/>
+      <dgm:spPr/>
+    </dgm:pt>
+    <dgm:pt modelId="{15914AE1-C5B8-4AE0-BB84-CF16A95CDBFA}" type="pres">
+      <dgm:prSet presAssocID="{815F9C40-9CB1-4C12-AE2C-45F070E5FCC4}" presName="iconRect" presStyleLbl="node1" presStyleIdx="3" presStyleCnt="4"/>
+      <dgm:spPr>
+        <a:blipFill>
+          <a:blip xmlns:r="http://schemas.openxmlformats.org/officeDocument/2006/relationships" r:embed="rId7">
+            <a:extLst>
+              <a:ext uri="{28A0092B-C50C-407E-A947-70E740481C1C}">
+                <a14:useLocalDpi xmlns:a14="http://schemas.microsoft.com/office/drawing/2010/main" val="0"/>
+              </a:ext>
+              <a:ext uri="{96DAC541-7B7A-43D3-8B79-37D633B846F1}">
+                <asvg:svgBlip xmlns:asvg="http://schemas.microsoft.com/office/drawing/2016/SVG/main" r:embed="rId8"/>
+              </a:ext>
+            </a:extLst>
+          </a:blip>
+          <a:stretch>
+            <a:fillRect/>
+          </a:stretch>
+        </a:blipFill>
+        <a:ln>
+          <a:noFill/>
+        </a:ln>
+      </dgm:spPr>
+      <dgm:extLst>
+        <a:ext uri="{E40237B7-FDA0-4F09-8148-C483321AD2D9}">
+          <dgm14:cNvPr xmlns:dgm14="http://schemas.microsoft.com/office/drawing/2010/diagram" id="0" name="" descr="Electrician"/>
+        </a:ext>
+      </dgm:extLst>
+    </dgm:pt>
+    <dgm:pt modelId="{E86B6104-B327-4FA3-BEEB-6E0215356779}" type="pres">
+      <dgm:prSet presAssocID="{815F9C40-9CB1-4C12-AE2C-45F070E5FCC4}" presName="spaceRect" presStyleCnt="0"/>
+      <dgm:spPr/>
+    </dgm:pt>
+    <dgm:pt modelId="{8A6F387D-B307-4356-B797-77DB8F960AF8}" type="pres">
+      <dgm:prSet presAssocID="{815F9C40-9CB1-4C12-AE2C-45F070E5FCC4}" presName="textRect" presStyleLbl="revTx" presStyleIdx="3" presStyleCnt="4">
+        <dgm:presLayoutVars>
+          <dgm:chMax val="1"/>
+          <dgm:chPref val="1"/>
+        </dgm:presLayoutVars>
+      </dgm:prSet>
+      <dgm:spPr/>
+    </dgm:pt>
+  </dgm:ptLst>
+  <dgm:cxnLst>
+    <dgm:cxn modelId="{2AA24843-D2F3-4AF3-8C43-FA8C614CE4A1}" srcId="{814AC369-0702-4184-B4BB-DB8FA9668F21}" destId="{507D532F-91EB-487F-9BD5-187952D003CA}" srcOrd="1" destOrd="0" parTransId="{F4458FBC-7F9C-40AC-BC62-0073EB2AD5D3}" sibTransId="{49CCFDE8-2C83-45AE-AC06-DE23C22DA939}"/>
+    <dgm:cxn modelId="{B0273D53-AD6E-4588-B95E-D22037808F14}" type="presOf" srcId="{507D532F-91EB-487F-9BD5-187952D003CA}" destId="{3DCE9382-B290-4AEC-9A00-F9279F2E5AD3}" srcOrd="0" destOrd="0" presId="urn:microsoft.com/office/officeart/2018/5/layout/IconCircleLabelList"/>
+    <dgm:cxn modelId="{528DDD7C-F9C3-4820-A2D5-3D88B91D1280}" type="presOf" srcId="{814AC369-0702-4184-B4BB-DB8FA9668F21}" destId="{13E41660-C718-42A7-B4C3-4A9E70289A6A}" srcOrd="0" destOrd="0" presId="urn:microsoft.com/office/officeart/2018/5/layout/IconCircleLabelList"/>
+    <dgm:cxn modelId="{95F27D7F-0DEF-4060-BF6C-1F486B96E4B5}" srcId="{814AC369-0702-4184-B4BB-DB8FA9668F21}" destId="{107EF4C6-75B1-41F7-BB86-7DDAD627A6DA}" srcOrd="0" destOrd="0" parTransId="{B1D601D9-9518-41ED-A618-B05F3B402DEC}" sibTransId="{10EF14FA-DC56-43B0-9F40-09EEEBEE5B3F}"/>
+    <dgm:cxn modelId="{05A88686-B63B-4166-81EC-6FC718AB529E}" type="presOf" srcId="{107EF4C6-75B1-41F7-BB86-7DDAD627A6DA}" destId="{D8D2CF7E-6C3C-4C1E-968D-2EC55E296834}" srcOrd="0" destOrd="0" presId="urn:microsoft.com/office/officeart/2018/5/layout/IconCircleLabelList"/>
+    <dgm:cxn modelId="{22CEB8A8-6086-4029-92C5-42D56616FEEA}" type="presOf" srcId="{815F9C40-9CB1-4C12-AE2C-45F070E5FCC4}" destId="{8A6F387D-B307-4356-B797-77DB8F960AF8}" srcOrd="0" destOrd="0" presId="urn:microsoft.com/office/officeart/2018/5/layout/IconCircleLabelList"/>
+    <dgm:cxn modelId="{A8F7CBA8-85F8-4170-911D-B4AE75FC18BF}" srcId="{814AC369-0702-4184-B4BB-DB8FA9668F21}" destId="{815F9C40-9CB1-4C12-AE2C-45F070E5FCC4}" srcOrd="3" destOrd="0" parTransId="{9283565A-9CD0-450D-886E-0F2F7322E847}" sibTransId="{D4B2FA74-65B9-4AC4-8C33-866B089B258A}"/>
+    <dgm:cxn modelId="{9EF98AB6-1A53-4FA7-B9AF-5BB44B8ED465}" srcId="{814AC369-0702-4184-B4BB-DB8FA9668F21}" destId="{A3E71BEA-D3D1-4E92-9E9E-1BD9DE1D7ABC}" srcOrd="2" destOrd="0" parTransId="{B65B1ABD-B6E0-4449-B78D-91D57806A36A}" sibTransId="{D57AA778-98DA-404D-B429-CD834DBA5BBE}"/>
+    <dgm:cxn modelId="{DDBEB4CF-9811-4B59-B6E3-A42181748865}" type="presOf" srcId="{A3E71BEA-D3D1-4E92-9E9E-1BD9DE1D7ABC}" destId="{D10A76C9-AD70-4518-ADD3-26098A969878}" srcOrd="0" destOrd="0" presId="urn:microsoft.com/office/officeart/2018/5/layout/IconCircleLabelList"/>
+    <dgm:cxn modelId="{0697D648-4E3A-4C4D-908D-7478D6A4B1B1}" type="presParOf" srcId="{13E41660-C718-42A7-B4C3-4A9E70289A6A}" destId="{326CE07B-20FD-4A24-84C9-DCCD0FC706DD}" srcOrd="0" destOrd="0" presId="urn:microsoft.com/office/officeart/2018/5/layout/IconCircleLabelList"/>
+    <dgm:cxn modelId="{AB623D93-BE77-4CFB-8B3A-1B07A5077C36}" type="presParOf" srcId="{326CE07B-20FD-4A24-84C9-DCCD0FC706DD}" destId="{010F53ED-7760-4057-B98D-1E48C4413A63}" srcOrd="0" destOrd="0" presId="urn:microsoft.com/office/officeart/2018/5/layout/IconCircleLabelList"/>
+    <dgm:cxn modelId="{23A8B8FA-E2ED-4B71-9F72-A2B8557DE42F}" type="presParOf" srcId="{326CE07B-20FD-4A24-84C9-DCCD0FC706DD}" destId="{FAF0AC7A-AEE2-4820-8E31-EFEF0E320CB6}" srcOrd="1" destOrd="0" presId="urn:microsoft.com/office/officeart/2018/5/layout/IconCircleLabelList"/>
+    <dgm:cxn modelId="{73F0F4C0-3C23-4C3B-B538-FBF3EE864751}" type="presParOf" srcId="{326CE07B-20FD-4A24-84C9-DCCD0FC706DD}" destId="{F0DD7318-7391-40F7-A5B2-A0CA8DEBA185}" srcOrd="2" destOrd="0" presId="urn:microsoft.com/office/officeart/2018/5/layout/IconCircleLabelList"/>
+    <dgm:cxn modelId="{7FF58934-8B22-496A-AD52-32DB987BEFD0}" type="presParOf" srcId="{326CE07B-20FD-4A24-84C9-DCCD0FC706DD}" destId="{D8D2CF7E-6C3C-4C1E-968D-2EC55E296834}" srcOrd="3" destOrd="0" presId="urn:microsoft.com/office/officeart/2018/5/layout/IconCircleLabelList"/>
+    <dgm:cxn modelId="{671BDBDF-06D2-43D1-8477-034C5AD6A3B8}" type="presParOf" srcId="{13E41660-C718-42A7-B4C3-4A9E70289A6A}" destId="{D0415F20-5112-43BE-8D2C-84D61160AE54}" srcOrd="1" destOrd="0" presId="urn:microsoft.com/office/officeart/2018/5/layout/IconCircleLabelList"/>
+    <dgm:cxn modelId="{FECFCCD2-6961-42B0-BC7F-578F966A1EDE}" type="presParOf" srcId="{13E41660-C718-42A7-B4C3-4A9E70289A6A}" destId="{D1432A39-B38C-4F2B-A73D-0347A3923275}" srcOrd="2" destOrd="0" presId="urn:microsoft.com/office/officeart/2018/5/layout/IconCircleLabelList"/>
+    <dgm:cxn modelId="{76712FC3-3BF3-4FFF-84FC-5E9F0ADDAB86}" type="presParOf" srcId="{D1432A39-B38C-4F2B-A73D-0347A3923275}" destId="{A9424158-7DB8-40F2-B963-CE2459DA2E44}" srcOrd="0" destOrd="0" presId="urn:microsoft.com/office/officeart/2018/5/layout/IconCircleLabelList"/>
+    <dgm:cxn modelId="{CF1829DC-E00C-4E72-8954-3C71CD89F88D}" type="presParOf" srcId="{D1432A39-B38C-4F2B-A73D-0347A3923275}" destId="{250B9C5C-77E6-48A0-932D-15A8432D7932}" srcOrd="1" destOrd="0" presId="urn:microsoft.com/office/officeart/2018/5/layout/IconCircleLabelList"/>
+    <dgm:cxn modelId="{A882F5DD-1806-458F-A464-792DF455578E}" type="presParOf" srcId="{D1432A39-B38C-4F2B-A73D-0347A3923275}" destId="{D9858B38-5FB9-4F9C-B31B-8BFB0673C3F9}" srcOrd="2" destOrd="0" presId="urn:microsoft.com/office/officeart/2018/5/layout/IconCircleLabelList"/>
+    <dgm:cxn modelId="{8D78D69B-BBE8-42D0-8F77-A2FEB8A48C38}" type="presParOf" srcId="{D1432A39-B38C-4F2B-A73D-0347A3923275}" destId="{3DCE9382-B290-4AEC-9A00-F9279F2E5AD3}" srcOrd="3" destOrd="0" presId="urn:microsoft.com/office/officeart/2018/5/layout/IconCircleLabelList"/>
+    <dgm:cxn modelId="{F1D9ADCB-8857-4897-AA6D-C72FFB081F6C}" type="presParOf" srcId="{13E41660-C718-42A7-B4C3-4A9E70289A6A}" destId="{3A73CCA6-E1D6-4E77-ADAB-7255A272BA51}" srcOrd="3" destOrd="0" presId="urn:microsoft.com/office/officeart/2018/5/layout/IconCircleLabelList"/>
+    <dgm:cxn modelId="{8B2D7124-E84E-4E9D-B862-287DAEB96E91}" type="presParOf" srcId="{13E41660-C718-42A7-B4C3-4A9E70289A6A}" destId="{57F78976-083E-4E87-801B-839A36F3D141}" srcOrd="4" destOrd="0" presId="urn:microsoft.com/office/officeart/2018/5/layout/IconCircleLabelList"/>
+    <dgm:cxn modelId="{29B54931-8BB3-4289-984B-BC756490C28A}" type="presParOf" srcId="{57F78976-083E-4E87-801B-839A36F3D141}" destId="{EAD9D067-6A5B-4361-8BEC-C1E86D0C998F}" srcOrd="0" destOrd="0" presId="urn:microsoft.com/office/officeart/2018/5/layout/IconCircleLabelList"/>
+    <dgm:cxn modelId="{3534D719-052D-4D1F-879C-535196D08307}" type="presParOf" srcId="{57F78976-083E-4E87-801B-839A36F3D141}" destId="{772F8A45-AAA4-4790-9972-6F2979CE29D3}" srcOrd="1" destOrd="0" presId="urn:microsoft.com/office/officeart/2018/5/layout/IconCircleLabelList"/>
+    <dgm:cxn modelId="{C40978E5-40DC-4926-851B-6623465E7A21}" type="presParOf" srcId="{57F78976-083E-4E87-801B-839A36F3D141}" destId="{49ACA20E-8EC9-4F68-8234-285FC62C2B8A}" srcOrd="2" destOrd="0" presId="urn:microsoft.com/office/officeart/2018/5/layout/IconCircleLabelList"/>
+    <dgm:cxn modelId="{DDEA08BB-7CF9-46EE-B479-B761C7260B44}" type="presParOf" srcId="{57F78976-083E-4E87-801B-839A36F3D141}" destId="{D10A76C9-AD70-4518-ADD3-26098A969878}" srcOrd="3" destOrd="0" presId="urn:microsoft.com/office/officeart/2018/5/layout/IconCircleLabelList"/>
+    <dgm:cxn modelId="{1117FD80-BFF5-46E8-B871-1C7955BE8D33}" type="presParOf" srcId="{13E41660-C718-42A7-B4C3-4A9E70289A6A}" destId="{7E934AA3-326E-4873-A3B4-76EC62760566}" srcOrd="5" destOrd="0" presId="urn:microsoft.com/office/officeart/2018/5/layout/IconCircleLabelList"/>
+    <dgm:cxn modelId="{59452506-038A-4A73-B3A5-6C4B60D3CD3C}" type="presParOf" srcId="{13E41660-C718-42A7-B4C3-4A9E70289A6A}" destId="{D96AA0D8-FB21-48C9-8E10-06D5BCB4B9A3}" srcOrd="6" destOrd="0" presId="urn:microsoft.com/office/officeart/2018/5/layout/IconCircleLabelList"/>
+    <dgm:cxn modelId="{0F32F115-20A8-4F26-A9B4-1C6DB1F671BE}" type="presParOf" srcId="{D96AA0D8-FB21-48C9-8E10-06D5BCB4B9A3}" destId="{7027218F-4950-4A2E-B8F3-AC8FBC9A58AB}" srcOrd="0" destOrd="0" presId="urn:microsoft.com/office/officeart/2018/5/layout/IconCircleLabelList"/>
+    <dgm:cxn modelId="{0E6C5369-5832-4C36-98A8-F5C271EB0A47}" type="presParOf" srcId="{D96AA0D8-FB21-48C9-8E10-06D5BCB4B9A3}" destId="{15914AE1-C5B8-4AE0-BB84-CF16A95CDBFA}" srcOrd="1" destOrd="0" presId="urn:microsoft.com/office/officeart/2018/5/layout/IconCircleLabelList"/>
+    <dgm:cxn modelId="{0EF2930F-4B8E-4211-BEE1-AD65AC9C006B}" type="presParOf" srcId="{D96AA0D8-FB21-48C9-8E10-06D5BCB4B9A3}" destId="{E86B6104-B327-4FA3-BEEB-6E0215356779}" srcOrd="2" destOrd="0" presId="urn:microsoft.com/office/officeart/2018/5/layout/IconCircleLabelList"/>
+    <dgm:cxn modelId="{7228D13A-0DA5-4D86-BABD-ECEF7EA5267D}" type="presParOf" srcId="{D96AA0D8-FB21-48C9-8E10-06D5BCB4B9A3}" destId="{8A6F387D-B307-4356-B797-77DB8F960AF8}" srcOrd="3" destOrd="0" presId="urn:microsoft.com/office/officeart/2018/5/layout/IconCircleLabelList"/>
+  </dgm:cxnLst>
+  <dgm:bg/>
+  <dgm:whole/>
+  <dgm:extLst>
+    <a:ext uri="http://schemas.microsoft.com/office/drawing/2008/diagram">
+      <dsp:dataModelExt xmlns:dsp="http://schemas.microsoft.com/office/drawing/2008/diagram" relId="rId7" minVer="http://schemas.openxmlformats.org/drawingml/2006/diagram"/>
+    </a:ext>
+  </dgm:extLst>
+</dgm:dataModel>
+</file>
+
+<file path=ppt/diagrams/drawing1.xml><?xml version="1.0" encoding="utf-8"?>
+<dsp:drawing xmlns:dgm="http://schemas.openxmlformats.org/drawingml/2006/diagram" xmlns:dsp="http://schemas.microsoft.com/office/drawing/2008/diagram" xmlns:a="http://schemas.openxmlformats.org/drawingml/2006/main">
+  <dsp:spTree>
+    <dsp:nvGrpSpPr>
+      <dsp:cNvPr id="0" name=""/>
+      <dsp:cNvGrpSpPr/>
+    </dsp:nvGrpSpPr>
+    <dsp:grpSpPr/>
+    <dsp:sp modelId="{010F53ED-7760-4057-B98D-1E48C4413A63}">
+      <dsp:nvSpPr>
+        <dsp:cNvPr id="0" name=""/>
+        <dsp:cNvSpPr/>
+      </dsp:nvSpPr>
+      <dsp:spPr>
+        <a:xfrm>
+          <a:off x="707776" y="390035"/>
+          <a:ext cx="1252520" cy="1252520"/>
+        </a:xfrm>
+        <a:prstGeom prst="ellipse">
+          <a:avLst/>
+        </a:prstGeom>
+        <a:solidFill>
+          <a:schemeClr val="accent2">
+            <a:hueOff val="0"/>
+            <a:satOff val="0"/>
+            <a:lumOff val="0"/>
+            <a:alphaOff val="0"/>
+          </a:schemeClr>
+        </a:solidFill>
+        <a:ln>
+          <a:noFill/>
+        </a:ln>
+        <a:effectLst/>
+      </dsp:spPr>
+      <dsp:style>
+        <a:lnRef idx="0">
+          <a:scrgbClr r="0" g="0" b="0"/>
+        </a:lnRef>
+        <a:fillRef idx="1">
+          <a:scrgbClr r="0" g="0" b="0"/>
+        </a:fillRef>
+        <a:effectRef idx="0">
+          <a:scrgbClr r="0" g="0" b="0"/>
+        </a:effectRef>
+        <a:fontRef idx="minor"/>
+      </dsp:style>
+    </dsp:sp>
+    <dsp:sp modelId="{FAF0AC7A-AEE2-4820-8E31-EFEF0E320CB6}">
+      <dsp:nvSpPr>
+        <dsp:cNvPr id="0" name=""/>
+        <dsp:cNvSpPr/>
+      </dsp:nvSpPr>
+      <dsp:spPr>
+        <a:xfrm>
+          <a:off x="974707" y="656966"/>
+          <a:ext cx="718659" cy="718659"/>
+        </a:xfrm>
+        <a:prstGeom prst="rect">
+          <a:avLst/>
+        </a:prstGeom>
+        <a:blipFill>
+          <a:blip xmlns:r="http://schemas.openxmlformats.org/officeDocument/2006/relationships" r:embed="rId1">
+            <a:extLst>
+              <a:ext uri="{28A0092B-C50C-407E-A947-70E740481C1C}">
+                <a14:useLocalDpi xmlns:a14="http://schemas.microsoft.com/office/drawing/2010/main" val="0"/>
+              </a:ext>
+              <a:ext uri="{96DAC541-7B7A-43D3-8B79-37D633B846F1}">
+                <asvg:svgBlip xmlns:asvg="http://schemas.microsoft.com/office/drawing/2016/SVG/main" r:embed="rId2"/>
+              </a:ext>
+            </a:extLst>
+          </a:blip>
+          <a:stretch>
+            <a:fillRect/>
+          </a:stretch>
+        </a:blipFill>
+        <a:ln w="15875" cap="flat" cmpd="sng" algn="ctr">
+          <a:noFill/>
+          <a:prstDash val="solid"/>
+        </a:ln>
+        <a:effectLst/>
+      </dsp:spPr>
+      <dsp:style>
+        <a:lnRef idx="2">
+          <a:scrgbClr r="0" g="0" b="0"/>
+        </a:lnRef>
+        <a:fillRef idx="1">
+          <a:scrgbClr r="0" g="0" b="0"/>
+        </a:fillRef>
+        <a:effectRef idx="0">
+          <a:scrgbClr r="0" g="0" b="0"/>
+        </a:effectRef>
+        <a:fontRef idx="minor">
+          <a:schemeClr val="lt1"/>
+        </a:fontRef>
+      </dsp:style>
+    </dsp:sp>
+    <dsp:sp modelId="{D8D2CF7E-6C3C-4C1E-968D-2EC55E296834}">
+      <dsp:nvSpPr>
+        <dsp:cNvPr id="0" name=""/>
+        <dsp:cNvSpPr/>
+      </dsp:nvSpPr>
+      <dsp:spPr>
+        <a:xfrm>
+          <a:off x="307380" y="2032685"/>
+          <a:ext cx="2053312" cy="720000"/>
+        </a:xfrm>
+        <a:prstGeom prst="rect">
+          <a:avLst/>
+        </a:prstGeom>
+        <a:noFill/>
+        <a:ln>
+          <a:noFill/>
+        </a:ln>
+        <a:effectLst/>
+      </dsp:spPr>
+      <dsp:style>
+        <a:lnRef idx="0">
+          <a:scrgbClr r="0" g="0" b="0"/>
+        </a:lnRef>
+        <a:fillRef idx="0">
+          <a:scrgbClr r="0" g="0" b="0"/>
+        </a:fillRef>
+        <a:effectRef idx="0">
+          <a:scrgbClr r="0" g="0" b="0"/>
+        </a:effectRef>
+        <a:fontRef idx="minor"/>
+      </dsp:style>
+      <dsp:txBody>
+        <a:bodyPr spcFirstLastPara="0" vert="horz" wrap="square" lIns="0" tIns="0" rIns="0" bIns="0" numCol="1" spcCol="1270" anchor="t" anchorCtr="0">
+          <a:noAutofit/>
+        </a:bodyPr>
+        <a:lstStyle/>
+        <a:p>
+          <a:pPr marL="0" lvl="0" indent="0" algn="ctr" defTabSz="844550">
+            <a:lnSpc>
+              <a:spcPct val="90000"/>
+            </a:lnSpc>
+            <a:spcBef>
+              <a:spcPct val="0"/>
+            </a:spcBef>
+            <a:spcAft>
+              <a:spcPct val="35000"/>
+            </a:spcAft>
+            <a:buNone/>
+            <a:defRPr cap="all"/>
+          </a:pPr>
+          <a:r>
+            <a:rPr lang="en-US" sz="1900" kern="1200"/>
+            <a:t>Spullen Bestellen</a:t>
+          </a:r>
+        </a:p>
+      </dsp:txBody>
+      <dsp:txXfrm>
+        <a:off x="307380" y="2032685"/>
+        <a:ext cx="2053312" cy="720000"/>
+      </dsp:txXfrm>
+    </dsp:sp>
+    <dsp:sp modelId="{A9424158-7DB8-40F2-B963-CE2459DA2E44}">
+      <dsp:nvSpPr>
+        <dsp:cNvPr id="0" name=""/>
+        <dsp:cNvSpPr/>
+      </dsp:nvSpPr>
+      <dsp:spPr>
+        <a:xfrm>
+          <a:off x="3120418" y="390035"/>
+          <a:ext cx="1252520" cy="1252520"/>
+        </a:xfrm>
+        <a:prstGeom prst="ellipse">
+          <a:avLst/>
+        </a:prstGeom>
+        <a:solidFill>
+          <a:schemeClr val="accent3">
+            <a:hueOff val="0"/>
+            <a:satOff val="0"/>
+            <a:lumOff val="0"/>
+            <a:alphaOff val="0"/>
+          </a:schemeClr>
+        </a:solidFill>
+        <a:ln>
+          <a:noFill/>
+        </a:ln>
+        <a:effectLst/>
+      </dsp:spPr>
+      <dsp:style>
+        <a:lnRef idx="0">
+          <a:scrgbClr r="0" g="0" b="0"/>
+        </a:lnRef>
+        <a:fillRef idx="1">
+          <a:scrgbClr r="0" g="0" b="0"/>
+        </a:fillRef>
+        <a:effectRef idx="0">
+          <a:scrgbClr r="0" g="0" b="0"/>
+        </a:effectRef>
+        <a:fontRef idx="minor"/>
+      </dsp:style>
+    </dsp:sp>
+    <dsp:sp modelId="{250B9C5C-77E6-48A0-932D-15A8432D7932}">
+      <dsp:nvSpPr>
+        <dsp:cNvPr id="0" name=""/>
+        <dsp:cNvSpPr/>
+      </dsp:nvSpPr>
+      <dsp:spPr>
+        <a:xfrm>
+          <a:off x="3387349" y="656966"/>
+          <a:ext cx="718659" cy="718659"/>
+        </a:xfrm>
+        <a:prstGeom prst="rect">
+          <a:avLst/>
+        </a:prstGeom>
+        <a:blipFill>
+          <a:blip xmlns:r="http://schemas.openxmlformats.org/officeDocument/2006/relationships" r:embed="rId3">
+            <a:extLst>
+              <a:ext uri="{28A0092B-C50C-407E-A947-70E740481C1C}">
+                <a14:useLocalDpi xmlns:a14="http://schemas.microsoft.com/office/drawing/2010/main" val="0"/>
+              </a:ext>
+              <a:ext uri="{96DAC541-7B7A-43D3-8B79-37D633B846F1}">
+                <asvg:svgBlip xmlns:asvg="http://schemas.microsoft.com/office/drawing/2016/SVG/main" r:embed="rId4"/>
+              </a:ext>
+            </a:extLst>
+          </a:blip>
+          <a:stretch>
+            <a:fillRect/>
+          </a:stretch>
+        </a:blipFill>
+        <a:ln w="15875" cap="flat" cmpd="sng" algn="ctr">
+          <a:noFill/>
+          <a:prstDash val="solid"/>
+        </a:ln>
+        <a:effectLst/>
+      </dsp:spPr>
+      <dsp:style>
+        <a:lnRef idx="2">
+          <a:scrgbClr r="0" g="0" b="0"/>
+        </a:lnRef>
+        <a:fillRef idx="1">
+          <a:scrgbClr r="0" g="0" b="0"/>
+        </a:fillRef>
+        <a:effectRef idx="0">
+          <a:scrgbClr r="0" g="0" b="0"/>
+        </a:effectRef>
+        <a:fontRef idx="minor">
+          <a:schemeClr val="lt1"/>
+        </a:fontRef>
+      </dsp:style>
+    </dsp:sp>
+    <dsp:sp modelId="{3DCE9382-B290-4AEC-9A00-F9279F2E5AD3}">
+      <dsp:nvSpPr>
+        <dsp:cNvPr id="0" name=""/>
+        <dsp:cNvSpPr/>
+      </dsp:nvSpPr>
+      <dsp:spPr>
+        <a:xfrm>
+          <a:off x="2720022" y="2032685"/>
+          <a:ext cx="2053312" cy="720000"/>
+        </a:xfrm>
+        <a:prstGeom prst="rect">
+          <a:avLst/>
+        </a:prstGeom>
+        <a:noFill/>
+        <a:ln>
+          <a:noFill/>
+        </a:ln>
+        <a:effectLst/>
+      </dsp:spPr>
+      <dsp:style>
+        <a:lnRef idx="0">
+          <a:scrgbClr r="0" g="0" b="0"/>
+        </a:lnRef>
+        <a:fillRef idx="0">
+          <a:scrgbClr r="0" g="0" b="0"/>
+        </a:fillRef>
+        <a:effectRef idx="0">
+          <a:scrgbClr r="0" g="0" b="0"/>
+        </a:effectRef>
+        <a:fontRef idx="minor"/>
+      </dsp:style>
+      <dsp:txBody>
+        <a:bodyPr spcFirstLastPara="0" vert="horz" wrap="square" lIns="0" tIns="0" rIns="0" bIns="0" numCol="1" spcCol="1270" anchor="t" anchorCtr="0">
+          <a:noAutofit/>
+        </a:bodyPr>
+        <a:lstStyle/>
+        <a:p>
+          <a:pPr marL="0" lvl="0" indent="0" algn="ctr" defTabSz="844550">
+            <a:lnSpc>
+              <a:spcPct val="90000"/>
+            </a:lnSpc>
+            <a:spcBef>
+              <a:spcPct val="0"/>
+            </a:spcBef>
+            <a:spcAft>
+              <a:spcPct val="35000"/>
+            </a:spcAft>
+            <a:buNone/>
+            <a:defRPr cap="all"/>
+          </a:pPr>
+          <a:r>
+            <a:rPr lang="en-US" sz="1900" kern="1200"/>
+            <a:t>Begin van de app</a:t>
+          </a:r>
+        </a:p>
+      </dsp:txBody>
+      <dsp:txXfrm>
+        <a:off x="2720022" y="2032685"/>
+        <a:ext cx="2053312" cy="720000"/>
+      </dsp:txXfrm>
+    </dsp:sp>
+    <dsp:sp modelId="{EAD9D067-6A5B-4361-8BEC-C1E86D0C998F}">
+      <dsp:nvSpPr>
+        <dsp:cNvPr id="0" name=""/>
+        <dsp:cNvSpPr/>
+      </dsp:nvSpPr>
+      <dsp:spPr>
+        <a:xfrm>
+          <a:off x="5533060" y="390035"/>
+          <a:ext cx="1252520" cy="1252520"/>
+        </a:xfrm>
+        <a:prstGeom prst="ellipse">
+          <a:avLst/>
+        </a:prstGeom>
+        <a:solidFill>
+          <a:schemeClr val="accent4">
+            <a:hueOff val="0"/>
+            <a:satOff val="0"/>
+            <a:lumOff val="0"/>
+            <a:alphaOff val="0"/>
+          </a:schemeClr>
+        </a:solidFill>
+        <a:ln>
+          <a:noFill/>
+        </a:ln>
+        <a:effectLst/>
+      </dsp:spPr>
+      <dsp:style>
+        <a:lnRef idx="0">
+          <a:scrgbClr r="0" g="0" b="0"/>
+        </a:lnRef>
+        <a:fillRef idx="1">
+          <a:scrgbClr r="0" g="0" b="0"/>
+        </a:fillRef>
+        <a:effectRef idx="0">
+          <a:scrgbClr r="0" g="0" b="0"/>
+        </a:effectRef>
+        <a:fontRef idx="minor"/>
+      </dsp:style>
+    </dsp:sp>
+    <dsp:sp modelId="{772F8A45-AAA4-4790-9972-6F2979CE29D3}">
+      <dsp:nvSpPr>
+        <dsp:cNvPr id="0" name=""/>
+        <dsp:cNvSpPr/>
+      </dsp:nvSpPr>
+      <dsp:spPr>
+        <a:xfrm>
+          <a:off x="5799991" y="656966"/>
+          <a:ext cx="718659" cy="718659"/>
+        </a:xfrm>
+        <a:prstGeom prst="rect">
+          <a:avLst/>
+        </a:prstGeom>
+        <a:blipFill>
+          <a:blip xmlns:r="http://schemas.openxmlformats.org/officeDocument/2006/relationships" r:embed="rId5">
+            <a:extLst>
+              <a:ext uri="{28A0092B-C50C-407E-A947-70E740481C1C}">
+                <a14:useLocalDpi xmlns:a14="http://schemas.microsoft.com/office/drawing/2010/main" val="0"/>
+              </a:ext>
+              <a:ext uri="{96DAC541-7B7A-43D3-8B79-37D633B846F1}">
+                <asvg:svgBlip xmlns:asvg="http://schemas.microsoft.com/office/drawing/2016/SVG/main" r:embed="rId6"/>
+              </a:ext>
+            </a:extLst>
+          </a:blip>
+          <a:stretch>
+            <a:fillRect/>
+          </a:stretch>
+        </a:blipFill>
+        <a:ln w="15875" cap="flat" cmpd="sng" algn="ctr">
+          <a:noFill/>
+          <a:prstDash val="solid"/>
+        </a:ln>
+        <a:effectLst/>
+      </dsp:spPr>
+      <dsp:style>
+        <a:lnRef idx="2">
+          <a:scrgbClr r="0" g="0" b="0"/>
+        </a:lnRef>
+        <a:fillRef idx="1">
+          <a:scrgbClr r="0" g="0" b="0"/>
+        </a:fillRef>
+        <a:effectRef idx="0">
+          <a:scrgbClr r="0" g="0" b="0"/>
+        </a:effectRef>
+        <a:fontRef idx="minor">
+          <a:schemeClr val="lt1"/>
+        </a:fontRef>
+      </dsp:style>
+    </dsp:sp>
+    <dsp:sp modelId="{D10A76C9-AD70-4518-ADD3-26098A969878}">
+      <dsp:nvSpPr>
+        <dsp:cNvPr id="0" name=""/>
+        <dsp:cNvSpPr/>
+      </dsp:nvSpPr>
+      <dsp:spPr>
+        <a:xfrm>
+          <a:off x="5132664" y="2032685"/>
+          <a:ext cx="2053312" cy="720000"/>
+        </a:xfrm>
+        <a:prstGeom prst="rect">
+          <a:avLst/>
+        </a:prstGeom>
+        <a:noFill/>
+        <a:ln>
+          <a:noFill/>
+        </a:ln>
+        <a:effectLst/>
+      </dsp:spPr>
+      <dsp:style>
+        <a:lnRef idx="0">
+          <a:scrgbClr r="0" g="0" b="0"/>
+        </a:lnRef>
+        <a:fillRef idx="0">
+          <a:scrgbClr r="0" g="0" b="0"/>
+        </a:fillRef>
+        <a:effectRef idx="0">
+          <a:scrgbClr r="0" g="0" b="0"/>
+        </a:effectRef>
+        <a:fontRef idx="minor"/>
+      </dsp:style>
+      <dsp:txBody>
+        <a:bodyPr spcFirstLastPara="0" vert="horz" wrap="square" lIns="0" tIns="0" rIns="0" bIns="0" numCol="1" spcCol="1270" anchor="t" anchorCtr="0">
+          <a:noAutofit/>
+        </a:bodyPr>
+        <a:lstStyle/>
+        <a:p>
+          <a:pPr marL="0" lvl="0" indent="0" algn="ctr" defTabSz="844550">
+            <a:lnSpc>
+              <a:spcPct val="90000"/>
+            </a:lnSpc>
+            <a:spcBef>
+              <a:spcPct val="0"/>
+            </a:spcBef>
+            <a:spcAft>
+              <a:spcPct val="35000"/>
+            </a:spcAft>
+            <a:buNone/>
+            <a:defRPr cap="all"/>
+          </a:pPr>
+          <a:r>
+            <a:rPr lang="en-US" sz="1900" kern="1200"/>
+            <a:t>Begonnen aan een 3d print</a:t>
+          </a:r>
+        </a:p>
+      </dsp:txBody>
+      <dsp:txXfrm>
+        <a:off x="5132664" y="2032685"/>
+        <a:ext cx="2053312" cy="720000"/>
+      </dsp:txXfrm>
+    </dsp:sp>
+    <dsp:sp modelId="{7027218F-4950-4A2E-B8F3-AC8FBC9A58AB}">
+      <dsp:nvSpPr>
+        <dsp:cNvPr id="0" name=""/>
+        <dsp:cNvSpPr/>
+      </dsp:nvSpPr>
+      <dsp:spPr>
+        <a:xfrm>
+          <a:off x="7945702" y="390035"/>
+          <a:ext cx="1252520" cy="1252520"/>
+        </a:xfrm>
+        <a:prstGeom prst="ellipse">
+          <a:avLst/>
+        </a:prstGeom>
+        <a:solidFill>
+          <a:schemeClr val="accent5">
+            <a:hueOff val="0"/>
+            <a:satOff val="0"/>
+            <a:lumOff val="0"/>
+            <a:alphaOff val="0"/>
+          </a:schemeClr>
+        </a:solidFill>
+        <a:ln>
+          <a:noFill/>
+        </a:ln>
+        <a:effectLst/>
+      </dsp:spPr>
+      <dsp:style>
+        <a:lnRef idx="0">
+          <a:scrgbClr r="0" g="0" b="0"/>
+        </a:lnRef>
+        <a:fillRef idx="1">
+          <a:scrgbClr r="0" g="0" b="0"/>
+        </a:fillRef>
+        <a:effectRef idx="0">
+          <a:scrgbClr r="0" g="0" b="0"/>
+        </a:effectRef>
+        <a:fontRef idx="minor"/>
+      </dsp:style>
+    </dsp:sp>
+    <dsp:sp modelId="{15914AE1-C5B8-4AE0-BB84-CF16A95CDBFA}">
+      <dsp:nvSpPr>
+        <dsp:cNvPr id="0" name=""/>
+        <dsp:cNvSpPr/>
+      </dsp:nvSpPr>
+      <dsp:spPr>
+        <a:xfrm>
+          <a:off x="8212633" y="656966"/>
+          <a:ext cx="718659" cy="718659"/>
+        </a:xfrm>
+        <a:prstGeom prst="rect">
+          <a:avLst/>
+        </a:prstGeom>
+        <a:blipFill>
+          <a:blip xmlns:r="http://schemas.openxmlformats.org/officeDocument/2006/relationships" r:embed="rId7">
+            <a:extLst>
+              <a:ext uri="{28A0092B-C50C-407E-A947-70E740481C1C}">
+                <a14:useLocalDpi xmlns:a14="http://schemas.microsoft.com/office/drawing/2010/main" val="0"/>
+              </a:ext>
+              <a:ext uri="{96DAC541-7B7A-43D3-8B79-37D633B846F1}">
+                <asvg:svgBlip xmlns:asvg="http://schemas.microsoft.com/office/drawing/2016/SVG/main" r:embed="rId8"/>
+              </a:ext>
+            </a:extLst>
+          </a:blip>
+          <a:stretch>
+            <a:fillRect/>
+          </a:stretch>
+        </a:blipFill>
+        <a:ln w="15875" cap="flat" cmpd="sng" algn="ctr">
+          <a:noFill/>
+          <a:prstDash val="solid"/>
+        </a:ln>
+        <a:effectLst/>
+      </dsp:spPr>
+      <dsp:style>
+        <a:lnRef idx="2">
+          <a:scrgbClr r="0" g="0" b="0"/>
+        </a:lnRef>
+        <a:fillRef idx="1">
+          <a:scrgbClr r="0" g="0" b="0"/>
+        </a:fillRef>
+        <a:effectRef idx="0">
+          <a:scrgbClr r="0" g="0" b="0"/>
+        </a:effectRef>
+        <a:fontRef idx="minor">
+          <a:schemeClr val="lt1"/>
+        </a:fontRef>
+      </dsp:style>
+    </dsp:sp>
+    <dsp:sp modelId="{8A6F387D-B307-4356-B797-77DB8F960AF8}">
+      <dsp:nvSpPr>
+        <dsp:cNvPr id="0" name=""/>
+        <dsp:cNvSpPr/>
+      </dsp:nvSpPr>
+      <dsp:spPr>
+        <a:xfrm>
+          <a:off x="7545307" y="2032685"/>
+          <a:ext cx="2053312" cy="720000"/>
+        </a:xfrm>
+        <a:prstGeom prst="rect">
+          <a:avLst/>
+        </a:prstGeom>
+        <a:noFill/>
+        <a:ln>
+          <a:noFill/>
+        </a:ln>
+        <a:effectLst/>
+      </dsp:spPr>
+      <dsp:style>
+        <a:lnRef idx="0">
+          <a:scrgbClr r="0" g="0" b="0"/>
+        </a:lnRef>
+        <a:fillRef idx="0">
+          <a:scrgbClr r="0" g="0" b="0"/>
+        </a:fillRef>
+        <a:effectRef idx="0">
+          <a:scrgbClr r="0" g="0" b="0"/>
+        </a:effectRef>
+        <a:fontRef idx="minor"/>
+      </dsp:style>
+      <dsp:txBody>
+        <a:bodyPr spcFirstLastPara="0" vert="horz" wrap="square" lIns="0" tIns="0" rIns="0" bIns="0" numCol="1" spcCol="1270" anchor="t" anchorCtr="0">
+          <a:noAutofit/>
+        </a:bodyPr>
+        <a:lstStyle/>
+        <a:p>
+          <a:pPr marL="0" lvl="0" indent="0" algn="ctr" defTabSz="844550">
+            <a:lnSpc>
+              <a:spcPct val="90000"/>
+            </a:lnSpc>
+            <a:spcBef>
+              <a:spcPct val="0"/>
+            </a:spcBef>
+            <a:spcAft>
+              <a:spcPct val="35000"/>
+            </a:spcAft>
+            <a:buNone/>
+            <a:defRPr cap="all"/>
+          </a:pPr>
+          <a:r>
+            <a:rPr lang="en-US" sz="1900" kern="1200"/>
+            <a:t>Basis electronica werkt</a:t>
+          </a:r>
+        </a:p>
+      </dsp:txBody>
+      <dsp:txXfrm>
+        <a:off x="7545307" y="2032685"/>
+        <a:ext cx="2053312" cy="720000"/>
+      </dsp:txXfrm>
+    </dsp:sp>
+  </dsp:spTree>
+</dsp:drawing>
+</file>
+
+<file path=ppt/diagrams/layout1.xml><?xml version="1.0" encoding="utf-8"?>
+<dgm:layoutDef xmlns:dgm="http://schemas.openxmlformats.org/drawingml/2006/diagram" xmlns:a="http://schemas.openxmlformats.org/drawingml/2006/main" uniqueId="urn:microsoft.com/office/officeart/2018/5/layout/IconCircleLabelList">
+  <dgm:title val="Icon Circle Label List"/>
+  <dgm:desc val="Use to show non-sequential or grouped chunks of information accompanied by a related visuals. Works best with icons or small pictures with short text captions."/>
+  <dgm:catLst>
+    <dgm:cat type="icon" pri="500"/>
+  </dgm:catLst>
+  <dgm:sampData useDef="1">
+    <dgm:dataModel>
+      <dgm:ptLst/>
+      <dgm:bg/>
+      <dgm:whole/>
+    </dgm:dataModel>
+  </dgm:sampData>
+  <dgm:styleData useDef="1">
+    <dgm:dataModel>
+      <dgm:ptLst/>
+      <dgm:bg/>
+      <dgm:whole/>
+    </dgm:dataModel>
+  </dgm:styleData>
+  <dgm:clrData useDef="1">
+    <dgm:dataModel>
+      <dgm:ptLst/>
+      <dgm:bg/>
+      <dgm:whole/>
+    </dgm:dataModel>
+  </dgm:clrData>
+  <dgm:layoutNode name="root">
+    <dgm:varLst>
+      <dgm:dir/>
+      <dgm:resizeHandles val="exact"/>
+    </dgm:varLst>
+    <dgm:choose name="Name0">
+      <dgm:if name="Name1" axis="self" func="var" arg="dir" op="equ" val="norm">
+        <dgm:alg type="snake">
+          <dgm:param type="grDir" val="tL"/>
+          <dgm:param type="flowDir" val="row"/>
+          <dgm:param type="contDir" val="sameDir"/>
+          <dgm:param type="off" val="ctr"/>
+          <dgm:param type="vertAlign" val="mid"/>
+          <dgm:param type="horzAlign" val="ctr"/>
+        </dgm:alg>
+      </dgm:if>
+      <dgm:else name="Name2">
+        <dgm:alg type="snake">
+          <dgm:param type="grDir" val="tR"/>
+          <dgm:param type="flowDir" val="row"/>
+          <dgm:param type="contDir" val="sameDir"/>
+          <dgm:param type="off" val="ctr"/>
+          <dgm:param type="vertAlign" val="mid"/>
+          <dgm:param type="horzAlign" val="ctr"/>
+        </dgm:alg>
+      </dgm:else>
+    </dgm:choose>
+    <dgm:shape xmlns:r="http://schemas.openxmlformats.org/officeDocument/2006/relationships" r:blip="">
+      <dgm:adjLst/>
+    </dgm:shape>
+    <dgm:presOf/>
+    <dgm:choose name="Name3">
+      <dgm:if name="Name4" axis="ch" ptType="node" func="cnt" op="lte" val="2">
+        <dgm:constrLst>
+          <dgm:constr type="h" for="ch" forName="compNode" refType="h" fact="0.4"/>
+          <dgm:constr type="w" for="ch" forName="compNode" val="100"/>
+          <dgm:constr type="w" for="ch" forName="sibTrans" refType="w" refFor="ch" refForName="compNode" fact="0.175"/>
+          <dgm:constr type="sp" refType="w" refFor="ch" refForName="compNode" op="equ" fact="0.25"/>
+          <dgm:constr type="primFontSz" for="des" ptType="node" op="equ" val="44"/>
+          <dgm:constr type="h" for="des" forName="compNode" op="equ"/>
+          <dgm:constr type="h" for="des" forName="textRect" op="equ"/>
+        </dgm:constrLst>
+      </dgm:if>
+      <dgm:if name="Name5" axis="ch" ptType="node" func="cnt" op="lte" val="3">
+        <dgm:constrLst>
+          <dgm:constr type="h" for="ch" forName="compNode" refType="h" fact="0.4"/>
+          <dgm:constr type="w" for="ch" forName="compNode" val="100"/>
+          <dgm:constr type="w" for="ch" forName="sibTrans" refType="w" refFor="ch" refForName="compNode" fact="0.175"/>
+          <dgm:constr type="sp" refType="w" refFor="ch" refForName="compNode" op="equ" fact="0.25"/>
+          <dgm:constr type="primFontSz" for="des" ptType="node" op="equ" val="40"/>
+          <dgm:constr type="h" for="des" forName="compNode" op="equ"/>
+          <dgm:constr type="h" for="des" forName="textRect" op="equ"/>
+        </dgm:constrLst>
+      </dgm:if>
+      <dgm:if name="Name6" axis="ch" ptType="node" func="cnt" op="lte" val="4">
+        <dgm:constrLst>
+          <dgm:constr type="h" for="ch" forName="compNode" refType="h" fact="0.4"/>
+          <dgm:constr type="w" for="ch" forName="compNode" refType="w"/>
+          <dgm:constr type="w" for="ch" forName="sibTrans" refType="w" refFor="ch" refForName="compNode" fact="0.175"/>
+          <dgm:constr type="sp" refType="w" refFor="ch" refForName="compNode" op="equ" fact="0.25"/>
+          <dgm:constr type="primFontSz" for="des" ptType="node" op="equ" val="32"/>
+          <dgm:constr type="h" for="des" forName="compNode" op="equ"/>
+          <dgm:constr type="h" for="des" forName="textRect" op="equ"/>
+        </dgm:constrLst>
+      </dgm:if>
+      <dgm:else name="Name7">
+        <dgm:constrLst>
+          <dgm:constr type="h" for="ch" forName="compNode" refType="h" fact="0.4"/>
+          <dgm:constr type="w" for="ch" forName="compNode" refType="w"/>
+          <dgm:constr type="w" for="ch" forName="sibTrans" refType="w" refFor="ch" refForName="compNode" fact="0.175"/>
+          <dgm:constr type="sp" refType="w" refFor="ch" refForName="compNode" op="equ" fact="0.25"/>
+          <dgm:constr type="primFontSz" for="des" ptType="node" op="equ" val="24"/>
+          <dgm:constr type="h" for="des" forName="compNode" op="equ"/>
+          <dgm:constr type="h" for="des" forName="textRect" op="equ"/>
+        </dgm:constrLst>
+      </dgm:else>
+    </dgm:choose>
+    <dgm:ruleLst>
+      <dgm:rule type="w" for="ch" forName="compNode" val="50" fact="NaN" max="NaN"/>
+    </dgm:ruleLst>
+    <dgm:forEach name="Name8" axis="ch" ptType="node">
+      <dgm:layoutNode name="compNode">
+        <dgm:alg type="composite"/>
+        <dgm:shape xmlns:r="http://schemas.openxmlformats.org/officeDocument/2006/relationships" r:blip="">
+          <dgm:adjLst/>
+        </dgm:shape>
+        <dgm:presOf axis="self"/>
+        <dgm:constrLst>
+          <dgm:constr type="w" for="ch" forName="iconBgRect" refType="w" fact="0.61"/>
+          <dgm:constr type="h" for="ch" forName="iconBgRect" refType="w" refFor="ch" refForName="iconBgRect"/>
+          <dgm:constr type="t" for="ch" forName="iconBgRect"/>
+          <dgm:constr type="ctrX" for="ch" forName="iconBgRect" refType="w" fact="0.5"/>
+          <dgm:constr type="w" for="ch" forName="iconRect" refType="w" fact="0.35"/>
+          <dgm:constr type="h" for="ch" forName="iconRect" refType="w" refFor="ch" refForName="iconRect"/>
+          <dgm:constr type="ctrX" for="ch" forName="iconRect" refType="ctrX" refFor="ch" refForName="iconBgRect"/>
+          <dgm:constr type="ctrY" for="ch" forName="iconRect" refType="ctrY" refFor="ch" refForName="iconBgRect"/>
+          <dgm:constr type="h" for="ch" forName="spaceRect" refType="w" fact="0.19"/>
+          <dgm:constr type="w" for="ch" forName="spaceRect" refType="w"/>
+          <dgm:constr type="l" for="ch" forName="spaceRect"/>
+          <dgm:constr type="t" for="ch" forName="spaceRect" refType="b" refFor="ch" refForName="iconBgRect"/>
+          <dgm:constr type="h" for="ch" forName="textRect" val="20"/>
+          <dgm:constr type="w" for="ch" forName="textRect" refType="w"/>
+          <dgm:constr type="l" for="ch" forName="textRect"/>
+          <dgm:constr type="t" for="ch" forName="textRect" refType="b" refFor="ch" refForName="spaceRect"/>
+        </dgm:constrLst>
+        <dgm:ruleLst>
+          <dgm:rule type="h" val="INF" fact="NaN" max="NaN"/>
+        </dgm:ruleLst>
+        <dgm:layoutNode name="iconBgRect" styleLbl="bgShp">
+          <dgm:alg type="sp"/>
+          <dgm:shape xmlns:r="http://schemas.openxmlformats.org/officeDocument/2006/relationships" type="ellipse" r:blip="">
+            <dgm:adjLst/>
+          </dgm:shape>
+          <dgm:presOf/>
+          <dgm:constrLst/>
+          <dgm:ruleLst/>
+        </dgm:layoutNode>
+        <dgm:layoutNode name="iconRect" styleLbl="node1">
+          <dgm:alg type="sp"/>
+          <dgm:shape xmlns:r="http://schemas.openxmlformats.org/officeDocument/2006/relationships" type="rect" r:blip="" blipPhldr="1">
+            <dgm:adjLst/>
+          </dgm:shape>
+          <dgm:presOf/>
+          <dgm:constrLst/>
+          <dgm:ruleLst/>
+        </dgm:layoutNode>
+        <dgm:layoutNode name="spaceRect">
+          <dgm:alg type="sp"/>
+          <dgm:shape xmlns:r="http://schemas.openxmlformats.org/officeDocument/2006/relationships" r:blip="">
+            <dgm:adjLst/>
+          </dgm:shape>
+          <dgm:presOf/>
+          <dgm:constrLst/>
+          <dgm:ruleLst/>
+        </dgm:layoutNode>
+        <dgm:layoutNode name="textRect" styleLbl="revTx">
+          <dgm:varLst>
+            <dgm:chMax val="1"/>
+            <dgm:chPref val="1"/>
+          </dgm:varLst>
+          <dgm:alg type="tx">
+            <dgm:param type="txAnchorVert" val="t"/>
+          </dgm:alg>
+          <dgm:shape xmlns:r="http://schemas.openxmlformats.org/officeDocument/2006/relationships" type="rect" r:blip="">
+            <dgm:adjLst/>
+          </dgm:shape>
+          <dgm:presOf axis="self" ptType="node"/>
+          <dgm:constrLst>
+            <dgm:constr type="lMarg"/>
+            <dgm:constr type="rMarg"/>
+            <dgm:constr type="tMarg"/>
+            <dgm:constr type="bMarg"/>
+          </dgm:constrLst>
+          <dgm:ruleLst>
+            <dgm:rule type="primFontSz" val="11" fact="NaN" max="NaN"/>
+            <dgm:rule type="h" val="INF" fact="NaN" max="NaN"/>
+          </dgm:ruleLst>
+        </dgm:layoutNode>
+      </dgm:layoutNode>
+      <dgm:forEach name="Name9" axis="followSib" ptType="sibTrans" cnt="1">
+        <dgm:layoutNode name="sibTrans">
+          <dgm:alg type="sp"/>
+          <dgm:shape xmlns:r="http://schemas.openxmlformats.org/officeDocument/2006/relationships" r:blip="">
+            <dgm:adjLst/>
+          </dgm:shape>
+          <dgm:presOf axis="self"/>
+          <dgm:constrLst/>
+          <dgm:ruleLst/>
+        </dgm:layoutNode>
+      </dgm:forEach>
+    </dgm:forEach>
+  </dgm:layoutNode>
+  <dgm:extLst>
+    <a:ext uri="{68A01E43-0DF5-4B5B-8FA6-DAF915123BFB}">
+      <dgm1612:lstStyle xmlns:dgm1612="http://schemas.microsoft.com/office/drawing/2016/12/diagram">
+        <a:lvl1pPr>
+          <a:lnSpc>
+            <a:spcPct val="100000"/>
+          </a:lnSpc>
+          <a:defRPr cap="all"/>
+        </a:lvl1pPr>
+      </dgm1612:lstStyle>
+    </a:ext>
+  </dgm:extLst>
+</dgm:layoutDef>
+</file>
+
+<file path=ppt/diagrams/quickStyle1.xml><?xml version="1.0" encoding="utf-8"?>
+<dgm:styleDef xmlns:dgm="http://schemas.openxmlformats.org/drawingml/2006/diagram" xmlns:a="http://schemas.openxmlformats.org/drawingml/2006/main" uniqueId="urn:microsoft.com/office/officeart/2005/8/quickstyle/simple1">
+  <dgm:title val=""/>
+  <dgm:desc val=""/>
+  <dgm:catLst>
+    <dgm:cat type="simple" pri="10100"/>
+  </dgm:catLst>
+  <dgm:scene3d>
+    <a:camera prst="orthographicFront"/>
+    <a:lightRig rig="threePt" dir="t"/>
+  </dgm:scene3d>
+  <dgm:styleLbl name="node0">
+    <dgm:scene3d>
+      <a:camera prst="orthographicFront"/>
+      <a:lightRig rig="threePt" dir="t"/>
+    </dgm:scene3d>
+    <dgm:sp3d/>
+    <dgm:txPr/>
+    <dgm:style>
+      <a:lnRef idx="2">
+        <a:scrgbClr r="0" g="0" b="0"/>
+      </a:lnRef>
+      <a:fillRef idx="1">
+        <a:scrgbClr r="0" g="0" b="0"/>
+      </a:fillRef>
+      <a:effectRef idx="0">
+        <a:scrgbClr r="0" g="0" b="0"/>
+      </a:effectRef>
+      <a:fontRef idx="minor">
+        <a:schemeClr val="lt1"/>
+      </a:fontRef>
+    </dgm:style>
+  </dgm:styleLbl>
+  <dgm:styleLbl name="lnNode1">
+    <dgm:scene3d>
+      <a:camera prst="orthographicFront"/>
+      <a:lightRig rig="threePt" dir="t"/>
+    </dgm:scene3d>
+    <dgm:sp3d/>
+    <dgm:txPr/>
+    <dgm:style>
+      <a:lnRef idx="2">
+        <a:scrgbClr r="0" g="0" b="0"/>
+      </a:lnRef>
+      <a:fillRef idx="1">
+        <a:scrgbClr r="0" g="0" b="0"/>
+      </a:fillRef>
+      <a:effectRef idx="0">
+        <a:scrgbClr r="0" g="0" b="0"/>
+      </a:effectRef>
+      <a:fontRef idx="minor">
+        <a:schemeClr val="lt1"/>
+      </a:fontRef>
+    </dgm:style>
+  </dgm:styleLbl>
+  <dgm:styleLbl name="vennNode1">
+    <dgm:scene3d>
+      <a:camera prst="orthographicFront"/>
+      <a:lightRig rig="threePt" dir="t"/>
+    </dgm:scene3d>
+    <dgm:sp3d/>
+    <dgm:txPr/>
+    <dgm:style>
+      <a:lnRef idx="2">
+        <a:scrgbClr r="0" g="0" b="0"/>
+      </a:lnRef>
+      <a:fillRef idx="1">
+        <a:scrgbClr r="0" g="0" b="0"/>
+      </a:fillRef>
+      <a:effectRef idx="0">
+        <a:scrgbClr r="0" g="0" b="0"/>
+      </a:effectRef>
+      <a:fontRef idx="minor">
+        <a:schemeClr val="tx1"/>
+      </a:fontRef>
+    </dgm:style>
+  </dgm:styleLbl>
+  <dgm:styleLbl name="alignNode1">
+    <dgm:scene3d>
+      <a:camera prst="orthographicFront"/>
+      <a:lightRig rig="threePt" dir="t"/>
+    </dgm:scene3d>
+    <dgm:sp3d/>
+    <dgm:txPr/>
+    <dgm:style>
+      <a:lnRef idx="2">
+        <a:scrgbClr r="0" g="0" b="0"/>
+      </a:lnRef>
+      <a:fillRef idx="1">
+        <a:scrgbClr r="0" g="0" b="0"/>
+      </a:fillRef>
+      <a:effectRef idx="0">
+        <a:scrgbClr r="0" g="0" b="0"/>
+      </a:effectRef>
+      <a:fontRef idx="minor">
+        <a:schemeClr val="lt1"/>
+      </a:fontRef>
+    </dgm:style>
+  </dgm:styleLbl>
+  <dgm:styleLbl name="node1">
+    <dgm:scene3d>
+      <a:camera prst="orthographicFront"/>
+      <a:lightRig rig="threePt" dir="t"/>
+    </dgm:scene3d>
+    <dgm:sp3d/>
+    <dgm:txPr/>
+    <dgm:style>
+      <a:lnRef idx="2">
+        <a:scrgbClr r="0" g="0" b="0"/>
+      </a:lnRef>
+      <a:fillRef idx="1">
+        <a:scrgbClr r="0" g="0" b="0"/>
+      </a:fillRef>
+      <a:effectRef idx="0">
+        <a:scrgbClr r="0" g="0" b="0"/>
+      </a:effectRef>
+      <a:fontRef idx="minor">
+        <a:schemeClr val="lt1"/>
+      </a:fontRef>
+    </dgm:style>
+  </dgm:styleLbl>
+  <dgm:styleLbl name="node2">
+    <dgm:scene3d>
+      <a:camera prst="orthographicFront"/>
+      <a:lightRig rig="threePt" dir="t"/>
+    </dgm:scene3d>
+    <dgm:sp3d/>
+    <dgm:txPr/>
+    <dgm:style>
+      <a:lnRef idx="2">
+        <a:scrgbClr r="0" g="0" b="0"/>
+      </a:lnRef>
+      <a:fillRef idx="1">
+        <a:scrgbClr r="0" g="0" b="0"/>
+      </a:fillRef>
+      <a:effectRef idx="0">
+        <a:scrgbClr r="0" g="0" b="0"/>
+      </a:effectRef>
+      <a:fontRef idx="minor">
+        <a:schemeClr val="lt1"/>
+      </a:fontRef>
+    </dgm:style>
+  </dgm:styleLbl>
+  <dgm:styleLbl name="node3">
+    <dgm:scene3d>
+      <a:camera prst="orthographicFront"/>
+      <a:lightRig rig="threePt" dir="t"/>
+    </dgm:scene3d>
+    <dgm:sp3d/>
+    <dgm:txPr/>
+    <dgm:style>
+      <a:lnRef idx="2">
+        <a:scrgbClr r="0" g="0" b="0"/>
+      </a:lnRef>
+      <a:fillRef idx="1">
+        <a:scrgbClr r="0" g="0" b="0"/>
+      </a:fillRef>
+      <a:effectRef idx="0">
+        <a:scrgbClr r="0" g="0" b="0"/>
+      </a:effectRef>
+      <a:fontRef idx="minor">
+        <a:schemeClr val="lt1"/>
+      </a:fontRef>
+    </dgm:style>
+  </dgm:styleLbl>
+  <dgm:styleLbl name="node4">
+    <dgm:scene3d>
+      <a:camera prst="orthographicFront"/>
+      <a:lightRig rig="threePt" dir="t"/>
+    </dgm:scene3d>
+    <dgm:sp3d/>
+    <dgm:txPr/>
+    <dgm:style>
+      <a:lnRef idx="2">
+        <a:scrgbClr r="0" g="0" b="0"/>
+      </a:lnRef>
+      <a:fillRef idx="1">
+        <a:scrgbClr r="0" g="0" b="0"/>
+      </a:fillRef>
+      <a:effectRef idx="0">
+        <a:scrgbClr r="0" g="0" b="0"/>
+      </a:effectRef>
+      <a:fontRef idx="minor">
+        <a:schemeClr val="lt1"/>
+      </a:fontRef>
+    </dgm:style>
+  </dgm:styleLbl>
+  <dgm:styleLbl name="fgImgPlace1">
+    <dgm:scene3d>
+      <a:camera prst="orthographicFront"/>
+      <a:lightRig rig="threePt" dir="t"/>
+    </dgm:scene3d>
+    <dgm:sp3d/>
+    <dgm:txPr/>
+    <dgm:style>
+      <a:lnRef idx="2">
+        <a:scrgbClr r="0" g="0" b="0"/>
+      </a:lnRef>
+      <a:fillRef idx="1">
+        <a:scrgbClr r="0" g="0" b="0"/>
+      </a:fillRef>
+      <a:effectRef idx="0">
+        <a:scrgbClr r="0" g="0" b="0"/>
+      </a:effectRef>
+      <a:fontRef idx="minor"/>
+    </dgm:style>
+  </dgm:styleLbl>
+  <dgm:styleLbl name="alignImgPlace1">
+    <dgm:scene3d>
+      <a:camera prst="orthographicFront"/>
+      <a:lightRig rig="threePt" dir="t"/>
+    </dgm:scene3d>
+    <dgm:sp3d/>
+    <dgm:txPr/>
+    <dgm:style>
+      <a:lnRef idx="2">
+        <a:scrgbClr r="0" g="0" b="0"/>
+      </a:lnRef>
+      <a:fillRef idx="1">
+        <a:scrgbClr r="0" g="0" b="0"/>
+      </a:fillRef>
+      <a:effectRef idx="0">
+        <a:scrgbClr r="0" g="0" b="0"/>
+      </a:effectRef>
+      <a:fontRef idx="minor"/>
+    </dgm:style>
+  </dgm:styleLbl>
+  <dgm:styleLbl name="bgImgPlace1">
+    <dgm:scene3d>
+      <a:camera prst="orthographicFront"/>
+      <a:lightRig rig="threePt" dir="t"/>
+    </dgm:scene3d>
+    <dgm:sp3d/>
+    <dgm:txPr/>
+    <dgm:style>
+      <a:lnRef idx="2">
+        <a:scrgbClr r="0" g="0" b="0"/>
+      </a:lnRef>
+      <a:fillRef idx="1">
+        <a:scrgbClr r="0" g="0" b="0"/>
+      </a:fillRef>
+      <a:effectRef idx="0">
+        <a:scrgbClr r="0" g="0" b="0"/>
+      </a:effectRef>
+      <a:fontRef idx="minor"/>
+    </dgm:style>
+  </dgm:styleLbl>
+  <dgm:styleLbl name="sibTrans2D1">
+    <dgm:scene3d>
+      <a:camera prst="orthographicFront"/>
+      <a:lightRig rig="threePt" dir="t"/>
+    </dgm:scene3d>
+    <dgm:sp3d/>
+    <dgm:txPr/>
+    <dgm:style>
+      <a:lnRef idx="0">
+        <a:scrgbClr r="0" g="0" b="0"/>
+      </a:lnRef>
+      <a:fillRef idx="1">
+        <a:scrgbClr r="0" g="0" b="0"/>
+      </a:fillRef>
+      <a:effectRef idx="0">
+        <a:scrgbClr r="0" g="0" b="0"/>
+      </a:effectRef>
+      <a:fontRef idx="minor">
+        <a:schemeClr val="lt1"/>
+      </a:fontRef>
+    </dgm:style>
+  </dgm:styleLbl>
+  <dgm:styleLbl name="fgSibTrans2D1">
+    <dgm:scene3d>
+      <a:camera prst="orthographicFront"/>
+      <a:lightRig rig="threePt" dir="t"/>
+    </dgm:scene3d>
+    <dgm:sp3d/>
+    <dgm:txPr/>
+    <dgm:style>
+      <a:lnRef idx="0">
+        <a:scrgbClr r="0" g="0" b="0"/>
+      </a:lnRef>
+      <a:fillRef idx="1">
+        <a:scrgbClr r="0" g="0" b="0"/>
+      </a:fillRef>
+      <a:effectRef idx="0">
+        <a:scrgbClr r="0" g="0" b="0"/>
+      </a:effectRef>
+      <a:fontRef idx="minor">
+        <a:schemeClr val="lt1"/>
+      </a:fontRef>
+    </dgm:style>
+  </dgm:styleLbl>
+  <dgm:styleLbl name="bgSibTrans2D1">
+    <dgm:scene3d>
+      <a:camera prst="orthographicFront"/>
+      <a:lightRig rig="threePt" dir="t"/>
+    </dgm:scene3d>
+    <dgm:sp3d/>
+    <dgm:txPr/>
+    <dgm:style>
+      <a:lnRef idx="0">
+        <a:scrgbClr r="0" g="0" b="0"/>
+      </a:lnRef>
+      <a:fillRef idx="1">
+        <a:scrgbClr r="0" g="0" b="0"/>
+      </a:fillRef>
+      <a:effectRef idx="0">
+        <a:scrgbClr r="0" g="0" b="0"/>
+      </a:effectRef>
+      <a:fontRef idx="minor">
+        <a:schemeClr val="lt1"/>
+      </a:fontRef>
+    </dgm:style>
+  </dgm:styleLbl>
+  <dgm:styleLbl name="sibTrans1D1">
+    <dgm:scene3d>
+      <a:camera prst="orthographicFront"/>
+      <a:lightRig rig="threePt" dir="t"/>
+    </dgm:scene3d>
+    <dgm:sp3d/>
+    <dgm:txPr/>
+    <dgm:style>
+      <a:lnRef idx="1">
+        <a:scrgbClr r="0" g="0" b="0"/>
+      </a:lnRef>
+      <a:fillRef idx="0">
+        <a:scrgbClr r="0" g="0" b="0"/>
+      </a:fillRef>
+      <a:effectRef idx="0">
+        <a:scrgbClr r="0" g="0" b="0"/>
+      </a:effectRef>
+      <a:fontRef idx="minor"/>
+    </dgm:style>
+  </dgm:styleLbl>
+  <dgm:styleLbl name="callout">
+    <dgm:scene3d>
+      <a:camera prst="orthographicFront"/>
+      <a:lightRig rig="threePt" dir="t"/>
+    </dgm:scene3d>
+    <dgm:sp3d/>
+    <dgm:txPr/>
+    <dgm:style>
+      <a:lnRef idx="2">
+        <a:scrgbClr r="0" g="0" b="0"/>
+      </a:lnRef>
+      <a:fillRef idx="1">
+        <a:scrgbClr r="0" g="0" b="0"/>
+      </a:fillRef>
+      <a:effectRef idx="0">
+        <a:scrgbClr r="0" g="0" b="0"/>
+      </a:effectRef>
+      <a:fontRef idx="minor"/>
+    </dgm:style>
+  </dgm:styleLbl>
+  <dgm:styleLbl name="asst0">
+    <dgm:scene3d>
+      <a:camera prst="orthographicFront"/>
+      <a:lightRig rig="threePt" dir="t"/>
+    </dgm:scene3d>
+    <dgm:sp3d/>
+    <dgm:txPr/>
+    <dgm:style>
+      <a:lnRef idx="2">
+        <a:scrgbClr r="0" g="0" b="0"/>
+      </a:lnRef>
+      <a:fillRef idx="1">
+        <a:scrgbClr r="0" g="0" b="0"/>
+      </a:fillRef>
+      <a:effectRef idx="0">
+        <a:scrgbClr r="0" g="0" b="0"/>
+      </a:effectRef>
+      <a:fontRef idx="minor">
+        <a:schemeClr val="lt1"/>
+      </a:fontRef>
+    </dgm:style>
+  </dgm:styleLbl>
+  <dgm:styleLbl name="asst1">
+    <dgm:scene3d>
+      <a:camera prst="orthographicFront"/>
+      <a:lightRig rig="threePt" dir="t"/>
+    </dgm:scene3d>
+    <dgm:sp3d/>
+    <dgm:txPr/>
+    <dgm:style>
+      <a:lnRef idx="2">
+        <a:scrgbClr r="0" g="0" b="0"/>
+      </a:lnRef>
+      <a:fillRef idx="1">
+        <a:scrgbClr r="0" g="0" b="0"/>
+      </a:fillRef>
+      <a:effectRef idx="0">
+        <a:scrgbClr r="0" g="0" b="0"/>
+      </a:effectRef>
+      <a:fontRef idx="minor">
+        <a:schemeClr val="lt1"/>
+      </a:fontRef>
+    </dgm:style>
+  </dgm:styleLbl>
+  <dgm:styleLbl name="asst2">
+    <dgm:scene3d>
+      <a:camera prst="orthographicFront"/>
+      <a:lightRig rig="threePt" dir="t"/>
+    </dgm:scene3d>
+    <dgm:sp3d/>
+    <dgm:txPr/>
+    <dgm:style>
+      <a:lnRef idx="2">
+        <a:scrgbClr r="0" g="0" b="0"/>
+      </a:lnRef>
+      <a:fillRef idx="1">
+        <a:scrgbClr r="0" g="0" b="0"/>
+      </a:fillRef>
+      <a:effectRef idx="0">
+        <a:scrgbClr r="0" g="0" b="0"/>
+      </a:effectRef>
+      <a:fontRef idx="minor">
+        <a:schemeClr val="lt1"/>
+      </a:fontRef>
+    </dgm:style>
+  </dgm:styleLbl>
+  <dgm:styleLbl name="asst3">
+    <dgm:scene3d>
+      <a:camera prst="orthographicFront"/>
+      <a:lightRig rig="threePt" dir="t"/>
+    </dgm:scene3d>
+    <dgm:sp3d/>
+    <dgm:txPr/>
+    <dgm:style>
+      <a:lnRef idx="2">
+        <a:scrgbClr r="0" g="0" b="0"/>
+      </a:lnRef>
+      <a:fillRef idx="1">
+        <a:scrgbClr r="0" g="0" b="0"/>
+      </a:fillRef>
+      <a:effectRef idx="0">
+        <a:scrgbClr r="0" g="0" b="0"/>
+      </a:effectRef>
+      <a:fontRef idx="minor">
+        <a:schemeClr val="lt1"/>
+      </a:fontRef>
+    </dgm:style>
+  </dgm:styleLbl>
+  <dgm:styleLbl name="asst4">
+    <dgm:scene3d>
+      <a:camera prst="orthographicFront"/>
+      <a:lightRig rig="threePt" dir="t"/>
+    </dgm:scene3d>
+    <dgm:sp3d/>
+    <dgm:txPr/>
+    <dgm:style>
+      <a:lnRef idx="2">
+        <a:scrgbClr r="0" g="0" b="0"/>
+      </a:lnRef>
+      <a:fillRef idx="1">
+        <a:scrgbClr r="0" g="0" b="0"/>
+      </a:fillRef>
+      <a:effectRef idx="0">
+        <a:scrgbClr r="0" g="0" b="0"/>
+      </a:effectRef>
+      <a:fontRef idx="minor">
+        <a:schemeClr val="lt1"/>
+      </a:fontRef>
+    </dgm:style>
+  </dgm:styleLbl>
+  <dgm:styleLbl name="parChTrans2D1">
+    <dgm:scene3d>
+      <a:camera prst="orthographicFront"/>
+      <a:lightRig rig="threePt" dir="t"/>
+    </dgm:scene3d>
+    <dgm:sp3d/>
+    <dgm:txPr/>
+    <dgm:style>
+      <a:lnRef idx="2">
+        <a:scrgbClr r="0" g="0" b="0"/>
+      </a:lnRef>
+      <a:fillRef idx="1">
+        <a:scrgbClr r="0" g="0" b="0"/>
+      </a:fillRef>
+      <a:effectRef idx="0">
+        <a:scrgbClr r="0" g="0" b="0"/>
+      </a:effectRef>
+      <a:fontRef idx="minor">
+        <a:schemeClr val="lt1"/>
+      </a:fontRef>
+    </dgm:style>
+  </dgm:styleLbl>
+  <dgm:styleLbl name="parChTrans2D2">
+    <dgm:scene3d>
+      <a:camera prst="orthographicFront"/>
+      <a:lightRig rig="threePt" dir="t"/>
+    </dgm:scene3d>
+    <dgm:sp3d/>
+    <dgm:txPr/>
+    <dgm:style>
+      <a:lnRef idx="2">
+        <a:scrgbClr r="0" g="0" b="0"/>
+      </a:lnRef>
+      <a:fillRef idx="1">
+        <a:scrgbClr r="0" g="0" b="0"/>
+      </a:fillRef>
+      <a:effectRef idx="0">
+        <a:scrgbClr r="0" g="0" b="0"/>
+      </a:effectRef>
+      <a:fontRef idx="minor">
+        <a:schemeClr val="lt1"/>
+      </a:fontRef>
+    </dgm:style>
+  </dgm:styleLbl>
+  <dgm:styleLbl name="parChTrans2D3">
+    <dgm:scene3d>
+      <a:camera prst="orthographicFront"/>
+      <a:lightRig rig="threePt" dir="t"/>
+    </dgm:scene3d>
+    <dgm:sp3d/>
+    <dgm:txPr/>
+    <dgm:style>
+      <a:lnRef idx="2">
+        <a:scrgbClr r="0" g="0" b="0"/>
+      </a:lnRef>
+      <a:fillRef idx="1">
+        <a:scrgbClr r="0" g="0" b="0"/>
+      </a:fillRef>
+      <a:effectRef idx="0">
+        <a:scrgbClr r="0" g="0" b="0"/>
+      </a:effectRef>
+      <a:fontRef idx="minor">
+        <a:schemeClr val="lt1"/>
+      </a:fontRef>
+    </dgm:style>
+  </dgm:styleLbl>
+  <dgm:styleLbl name="parChTrans2D4">
+    <dgm:scene3d>
+      <a:camera prst="orthographicFront"/>
+      <a:lightRig rig="threePt" dir="t"/>
+    </dgm:scene3d>
+    <dgm:sp3d/>
+    <dgm:txPr/>
+    <dgm:style>
+      <a:lnRef idx="2">
+        <a:scrgbClr r="0" g="0" b="0"/>
+      </a:lnRef>
+      <a:fillRef idx="1">
+        <a:scrgbClr r="0" g="0" b="0"/>
+      </a:fillRef>
+      <a:effectRef idx="0">
+        <a:scrgbClr r="0" g="0" b="0"/>
+      </a:effectRef>
+      <a:fontRef idx="minor">
+        <a:schemeClr val="lt1"/>
+      </a:fontRef>
+    </dgm:style>
+  </dgm:styleLbl>
+  <dgm:styleLbl name="parChTrans1D1">
+    <dgm:scene3d>
+      <a:camera prst="orthographicFront"/>
+      <a:lightRig rig="threePt" dir="t"/>
+    </dgm:scene3d>
+    <dgm:sp3d/>
+    <dgm:txPr/>
+    <dgm:style>
+      <a:lnRef idx="2">
+        <a:scrgbClr r="0" g="0" b="0"/>
+      </a:lnRef>
+      <a:fillRef idx="0">
+        <a:scrgbClr r="0" g="0" b="0"/>
+      </a:fillRef>
+      <a:effectRef idx="0">
+        <a:scrgbClr r="0" g="0" b="0"/>
+      </a:effectRef>
+      <a:fontRef idx="minor"/>
+    </dgm:style>
+  </dgm:styleLbl>
+  <dgm:styleLbl name="parChTrans1D2">
+    <dgm:scene3d>
+      <a:camera prst="orthographicFront"/>
+      <a:lightRig rig="threePt" dir="t"/>
+    </dgm:scene3d>
+    <dgm:sp3d/>
+    <dgm:txPr/>
+    <dgm:style>
+      <a:lnRef idx="2">
+        <a:scrgbClr r="0" g="0" b="0"/>
+      </a:lnRef>
+      <a:fillRef idx="0">
+        <a:scrgbClr r="0" g="0" b="0"/>
+      </a:fillRef>
+      <a:effectRef idx="0">
+        <a:scrgbClr r="0" g="0" b="0"/>
+      </a:effectRef>
+      <a:fontRef idx="minor"/>
+    </dgm:style>
+  </dgm:styleLbl>
+  <dgm:styleLbl name="parChTrans1D3">
+    <dgm:scene3d>
+      <a:camera prst="orthographicFront"/>
+      <a:lightRig rig="threePt" dir="t"/>
+    </dgm:scene3d>
+    <dgm:sp3d/>
+    <dgm:txPr/>
+    <dgm:style>
+      <a:lnRef idx="2">
+        <a:scrgbClr r="0" g="0" b="0"/>
+      </a:lnRef>
+      <a:fillRef idx="0">
+        <a:scrgbClr r="0" g="0" b="0"/>
+      </a:fillRef>
+      <a:effectRef idx="0">
+        <a:scrgbClr r="0" g="0" b="0"/>
+      </a:effectRef>
+      <a:fontRef idx="minor"/>
+    </dgm:style>
+  </dgm:styleLbl>
+  <dgm:styleLbl name="parChTrans1D4">
+    <dgm:scene3d>
+      <a:camera prst="orthographicFront"/>
+      <a:lightRig rig="threePt" dir="t"/>
+    </dgm:scene3d>
+    <dgm:sp3d/>
+    <dgm:txPr/>
+    <dgm:style>
+      <a:lnRef idx="2">
+        <a:scrgbClr r="0" g="0" b="0"/>
+      </a:lnRef>
+      <a:fillRef idx="0">
+        <a:scrgbClr r="0" g="0" b="0"/>
+      </a:fillRef>
+      <a:effectRef idx="0">
+        <a:scrgbClr r="0" g="0" b="0"/>
+      </a:effectRef>
+      <a:fontRef idx="minor"/>
+    </dgm:style>
+  </dgm:styleLbl>
+  <dgm:styleLbl name="fgAcc1">
+    <dgm:scene3d>
+      <a:camera prst="orthographicFront"/>
+      <a:lightRig rig="threePt" dir="t"/>
+    </dgm:scene3d>
+    <dgm:sp3d/>
+    <dgm:txPr/>
+    <dgm:style>
+      <a:lnRef idx="2">
+        <a:scrgbClr r="0" g="0" b="0"/>
+      </a:lnRef>
+      <a:fillRef idx="1">
+        <a:scrgbClr r="0" g="0" b="0"/>
+      </a:fillRef>
+      <a:effectRef idx="0">
+        <a:scrgbClr r="0" g="0" b="0"/>
+      </a:effectRef>
+      <a:fontRef idx="minor"/>
+    </dgm:style>
+  </dgm:styleLbl>
+  <dgm:styleLbl name="conFgAcc1">
+    <dgm:scene3d>
+      <a:camera prst="orthographicFront"/>
+      <a:lightRig rig="threePt" dir="t"/>
+    </dgm:scene3d>
+    <dgm:sp3d/>
+    <dgm:txPr/>
+    <dgm:style>
+      <a:lnRef idx="2">
+        <a:scrgbClr r="0" g="0" b="0"/>
+      </a:lnRef>
+      <a:fillRef idx="1">
+        <a:scrgbClr r="0" g="0" b="0"/>
+      </a:fillRef>
+      <a:effectRef idx="0">
+        <a:scrgbClr r="0" g="0" b="0"/>
+      </a:effectRef>
+      <a:fontRef idx="minor"/>
+    </dgm:style>
+  </dgm:styleLbl>
+  <dgm:styleLbl name="alignAcc1">
+    <dgm:scene3d>
+      <a:camera prst="orthographicFront"/>
+      <a:lightRig rig="threePt" dir="t"/>
+    </dgm:scene3d>
+    <dgm:sp3d/>
+    <dgm:txPr/>
+    <dgm:style>
+      <a:lnRef idx="2">
+        <a:scrgbClr r="0" g="0" b="0"/>
+      </a:lnRef>
+      <a:fillRef idx="1">
+        <a:scrgbClr r="0" g="0" b="0"/>
+      </a:fillRef>
+      <a:effectRef idx="0">
+        <a:scrgbClr r="0" g="0" b="0"/>
+      </a:effectRef>
+      <a:fontRef idx="minor"/>
+    </dgm:style>
+  </dgm:styleLbl>
+  <dgm:styleLbl name="trAlignAcc1">
+    <dgm:scene3d>
+      <a:camera prst="orthographicFront"/>
+      <a:lightRig rig="threePt" dir="t"/>
+    </dgm:scene3d>
+    <dgm:sp3d/>
+    <dgm:txPr/>
+    <dgm:style>
+      <a:lnRef idx="1">
+        <a:scrgbClr r="0" g="0" b="0"/>
+      </a:lnRef>
+      <a:fillRef idx="1">
+        <a:scrgbClr r="0" g="0" b="0"/>
+      </a:fillRef>
+      <a:effectRef idx="0">
+        <a:scrgbClr r="0" g="0" b="0"/>
+      </a:effectRef>
+      <a:fontRef idx="minor"/>
+    </dgm:style>
+  </dgm:styleLbl>
+  <dgm:styleLbl name="bgAcc1">
+    <dgm:scene3d>
+      <a:camera prst="orthographicFront"/>
+      <a:lightRig rig="threePt" dir="t"/>
+    </dgm:scene3d>
+    <dgm:sp3d/>
+    <dgm:txPr/>
+    <dgm:style>
+      <a:lnRef idx="2">
+        <a:scrgbClr r="0" g="0" b="0"/>
+      </a:lnRef>
+      <a:fillRef idx="1">
+        <a:scrgbClr r="0" g="0" b="0"/>
+      </a:fillRef>
+      <a:effectRef idx="0">
+        <a:scrgbClr r="0" g="0" b="0"/>
+      </a:effectRef>
+      <a:fontRef idx="minor"/>
+    </dgm:style>
+  </dgm:styleLbl>
+  <dgm:styleLbl name="solidFgAcc1">
+    <dgm:scene3d>
+      <a:camera prst="orthographicFront"/>
+      <a:lightRig rig="threePt" dir="t"/>
+    </dgm:scene3d>
+    <dgm:sp3d/>
+    <dgm:txPr/>
+    <dgm:style>
+      <a:lnRef idx="2">
+        <a:scrgbClr r="0" g="0" b="0"/>
+      </a:lnRef>
+      <a:fillRef idx="1">
+        <a:scrgbClr r="0" g="0" b="0"/>
+      </a:fillRef>
+      <a:effectRef idx="0">
+        <a:scrgbClr r="0" g="0" b="0"/>
+      </a:effectRef>
+      <a:fontRef idx="minor"/>
+    </dgm:style>
+  </dgm:styleLbl>
+  <dgm:styleLbl name="solidAlignAcc1">
+    <dgm:scene3d>
+      <a:camera prst="orthographicFront"/>
+      <a:lightRig rig="threePt" dir="t"/>
+    </dgm:scene3d>
+    <dgm:sp3d/>
+    <dgm:txPr/>
+    <dgm:style>
+      <a:lnRef idx="2">
+        <a:scrgbClr r="0" g="0" b="0"/>
+      </a:lnRef>
+      <a:fillRef idx="1">
+        <a:scrgbClr r="0" g="0" b="0"/>
+      </a:fillRef>
+      <a:effectRef idx="0">
+        <a:scrgbClr r="0" g="0" b="0"/>
+      </a:effectRef>
+      <a:fontRef idx="minor"/>
+    </dgm:style>
+  </dgm:styleLbl>
+  <dgm:styleLbl name="solidBgAcc1">
+    <dgm:scene3d>
+      <a:camera prst="orthographicFront"/>
+      <a:lightRig rig="threePt" dir="t"/>
+    </dgm:scene3d>
+    <dgm:sp3d/>
+    <dgm:txPr/>
+    <dgm:style>
+      <a:lnRef idx="2">
+        <a:scrgbClr r="0" g="0" b="0"/>
+      </a:lnRef>
+      <a:fillRef idx="1">
+        <a:scrgbClr r="0" g="0" b="0"/>
+      </a:fillRef>
+      <a:effectRef idx="0">
+        <a:scrgbClr r="0" g="0" b="0"/>
+      </a:effectRef>
+      <a:fontRef idx="minor"/>
+    </dgm:style>
+  </dgm:styleLbl>
+  <dgm:styleLbl name="fgAccFollowNode1">
+    <dgm:scene3d>
+      <a:camera prst="orthographicFront"/>
+      <a:lightRig rig="threePt" dir="t"/>
+    </dgm:scene3d>
+    <dgm:sp3d/>
+    <dgm:txPr/>
+    <dgm:style>
+      <a:lnRef idx="2">
+        <a:scrgbClr r="0" g="0" b="0"/>
+      </a:lnRef>
+      <a:fillRef idx="1">
+        <a:scrgbClr r="0" g="0" b="0"/>
+      </a:fillRef>
+      <a:effectRef idx="0">
+        <a:scrgbClr r="0" g="0" b="0"/>
+      </a:effectRef>
+      <a:fontRef idx="minor"/>
+    </dgm:style>
+  </dgm:styleLbl>
+  <dgm:styleLbl name="alignAccFollowNode1">
+    <dgm:scene3d>
+      <a:camera prst="orthographicFront"/>
+      <a:lightRig rig="threePt" dir="t"/>
+    </dgm:scene3d>
+    <dgm:sp3d/>
+    <dgm:txPr/>
+    <dgm:style>
+      <a:lnRef idx="2">
+        <a:scrgbClr r="0" g="0" b="0"/>
+      </a:lnRef>
+      <a:fillRef idx="1">
+        <a:scrgbClr r="0" g="0" b="0"/>
+      </a:fillRef>
+      <a:effectRef idx="0">
+        <a:scrgbClr r="0" g="0" b="0"/>
+      </a:effectRef>
+      <a:fontRef idx="minor"/>
+    </dgm:style>
+  </dgm:styleLbl>
+  <dgm:styleLbl name="bgAccFollowNode1">
+    <dgm:scene3d>
+      <a:camera prst="orthographicFront"/>
+      <a:lightRig rig="threePt" dir="t"/>
+    </dgm:scene3d>
+    <dgm:sp3d/>
+    <dgm:txPr/>
+    <dgm:style>
+      <a:lnRef idx="2">
+        <a:scrgbClr r="0" g="0" b="0"/>
+      </a:lnRef>
+      <a:fillRef idx="1">
+        <a:scrgbClr r="0" g="0" b="0"/>
+      </a:fillRef>
+      <a:effectRef idx="0">
+        <a:scrgbClr r="0" g="0" b="0"/>
+      </a:effectRef>
+      <a:fontRef idx="minor"/>
+    </dgm:style>
+  </dgm:styleLbl>
+  <dgm:styleLbl name="fgAcc0">
+    <dgm:scene3d>
+      <a:camera prst="orthographicFront"/>
+      <a:lightRig rig="threePt" dir="t"/>
+    </dgm:scene3d>
+    <dgm:sp3d/>
+    <dgm:txPr/>
+    <dgm:style>
+      <a:lnRef idx="2">
+        <a:scrgbClr r="0" g="0" b="0"/>
+      </a:lnRef>
+      <a:fillRef idx="1">
+        <a:scrgbClr r="0" g="0" b="0"/>
+      </a:fillRef>
+      <a:effectRef idx="0">
+        <a:scrgbClr r="0" g="0" b="0"/>
+      </a:effectRef>
+      <a:fontRef idx="minor"/>
+    </dgm:style>
+  </dgm:styleLbl>
+  <dgm:styleLbl name="fgAcc2">
+    <dgm:scene3d>
+      <a:camera prst="orthographicFront"/>
+      <a:lightRig rig="threePt" dir="t"/>
+    </dgm:scene3d>
+    <dgm:sp3d/>
+    <dgm:txPr/>
+    <dgm:style>
+      <a:lnRef idx="2">
+        <a:scrgbClr r="0" g="0" b="0"/>
+      </a:lnRef>
+      <a:fillRef idx="1">
+        <a:scrgbClr r="0" g="0" b="0"/>
+      </a:fillRef>
+      <a:effectRef idx="0">
+        <a:scrgbClr r="0" g="0" b="0"/>
+      </a:effectRef>
+      <a:fontRef idx="minor"/>
+    </dgm:style>
+  </dgm:styleLbl>
+  <dgm:styleLbl name="fgAcc3">
+    <dgm:scene3d>
+      <a:camera prst="orthographicFront"/>
+      <a:lightRig rig="threePt" dir="t"/>
+    </dgm:scene3d>
+    <dgm:sp3d/>
+    <dgm:txPr/>
+    <dgm:style>
+      <a:lnRef idx="2">
+        <a:scrgbClr r="0" g="0" b="0"/>
+      </a:lnRef>
+      <a:fillRef idx="1">
+        <a:scrgbClr r="0" g="0" b="0"/>
+      </a:fillRef>
+      <a:effectRef idx="0">
+        <a:scrgbClr r="0" g="0" b="0"/>
+      </a:effectRef>
+      <a:fontRef idx="minor"/>
+    </dgm:style>
+  </dgm:styleLbl>
+  <dgm:styleLbl name="fgAcc4">
+    <dgm:scene3d>
+      <a:camera prst="orthographicFront"/>
+      <a:lightRig rig="threePt" dir="t"/>
+    </dgm:scene3d>
+    <dgm:sp3d/>
+    <dgm:txPr/>
+    <dgm:style>
+      <a:lnRef idx="2">
+        <a:scrgbClr r="0" g="0" b="0"/>
+      </a:lnRef>
+      <a:fillRef idx="1">
+        <a:scrgbClr r="0" g="0" b="0"/>
+      </a:fillRef>
+      <a:effectRef idx="0">
+        <a:scrgbClr r="0" g="0" b="0"/>
+      </a:effectRef>
+      <a:fontRef idx="minor"/>
+    </dgm:style>
+  </dgm:styleLbl>
+  <dgm:styleLbl name="bgShp">
+    <dgm:scene3d>
+      <a:camera prst="orthographicFront"/>
+      <a:lightRig rig="threePt" dir="t"/>
+    </dgm:scene3d>
+    <dgm:sp3d/>
+    <dgm:txPr/>
+    <dgm:style>
+      <a:lnRef idx="0">
+        <a:scrgbClr r="0" g="0" b="0"/>
+      </a:lnRef>
+      <a:fillRef idx="1">
+        <a:scrgbClr r="0" g="0" b="0"/>
+      </a:fillRef>
+      <a:effectRef idx="0">
+        <a:scrgbClr r="0" g="0" b="0"/>
+      </a:effectRef>
+      <a:fontRef idx="minor"/>
+    </dgm:style>
+  </dgm:styleLbl>
+  <dgm:styleLbl name="dkBgShp">
+    <dgm:scene3d>
+      <a:camera prst="orthographicFront"/>
+      <a:lightRig rig="threePt" dir="t"/>
+    </dgm:scene3d>
+    <dgm:sp3d/>
+    <dgm:txPr/>
+    <dgm:style>
+      <a:lnRef idx="0">
+        <a:scrgbClr r="0" g="0" b="0"/>
+      </a:lnRef>
+      <a:fillRef idx="1">
+        <a:scrgbClr r="0" g="0" b="0"/>
+      </a:fillRef>
+      <a:effectRef idx="0">
+        <a:scrgbClr r="0" g="0" b="0"/>
+      </a:effectRef>
+      <a:fontRef idx="minor"/>
+    </dgm:style>
+  </dgm:styleLbl>
+  <dgm:styleLbl name="trBgShp">
+    <dgm:scene3d>
+      <a:camera prst="orthographicFront"/>
+      <a:lightRig rig="threePt" dir="t"/>
+    </dgm:scene3d>
+    <dgm:sp3d/>
+    <dgm:txPr/>
+    <dgm:style>
+      <a:lnRef idx="0">
+        <a:scrgbClr r="0" g="0" b="0"/>
+      </a:lnRef>
+      <a:fillRef idx="1">
+        <a:scrgbClr r="0" g="0" b="0"/>
+      </a:fillRef>
+      <a:effectRef idx="0">
+        <a:scrgbClr r="0" g="0" b="0"/>
+      </a:effectRef>
+      <a:fontRef idx="minor"/>
+    </dgm:style>
+  </dgm:styleLbl>
+  <dgm:styleLbl name="fgShp">
+    <dgm:scene3d>
+      <a:camera prst="orthographicFront"/>
+      <a:lightRig rig="threePt" dir="t"/>
+    </dgm:scene3d>
+    <dgm:sp3d/>
+    <dgm:txPr/>
+    <dgm:style>
+      <a:lnRef idx="2">
+        <a:scrgbClr r="0" g="0" b="0"/>
+      </a:lnRef>
+      <a:fillRef idx="1">
+        <a:scrgbClr r="0" g="0" b="0"/>
+      </a:fillRef>
+      <a:effectRef idx="0">
+        <a:scrgbClr r="0" g="0" b="0"/>
+      </a:effectRef>
+      <a:fontRef idx="minor"/>
+    </dgm:style>
+  </dgm:styleLbl>
+  <dgm:styleLbl name="revTx">
+    <dgm:scene3d>
+      <a:camera prst="orthographicFront"/>
+      <a:lightRig rig="threePt" dir="t"/>
+    </dgm:scene3d>
+    <dgm:sp3d/>
+    <dgm:txPr/>
+    <dgm:style>
+      <a:lnRef idx="0">
+        <a:scrgbClr r="0" g="0" b="0"/>
+      </a:lnRef>
+      <a:fillRef idx="0">
+        <a:scrgbClr r="0" g="0" b="0"/>
+      </a:fillRef>
+      <a:effectRef idx="0">
+        <a:scrgbClr r="0" g="0" b="0"/>
+      </a:effectRef>
+      <a:fontRef idx="minor"/>
+    </dgm:style>
+  </dgm:styleLbl>
+</dgm:styleDef>
 </file>
 
 <file path=ppt/slideLayouts/slideLayout1.xml><?xml version="1.0" encoding="utf-8"?>
@@ -165,7 +3380,7 @@
           <a:noFill/>
           <a:extLst>
             <a:ext uri="{909E8E84-426E-40dd-AFC4-6F175D3DCCD1}">
-              <a14:hiddenFill xmlns:a14="http://schemas.microsoft.com/office/drawing/2010/main" xmlns="">
+              <a14:hiddenFill xmlns="" xmlns:a14="http://schemas.microsoft.com/office/drawing/2010/main">
                 <a:solidFill>
                   <a:srgbClr val="FFFFFF"/>
                 </a:solidFill>
@@ -224,7 +3439,7 @@
             </a:ln>
             <a:extLst>
               <a:ext uri="{91240B29-F687-4f45-9708-019B960494DF}">
-                <a14:hiddenLine xmlns:a14="http://schemas.microsoft.com/office/drawing/2010/main" xmlns="" w="9525">
+                <a14:hiddenLine xmlns="" xmlns:a14="http://schemas.microsoft.com/office/drawing/2010/main" w="9525">
                   <a:solidFill>
                     <a:srgbClr val="000000"/>
                   </a:solidFill>
@@ -314,7 +3529,7 @@
             </a:ln>
             <a:extLst>
               <a:ext uri="{91240B29-F687-4f45-9708-019B960494DF}">
-                <a14:hiddenLine xmlns:a14="http://schemas.microsoft.com/office/drawing/2010/main" xmlns="" w="9525">
+                <a14:hiddenLine xmlns="" xmlns:a14="http://schemas.microsoft.com/office/drawing/2010/main" w="9525">
                   <a:solidFill>
                     <a:srgbClr val="000000"/>
                   </a:solidFill>
@@ -404,7 +3619,7 @@
             </a:ln>
             <a:extLst>
               <a:ext uri="{91240B29-F687-4f45-9708-019B960494DF}">
-                <a14:hiddenLine xmlns:a14="http://schemas.microsoft.com/office/drawing/2010/main" xmlns="" w="9525">
+                <a14:hiddenLine xmlns="" xmlns:a14="http://schemas.microsoft.com/office/drawing/2010/main" w="9525">
                   <a:solidFill>
                     <a:srgbClr val="000000"/>
                   </a:solidFill>
@@ -438,7 +3653,7 @@
             </a:ln>
             <a:extLst>
               <a:ext uri="{91240B29-F687-4f45-9708-019B960494DF}">
-                <a14:hiddenLine xmlns:a14="http://schemas.microsoft.com/office/drawing/2010/main" xmlns="" w="9525">
+                <a14:hiddenLine xmlns="" xmlns:a14="http://schemas.microsoft.com/office/drawing/2010/main" w="9525">
                   <a:solidFill>
                     <a:srgbClr val="000000"/>
                   </a:solidFill>
@@ -528,7 +3743,7 @@
             </a:ln>
             <a:extLst>
               <a:ext uri="{91240B29-F687-4f45-9708-019B960494DF}">
-                <a14:hiddenLine xmlns:a14="http://schemas.microsoft.com/office/drawing/2010/main" xmlns="" w="9525">
+                <a14:hiddenLine xmlns="" xmlns:a14="http://schemas.microsoft.com/office/drawing/2010/main" w="9525">
                   <a:solidFill>
                     <a:srgbClr val="000000"/>
                   </a:solidFill>
@@ -590,7 +3805,7 @@
             </a:ln>
             <a:extLst>
               <a:ext uri="{91240B29-F687-4f45-9708-019B960494DF}">
-                <a14:hiddenLine xmlns:a14="http://schemas.microsoft.com/office/drawing/2010/main" xmlns="" w="9525">
+                <a14:hiddenLine xmlns="" xmlns:a14="http://schemas.microsoft.com/office/drawing/2010/main" w="9525">
                   <a:solidFill>
                     <a:srgbClr val="000000"/>
                   </a:solidFill>
@@ -652,7 +3867,7 @@
             </a:ln>
             <a:extLst>
               <a:ext uri="{91240B29-F687-4f45-9708-019B960494DF}">
-                <a14:hiddenLine xmlns:a14="http://schemas.microsoft.com/office/drawing/2010/main" xmlns="" w="9525">
+                <a14:hiddenLine xmlns="" xmlns:a14="http://schemas.microsoft.com/office/drawing/2010/main" w="9525">
                   <a:solidFill>
                     <a:srgbClr val="000000"/>
                   </a:solidFill>
@@ -742,7 +3957,7 @@
             </a:ln>
             <a:extLst>
               <a:ext uri="{91240B29-F687-4f45-9708-019B960494DF}">
-                <a14:hiddenLine xmlns:a14="http://schemas.microsoft.com/office/drawing/2010/main" xmlns="" w="9525">
+                <a14:hiddenLine xmlns="" xmlns:a14="http://schemas.microsoft.com/office/drawing/2010/main" w="9525">
                   <a:solidFill>
                     <a:srgbClr val="000000"/>
                   </a:solidFill>
@@ -804,7 +4019,7 @@
             </a:ln>
             <a:extLst>
               <a:ext uri="{91240B29-F687-4f45-9708-019B960494DF}">
-                <a14:hiddenLine xmlns:a14="http://schemas.microsoft.com/office/drawing/2010/main" xmlns="" w="9525">
+                <a14:hiddenLine xmlns="" xmlns:a14="http://schemas.microsoft.com/office/drawing/2010/main" w="9525">
                   <a:solidFill>
                     <a:srgbClr val="000000"/>
                   </a:solidFill>
@@ -866,7 +4081,7 @@
             </a:ln>
             <a:extLst>
               <a:ext uri="{91240B29-F687-4f45-9708-019B960494DF}">
-                <a14:hiddenLine xmlns:a14="http://schemas.microsoft.com/office/drawing/2010/main" xmlns="" w="9525">
+                <a14:hiddenLine xmlns="" xmlns:a14="http://schemas.microsoft.com/office/drawing/2010/main" w="9525">
                   <a:solidFill>
                     <a:srgbClr val="000000"/>
                   </a:solidFill>
@@ -956,7 +4171,7 @@
             </a:ln>
             <a:extLst>
               <a:ext uri="{91240B29-F687-4f45-9708-019B960494DF}">
-                <a14:hiddenLine xmlns:a14="http://schemas.microsoft.com/office/drawing/2010/main" xmlns="" w="9525">
+                <a14:hiddenLine xmlns="" xmlns:a14="http://schemas.microsoft.com/office/drawing/2010/main" w="9525">
                   <a:solidFill>
                     <a:srgbClr val="000000"/>
                   </a:solidFill>
@@ -1046,7 +4261,7 @@
             </a:ln>
             <a:extLst>
               <a:ext uri="{91240B29-F687-4f45-9708-019B960494DF}">
-                <a14:hiddenLine xmlns:a14="http://schemas.microsoft.com/office/drawing/2010/main" xmlns="" w="9525">
+                <a14:hiddenLine xmlns="" xmlns:a14="http://schemas.microsoft.com/office/drawing/2010/main" w="9525">
                   <a:solidFill>
                     <a:srgbClr val="000000"/>
                   </a:solidFill>
@@ -1108,7 +4323,7 @@
             </a:ln>
             <a:extLst>
               <a:ext uri="{91240B29-F687-4f45-9708-019B960494DF}">
-                <a14:hiddenLine xmlns:a14="http://schemas.microsoft.com/office/drawing/2010/main" xmlns="" w="9525">
+                <a14:hiddenLine xmlns="" xmlns:a14="http://schemas.microsoft.com/office/drawing/2010/main" w="9525">
                   <a:solidFill>
                     <a:srgbClr val="000000"/>
                   </a:solidFill>
@@ -1218,7 +4433,7 @@
             </a:ln>
             <a:extLst>
               <a:ext uri="{91240B29-F687-4f45-9708-019B960494DF}">
-                <a14:hiddenLine xmlns:a14="http://schemas.microsoft.com/office/drawing/2010/main" xmlns="" w="9525">
+                <a14:hiddenLine xmlns="" xmlns:a14="http://schemas.microsoft.com/office/drawing/2010/main" w="9525">
                   <a:solidFill>
                     <a:srgbClr val="000000"/>
                   </a:solidFill>
@@ -1280,7 +4495,7 @@
             </a:ln>
             <a:extLst>
               <a:ext uri="{91240B29-F687-4f45-9708-019B960494DF}">
-                <a14:hiddenLine xmlns:a14="http://schemas.microsoft.com/office/drawing/2010/main" xmlns="" w="9525">
+                <a14:hiddenLine xmlns="" xmlns:a14="http://schemas.microsoft.com/office/drawing/2010/main" w="9525">
                   <a:solidFill>
                     <a:srgbClr val="000000"/>
                   </a:solidFill>
@@ -1370,7 +4585,7 @@
             </a:ln>
             <a:extLst>
               <a:ext uri="{91240B29-F687-4f45-9708-019B960494DF}">
-                <a14:hiddenLine xmlns:a14="http://schemas.microsoft.com/office/drawing/2010/main" xmlns="" w="9525">
+                <a14:hiddenLine xmlns="" xmlns:a14="http://schemas.microsoft.com/office/drawing/2010/main" w="9525">
                   <a:solidFill>
                     <a:srgbClr val="000000"/>
                   </a:solidFill>
@@ -1460,7 +4675,7 @@
             </a:ln>
             <a:extLst>
               <a:ext uri="{91240B29-F687-4f45-9708-019B960494DF}">
-                <a14:hiddenLine xmlns:a14="http://schemas.microsoft.com/office/drawing/2010/main" xmlns="" w="9525">
+                <a14:hiddenLine xmlns="" xmlns:a14="http://schemas.microsoft.com/office/drawing/2010/main" w="9525">
                   <a:solidFill>
                     <a:srgbClr val="000000"/>
                   </a:solidFill>
@@ -1522,7 +4737,7 @@
             </a:ln>
             <a:extLst>
               <a:ext uri="{91240B29-F687-4f45-9708-019B960494DF}">
-                <a14:hiddenLine xmlns:a14="http://schemas.microsoft.com/office/drawing/2010/main" xmlns="" w="9525">
+                <a14:hiddenLine xmlns="" xmlns:a14="http://schemas.microsoft.com/office/drawing/2010/main" w="9525">
                   <a:solidFill>
                     <a:srgbClr val="000000"/>
                   </a:solidFill>
@@ -1612,7 +4827,7 @@
             </a:ln>
             <a:extLst>
               <a:ext uri="{91240B29-F687-4f45-9708-019B960494DF}">
-                <a14:hiddenLine xmlns:a14="http://schemas.microsoft.com/office/drawing/2010/main" xmlns="" w="9525">
+                <a14:hiddenLine xmlns="" xmlns:a14="http://schemas.microsoft.com/office/drawing/2010/main" w="9525">
                   <a:solidFill>
                     <a:srgbClr val="000000"/>
                   </a:solidFill>
@@ -1702,7 +4917,7 @@
             </a:ln>
             <a:extLst>
               <a:ext uri="{91240B29-F687-4f45-9708-019B960494DF}">
-                <a14:hiddenLine xmlns:a14="http://schemas.microsoft.com/office/drawing/2010/main" xmlns="" w="9525">
+                <a14:hiddenLine xmlns="" xmlns:a14="http://schemas.microsoft.com/office/drawing/2010/main" w="9525">
                   <a:solidFill>
                     <a:srgbClr val="000000"/>
                   </a:solidFill>
@@ -1758,7 +4973,7 @@
             </a:ln>
             <a:extLst>
               <a:ext uri="{91240B29-F687-4f45-9708-019B960494DF}">
-                <a14:hiddenLine xmlns:a14="http://schemas.microsoft.com/office/drawing/2010/main" xmlns="" w="9525">
+                <a14:hiddenLine xmlns="" xmlns:a14="http://schemas.microsoft.com/office/drawing/2010/main" w="9525">
                   <a:solidFill>
                     <a:srgbClr val="000000"/>
                   </a:solidFill>
@@ -1848,7 +5063,7 @@
             </a:ln>
             <a:extLst>
               <a:ext uri="{91240B29-F687-4f45-9708-019B960494DF}">
-                <a14:hiddenLine xmlns:a14="http://schemas.microsoft.com/office/drawing/2010/main" xmlns="" w="9525">
+                <a14:hiddenLine xmlns="" xmlns:a14="http://schemas.microsoft.com/office/drawing/2010/main" w="9525">
                   <a:solidFill>
                     <a:srgbClr val="000000"/>
                   </a:solidFill>
@@ -1904,7 +5119,7 @@
             </a:ln>
             <a:extLst>
               <a:ext uri="{91240B29-F687-4f45-9708-019B960494DF}">
-                <a14:hiddenLine xmlns:a14="http://schemas.microsoft.com/office/drawing/2010/main" xmlns="" w="9525">
+                <a14:hiddenLine xmlns="" xmlns:a14="http://schemas.microsoft.com/office/drawing/2010/main" w="9525">
                   <a:solidFill>
                     <a:srgbClr val="000000"/>
                   </a:solidFill>
@@ -1994,7 +5209,7 @@
             </a:ln>
             <a:extLst>
               <a:ext uri="{91240B29-F687-4f45-9708-019B960494DF}">
-                <a14:hiddenLine xmlns:a14="http://schemas.microsoft.com/office/drawing/2010/main" xmlns="" w="9525">
+                <a14:hiddenLine xmlns="" xmlns:a14="http://schemas.microsoft.com/office/drawing/2010/main" w="9525">
                   <a:solidFill>
                     <a:srgbClr val="000000"/>
                   </a:solidFill>
@@ -2062,7 +5277,7 @@
             </a:ln>
             <a:extLst>
               <a:ext uri="{91240B29-F687-4f45-9708-019B960494DF}">
-                <a14:hiddenLine xmlns:a14="http://schemas.microsoft.com/office/drawing/2010/main" xmlns="" w="9525">
+                <a14:hiddenLine xmlns="" xmlns:a14="http://schemas.microsoft.com/office/drawing/2010/main" w="9525">
                   <a:solidFill>
                     <a:srgbClr val="000000"/>
                   </a:solidFill>
@@ -2152,7 +5367,7 @@
             </a:ln>
             <a:extLst>
               <a:ext uri="{91240B29-F687-4f45-9708-019B960494DF}">
-                <a14:hiddenLine xmlns:a14="http://schemas.microsoft.com/office/drawing/2010/main" xmlns="" w="9525">
+                <a14:hiddenLine xmlns="" xmlns:a14="http://schemas.microsoft.com/office/drawing/2010/main" w="9525">
                   <a:solidFill>
                     <a:srgbClr val="000000"/>
                   </a:solidFill>
@@ -2220,7 +5435,7 @@
             </a:ln>
             <a:extLst>
               <a:ext uri="{91240B29-F687-4f45-9708-019B960494DF}">
-                <a14:hiddenLine xmlns:a14="http://schemas.microsoft.com/office/drawing/2010/main" xmlns="" w="9525">
+                <a14:hiddenLine xmlns="" xmlns:a14="http://schemas.microsoft.com/office/drawing/2010/main" w="9525">
                   <a:solidFill>
                     <a:srgbClr val="000000"/>
                   </a:solidFill>
@@ -2310,7 +5525,7 @@
             </a:ln>
             <a:extLst>
               <a:ext uri="{91240B29-F687-4f45-9708-019B960494DF}">
-                <a14:hiddenLine xmlns:a14="http://schemas.microsoft.com/office/drawing/2010/main" xmlns="" w="9525">
+                <a14:hiddenLine xmlns="" xmlns:a14="http://schemas.microsoft.com/office/drawing/2010/main" w="9525">
                   <a:solidFill>
                     <a:srgbClr val="000000"/>
                   </a:solidFill>
@@ -2344,7 +5559,7 @@
             </a:ln>
             <a:extLst>
               <a:ext uri="{91240B29-F687-4f45-9708-019B960494DF}">
-                <a14:hiddenLine xmlns:a14="http://schemas.microsoft.com/office/drawing/2010/main" xmlns="" w="9525">
+                <a14:hiddenLine xmlns="" xmlns:a14="http://schemas.microsoft.com/office/drawing/2010/main" w="9525">
                   <a:solidFill>
                     <a:srgbClr val="000000"/>
                   </a:solidFill>
@@ -2434,7 +5649,7 @@
             </a:ln>
             <a:extLst>
               <a:ext uri="{91240B29-F687-4f45-9708-019B960494DF}">
-                <a14:hiddenLine xmlns:a14="http://schemas.microsoft.com/office/drawing/2010/main" xmlns="" w="9525">
+                <a14:hiddenLine xmlns="" xmlns:a14="http://schemas.microsoft.com/office/drawing/2010/main" w="9525">
                   <a:solidFill>
                     <a:srgbClr val="000000"/>
                   </a:solidFill>
@@ -2496,7 +5711,7 @@
             </a:ln>
             <a:extLst>
               <a:ext uri="{91240B29-F687-4f45-9708-019B960494DF}">
-                <a14:hiddenLine xmlns:a14="http://schemas.microsoft.com/office/drawing/2010/main" xmlns="" w="9525">
+                <a14:hiddenLine xmlns="" xmlns:a14="http://schemas.microsoft.com/office/drawing/2010/main" w="9525">
                   <a:solidFill>
                     <a:srgbClr val="000000"/>
                   </a:solidFill>
@@ -2558,7 +5773,7 @@
             </a:ln>
             <a:extLst>
               <a:ext uri="{91240B29-F687-4f45-9708-019B960494DF}">
-                <a14:hiddenLine xmlns:a14="http://schemas.microsoft.com/office/drawing/2010/main" xmlns="" w="9525">
+                <a14:hiddenLine xmlns="" xmlns:a14="http://schemas.microsoft.com/office/drawing/2010/main" w="9525">
                   <a:solidFill>
                     <a:srgbClr val="000000"/>
                   </a:solidFill>
@@ -2648,7 +5863,7 @@
             </a:ln>
             <a:extLst>
               <a:ext uri="{91240B29-F687-4f45-9708-019B960494DF}">
-                <a14:hiddenLine xmlns:a14="http://schemas.microsoft.com/office/drawing/2010/main" xmlns="" w="9525">
+                <a14:hiddenLine xmlns="" xmlns:a14="http://schemas.microsoft.com/office/drawing/2010/main" w="9525">
                   <a:solidFill>
                     <a:srgbClr val="000000"/>
                   </a:solidFill>
@@ -2716,7 +5931,7 @@
             </a:ln>
             <a:extLst>
               <a:ext uri="{91240B29-F687-4f45-9708-019B960494DF}">
-                <a14:hiddenLine xmlns:a14="http://schemas.microsoft.com/office/drawing/2010/main" xmlns="" w="9525">
+                <a14:hiddenLine xmlns="" xmlns:a14="http://schemas.microsoft.com/office/drawing/2010/main" w="9525">
                   <a:solidFill>
                     <a:srgbClr val="000000"/>
                   </a:solidFill>
@@ -2778,7 +5993,7 @@
             </a:ln>
             <a:extLst>
               <a:ext uri="{91240B29-F687-4f45-9708-019B960494DF}">
-                <a14:hiddenLine xmlns:a14="http://schemas.microsoft.com/office/drawing/2010/main" xmlns="" w="9525">
+                <a14:hiddenLine xmlns="" xmlns:a14="http://schemas.microsoft.com/office/drawing/2010/main" w="9525">
                   <a:solidFill>
                     <a:srgbClr val="000000"/>
                   </a:solidFill>
@@ -2868,7 +6083,7 @@
             </a:ln>
             <a:extLst>
               <a:ext uri="{91240B29-F687-4f45-9708-019B960494DF}">
-                <a14:hiddenLine xmlns:a14="http://schemas.microsoft.com/office/drawing/2010/main" xmlns="" w="9525">
+                <a14:hiddenLine xmlns="" xmlns:a14="http://schemas.microsoft.com/office/drawing/2010/main" w="9525">
                   <a:solidFill>
                     <a:srgbClr val="000000"/>
                   </a:solidFill>
@@ -2930,7 +6145,7 @@
             </a:ln>
             <a:extLst>
               <a:ext uri="{91240B29-F687-4f45-9708-019B960494DF}">
-                <a14:hiddenLine xmlns:a14="http://schemas.microsoft.com/office/drawing/2010/main" xmlns="" w="9525">
+                <a14:hiddenLine xmlns="" xmlns:a14="http://schemas.microsoft.com/office/drawing/2010/main" w="9525">
                   <a:solidFill>
                     <a:srgbClr val="000000"/>
                   </a:solidFill>
@@ -3020,7 +6235,7 @@
             </a:ln>
             <a:extLst>
               <a:ext uri="{91240B29-F687-4f45-9708-019B960494DF}">
-                <a14:hiddenLine xmlns:a14="http://schemas.microsoft.com/office/drawing/2010/main" xmlns="" w="9525">
+                <a14:hiddenLine xmlns="" xmlns:a14="http://schemas.microsoft.com/office/drawing/2010/main" w="9525">
                   <a:solidFill>
                     <a:srgbClr val="000000"/>
                   </a:solidFill>
@@ -3082,7 +6297,7 @@
             </a:ln>
             <a:extLst>
               <a:ext uri="{91240B29-F687-4f45-9708-019B960494DF}">
-                <a14:hiddenLine xmlns:a14="http://schemas.microsoft.com/office/drawing/2010/main" xmlns="" w="9525">
+                <a14:hiddenLine xmlns="" xmlns:a14="http://schemas.microsoft.com/office/drawing/2010/main" w="9525">
                   <a:solidFill>
                     <a:srgbClr val="000000"/>
                   </a:solidFill>
@@ -3172,7 +6387,7 @@
             </a:ln>
             <a:extLst>
               <a:ext uri="{91240B29-F687-4f45-9708-019B960494DF}">
-                <a14:hiddenLine xmlns:a14="http://schemas.microsoft.com/office/drawing/2010/main" xmlns="" w="9525">
+                <a14:hiddenLine xmlns="" xmlns:a14="http://schemas.microsoft.com/office/drawing/2010/main" w="9525">
                   <a:solidFill>
                     <a:srgbClr val="000000"/>
                   </a:solidFill>
@@ -3206,7 +6421,7 @@
             </a:ln>
             <a:extLst>
               <a:ext uri="{91240B29-F687-4f45-9708-019B960494DF}">
-                <a14:hiddenLine xmlns:a14="http://schemas.microsoft.com/office/drawing/2010/main" xmlns="" w="9525">
+                <a14:hiddenLine xmlns="" xmlns:a14="http://schemas.microsoft.com/office/drawing/2010/main" w="9525">
                   <a:solidFill>
                     <a:srgbClr val="000000"/>
                   </a:solidFill>
@@ -3271,7 +6486,7 @@
             </a:ln>
             <a:extLst>
               <a:ext uri="{91240B29-F687-4f45-9708-019B960494DF}">
-                <a14:hiddenLine xmlns:a14="http://schemas.microsoft.com/office/drawing/2010/main" xmlns="" w="9525">
+                <a14:hiddenLine xmlns="" xmlns:a14="http://schemas.microsoft.com/office/drawing/2010/main" w="9525">
                   <a:solidFill>
                     <a:srgbClr val="000000"/>
                   </a:solidFill>
@@ -3361,7 +6576,7 @@
             </a:ln>
             <a:extLst>
               <a:ext uri="{91240B29-F687-4f45-9708-019B960494DF}">
-                <a14:hiddenLine xmlns:a14="http://schemas.microsoft.com/office/drawing/2010/main" xmlns="" w="9525">
+                <a14:hiddenLine xmlns="" xmlns:a14="http://schemas.microsoft.com/office/drawing/2010/main" w="9525">
                   <a:solidFill>
                     <a:srgbClr val="000000"/>
                   </a:solidFill>
@@ -3423,7 +6638,7 @@
             </a:ln>
             <a:extLst>
               <a:ext uri="{91240B29-F687-4f45-9708-019B960494DF}">
-                <a14:hiddenLine xmlns:a14="http://schemas.microsoft.com/office/drawing/2010/main" xmlns="" w="9525">
+                <a14:hiddenLine xmlns="" xmlns:a14="http://schemas.microsoft.com/office/drawing/2010/main" w="9525">
                   <a:solidFill>
                     <a:srgbClr val="000000"/>
                   </a:solidFill>
@@ -3513,7 +6728,7 @@
             </a:ln>
             <a:extLst>
               <a:ext uri="{91240B29-F687-4f45-9708-019B960494DF}">
-                <a14:hiddenLine xmlns:a14="http://schemas.microsoft.com/office/drawing/2010/main" xmlns="" w="9525">
+                <a14:hiddenLine xmlns="" xmlns:a14="http://schemas.microsoft.com/office/drawing/2010/main" w="9525">
                   <a:solidFill>
                     <a:srgbClr val="000000"/>
                   </a:solidFill>
@@ -3603,7 +6818,7 @@
             </a:ln>
             <a:extLst>
               <a:ext uri="{91240B29-F687-4f45-9708-019B960494DF}">
-                <a14:hiddenLine xmlns:a14="http://schemas.microsoft.com/office/drawing/2010/main" xmlns="" w="9525">
+                <a14:hiddenLine xmlns="" xmlns:a14="http://schemas.microsoft.com/office/drawing/2010/main" w="9525">
                   <a:solidFill>
                     <a:srgbClr val="000000"/>
                   </a:solidFill>
@@ -3668,7 +6883,7 @@
             </a:ln>
             <a:extLst>
               <a:ext uri="{91240B29-F687-4f45-9708-019B960494DF}">
-                <a14:hiddenLine xmlns:a14="http://schemas.microsoft.com/office/drawing/2010/main" xmlns="" w="9525">
+                <a14:hiddenLine xmlns="" xmlns:a14="http://schemas.microsoft.com/office/drawing/2010/main" w="9525">
                   <a:solidFill>
                     <a:srgbClr val="000000"/>
                   </a:solidFill>
@@ -3730,7 +6945,7 @@
             </a:ln>
             <a:extLst>
               <a:ext uri="{91240B29-F687-4f45-9708-019B960494DF}">
-                <a14:hiddenLine xmlns:a14="http://schemas.microsoft.com/office/drawing/2010/main" xmlns="" w="9525">
+                <a14:hiddenLine xmlns="" xmlns:a14="http://schemas.microsoft.com/office/drawing/2010/main" w="9525">
                   <a:solidFill>
                     <a:srgbClr val="000000"/>
                   </a:solidFill>
@@ -3820,7 +7035,7 @@
             </a:ln>
             <a:extLst>
               <a:ext uri="{91240B29-F687-4f45-9708-019B960494DF}">
-                <a14:hiddenLine xmlns:a14="http://schemas.microsoft.com/office/drawing/2010/main" xmlns="" w="9525">
+                <a14:hiddenLine xmlns="" xmlns:a14="http://schemas.microsoft.com/office/drawing/2010/main" w="9525">
                   <a:solidFill>
                     <a:srgbClr val="000000"/>
                   </a:solidFill>
@@ -3910,7 +7125,7 @@
             </a:ln>
             <a:extLst>
               <a:ext uri="{91240B29-F687-4f45-9708-019B960494DF}">
-                <a14:hiddenLine xmlns:a14="http://schemas.microsoft.com/office/drawing/2010/main" xmlns="" w="9525">
+                <a14:hiddenLine xmlns="" xmlns:a14="http://schemas.microsoft.com/office/drawing/2010/main" w="9525">
                   <a:solidFill>
                     <a:srgbClr val="000000"/>
                   </a:solidFill>
@@ -3972,7 +7187,7 @@
             </a:ln>
             <a:extLst>
               <a:ext uri="{91240B29-F687-4f45-9708-019B960494DF}">
-                <a14:hiddenLine xmlns:a14="http://schemas.microsoft.com/office/drawing/2010/main" xmlns="" w="9525">
+                <a14:hiddenLine xmlns="" xmlns:a14="http://schemas.microsoft.com/office/drawing/2010/main" w="9525">
                   <a:solidFill>
                     <a:srgbClr val="000000"/>
                   </a:solidFill>
@@ -4092,7 +7307,7 @@
             </a:ln>
             <a:extLst>
               <a:ext uri="{91240B29-F687-4f45-9708-019B960494DF}">
-                <a14:hiddenLine xmlns:a14="http://schemas.microsoft.com/office/drawing/2010/main" xmlns="" w="9525">
+                <a14:hiddenLine xmlns="" xmlns:a14="http://schemas.microsoft.com/office/drawing/2010/main" w="9525">
                   <a:solidFill>
                     <a:srgbClr val="000000"/>
                   </a:solidFill>
@@ -4160,7 +7375,7 @@
             </a:ln>
             <a:extLst>
               <a:ext uri="{91240B29-F687-4f45-9708-019B960494DF}">
-                <a14:hiddenLine xmlns:a14="http://schemas.microsoft.com/office/drawing/2010/main" xmlns="" w="9525">
+                <a14:hiddenLine xmlns="" xmlns:a14="http://schemas.microsoft.com/office/drawing/2010/main" w="9525">
                   <a:solidFill>
                     <a:srgbClr val="000000"/>
                   </a:solidFill>
@@ -4250,7 +7465,7 @@
             </a:ln>
             <a:extLst>
               <a:ext uri="{91240B29-F687-4f45-9708-019B960494DF}">
-                <a14:hiddenLine xmlns:a14="http://schemas.microsoft.com/office/drawing/2010/main" xmlns="" w="9525">
+                <a14:hiddenLine xmlns="" xmlns:a14="http://schemas.microsoft.com/office/drawing/2010/main" w="9525">
                   <a:solidFill>
                     <a:srgbClr val="000000"/>
                   </a:solidFill>
@@ -4390,7 +7605,7 @@
           <a:p>
             <a:fld id="{E7CFAB0E-6CF7-4E2D-AB95-A3C382A856D7}" type="datetimeFigureOut">
               <a:rPr lang="nl-NL" smtClean="0"/>
-              <a:t>7-5-2019</a:t>
+              <a:t>10-5-2019</a:t>
             </a:fld>
             <a:endParaRPr lang="nl-NL"/>
           </a:p>
@@ -4657,7 +7872,7 @@
           <a:p>
             <a:fld id="{E7CFAB0E-6CF7-4E2D-AB95-A3C382A856D7}" type="datetimeFigureOut">
               <a:rPr lang="nl-NL" smtClean="0"/>
-              <a:t>7-5-2019</a:t>
+              <a:t>10-5-2019</a:t>
             </a:fld>
             <a:endParaRPr lang="nl-NL"/>
           </a:p>
@@ -4853,7 +8068,7 @@
           <a:p>
             <a:fld id="{E7CFAB0E-6CF7-4E2D-AB95-A3C382A856D7}" type="datetimeFigureOut">
               <a:rPr lang="nl-NL" smtClean="0"/>
-              <a:t>7-5-2019</a:t>
+              <a:t>10-5-2019</a:t>
             </a:fld>
             <a:endParaRPr lang="nl-NL"/>
           </a:p>
@@ -5116,7 +8331,7 @@
           <a:p>
             <a:fld id="{E7CFAB0E-6CF7-4E2D-AB95-A3C382A856D7}" type="datetimeFigureOut">
               <a:rPr lang="nl-NL" smtClean="0"/>
-              <a:t>7-5-2019</a:t>
+              <a:t>10-5-2019</a:t>
             </a:fld>
             <a:endParaRPr lang="nl-NL"/>
           </a:p>
@@ -5550,7 +8765,7 @@
           <a:p>
             <a:fld id="{E7CFAB0E-6CF7-4E2D-AB95-A3C382A856D7}" type="datetimeFigureOut">
               <a:rPr lang="nl-NL" smtClean="0"/>
-              <a:t>7-5-2019</a:t>
+              <a:t>10-5-2019</a:t>
             </a:fld>
             <a:endParaRPr lang="nl-NL"/>
           </a:p>
@@ -6096,7 +9311,7 @@
           <a:p>
             <a:fld id="{E7CFAB0E-6CF7-4E2D-AB95-A3C382A856D7}" type="datetimeFigureOut">
               <a:rPr lang="nl-NL" smtClean="0"/>
-              <a:t>7-5-2019</a:t>
+              <a:t>10-5-2019</a:t>
             </a:fld>
             <a:endParaRPr lang="nl-NL"/>
           </a:p>
@@ -6816,7 +10031,7 @@
           <a:p>
             <a:fld id="{E7CFAB0E-6CF7-4E2D-AB95-A3C382A856D7}" type="datetimeFigureOut">
               <a:rPr lang="nl-NL" smtClean="0"/>
-              <a:t>7-5-2019</a:t>
+              <a:t>10-5-2019</a:t>
             </a:fld>
             <a:endParaRPr lang="nl-NL"/>
           </a:p>
@@ -6986,7 +10201,7 @@
           <a:p>
             <a:fld id="{E7CFAB0E-6CF7-4E2D-AB95-A3C382A856D7}" type="datetimeFigureOut">
               <a:rPr lang="nl-NL" smtClean="0"/>
-              <a:t>7-5-2019</a:t>
+              <a:t>10-5-2019</a:t>
             </a:fld>
             <a:endParaRPr lang="nl-NL"/>
           </a:p>
@@ -7166,7 +10381,7 @@
           <a:p>
             <a:fld id="{E7CFAB0E-6CF7-4E2D-AB95-A3C382A856D7}" type="datetimeFigureOut">
               <a:rPr lang="nl-NL" smtClean="0"/>
-              <a:t>7-5-2019</a:t>
+              <a:t>10-5-2019</a:t>
             </a:fld>
             <a:endParaRPr lang="nl-NL"/>
           </a:p>
@@ -7336,7 +10551,7 @@
           <a:p>
             <a:fld id="{E7CFAB0E-6CF7-4E2D-AB95-A3C382A856D7}" type="datetimeFigureOut">
               <a:rPr lang="nl-NL" smtClean="0"/>
-              <a:t>7-5-2019</a:t>
+              <a:t>10-5-2019</a:t>
             </a:fld>
             <a:endParaRPr lang="nl-NL"/>
           </a:p>
@@ -7586,7 +10801,7 @@
           <a:p>
             <a:fld id="{E7CFAB0E-6CF7-4E2D-AB95-A3C382A856D7}" type="datetimeFigureOut">
               <a:rPr lang="nl-NL" smtClean="0"/>
-              <a:t>7-5-2019</a:t>
+              <a:t>10-5-2019</a:t>
             </a:fld>
             <a:endParaRPr lang="nl-NL"/>
           </a:p>
@@ -7818,7 +11033,7 @@
           <a:p>
             <a:fld id="{E7CFAB0E-6CF7-4E2D-AB95-A3C382A856D7}" type="datetimeFigureOut">
               <a:rPr lang="nl-NL" smtClean="0"/>
-              <a:t>7-5-2019</a:t>
+              <a:t>10-5-2019</a:t>
             </a:fld>
             <a:endParaRPr lang="nl-NL"/>
           </a:p>
@@ -8199,7 +11414,7 @@
           <a:p>
             <a:fld id="{E7CFAB0E-6CF7-4E2D-AB95-A3C382A856D7}" type="datetimeFigureOut">
               <a:rPr lang="nl-NL" smtClean="0"/>
-              <a:t>7-5-2019</a:t>
+              <a:t>10-5-2019</a:t>
             </a:fld>
             <a:endParaRPr lang="nl-NL"/>
           </a:p>
@@ -8317,7 +11532,7 @@
           <a:p>
             <a:fld id="{E7CFAB0E-6CF7-4E2D-AB95-A3C382A856D7}" type="datetimeFigureOut">
               <a:rPr lang="nl-NL" smtClean="0"/>
-              <a:t>7-5-2019</a:t>
+              <a:t>10-5-2019</a:t>
             </a:fld>
             <a:endParaRPr lang="nl-NL"/>
           </a:p>
@@ -8412,7 +11627,7 @@
           <a:p>
             <a:fld id="{E7CFAB0E-6CF7-4E2D-AB95-A3C382A856D7}" type="datetimeFigureOut">
               <a:rPr lang="nl-NL" smtClean="0"/>
-              <a:t>7-5-2019</a:t>
+              <a:t>10-5-2019</a:t>
             </a:fld>
             <a:endParaRPr lang="nl-NL"/>
           </a:p>
@@ -8661,7 +11876,7 @@
           <a:p>
             <a:fld id="{E7CFAB0E-6CF7-4E2D-AB95-A3C382A856D7}" type="datetimeFigureOut">
               <a:rPr lang="nl-NL" smtClean="0"/>
-              <a:t>7-5-2019</a:t>
+              <a:t>10-5-2019</a:t>
             </a:fld>
             <a:endParaRPr lang="nl-NL"/>
           </a:p>
@@ -8941,7 +12156,7 @@
           <a:p>
             <a:fld id="{E7CFAB0E-6CF7-4E2D-AB95-A3C382A856D7}" type="datetimeFigureOut">
               <a:rPr lang="nl-NL" smtClean="0"/>
-              <a:t>7-5-2019</a:t>
+              <a:t>10-5-2019</a:t>
             </a:fld>
             <a:endParaRPr lang="nl-NL"/>
           </a:p>
@@ -9064,7 +12279,7 @@
           <a:noFill/>
           <a:extLst>
             <a:ext uri="{909E8E84-426E-40dd-AFC4-6F175D3DCCD1}">
-              <a14:hiddenFill xmlns:a14="http://schemas.microsoft.com/office/drawing/2010/main" xmlns="">
+              <a14:hiddenFill xmlns="" xmlns:a14="http://schemas.microsoft.com/office/drawing/2010/main">
                 <a:solidFill>
                   <a:srgbClr val="FFFFFF"/>
                 </a:solidFill>
@@ -9138,7 +12353,7 @@
               </a:ln>
               <a:extLst>
                 <a:ext uri="{91240B29-F687-4f45-9708-019B960494DF}">
-                  <a14:hiddenLine xmlns:a14="http://schemas.microsoft.com/office/drawing/2010/main" xmlns="" w="9525">
+                  <a14:hiddenLine xmlns="" xmlns:a14="http://schemas.microsoft.com/office/drawing/2010/main" w="9525">
                     <a:solidFill>
                       <a:srgbClr val="000000"/>
                     </a:solidFill>
@@ -9228,7 +12443,7 @@
               </a:ln>
               <a:extLst>
                 <a:ext uri="{91240B29-F687-4f45-9708-019B960494DF}">
-                  <a14:hiddenLine xmlns:a14="http://schemas.microsoft.com/office/drawing/2010/main" xmlns="" w="9525">
+                  <a14:hiddenLine xmlns="" xmlns:a14="http://schemas.microsoft.com/office/drawing/2010/main" w="9525">
                     <a:solidFill>
                       <a:srgbClr val="000000"/>
                     </a:solidFill>
@@ -9318,7 +12533,7 @@
               </a:ln>
               <a:extLst>
                 <a:ext uri="{91240B29-F687-4f45-9708-019B960494DF}">
-                  <a14:hiddenLine xmlns:a14="http://schemas.microsoft.com/office/drawing/2010/main" xmlns="" w="9525">
+                  <a14:hiddenLine xmlns="" xmlns:a14="http://schemas.microsoft.com/office/drawing/2010/main" w="9525">
                     <a:solidFill>
                       <a:srgbClr val="000000"/>
                     </a:solidFill>
@@ -9380,7 +12595,7 @@
               </a:ln>
               <a:extLst>
                 <a:ext uri="{91240B29-F687-4f45-9708-019B960494DF}">
-                  <a14:hiddenLine xmlns:a14="http://schemas.microsoft.com/office/drawing/2010/main" xmlns="" w="9525">
+                  <a14:hiddenLine xmlns="" xmlns:a14="http://schemas.microsoft.com/office/drawing/2010/main" w="9525">
                     <a:solidFill>
                       <a:srgbClr val="000000"/>
                     </a:solidFill>
@@ -9470,7 +12685,7 @@
               </a:ln>
               <a:extLst>
                 <a:ext uri="{91240B29-F687-4f45-9708-019B960494DF}">
-                  <a14:hiddenLine xmlns:a14="http://schemas.microsoft.com/office/drawing/2010/main" xmlns="" w="9525">
+                  <a14:hiddenLine xmlns="" xmlns:a14="http://schemas.microsoft.com/office/drawing/2010/main" w="9525">
                     <a:solidFill>
                       <a:srgbClr val="000000"/>
                     </a:solidFill>
@@ -9532,7 +12747,7 @@
               </a:ln>
               <a:extLst>
                 <a:ext uri="{91240B29-F687-4f45-9708-019B960494DF}">
-                  <a14:hiddenLine xmlns:a14="http://schemas.microsoft.com/office/drawing/2010/main" xmlns="" w="9525">
+                  <a14:hiddenLine xmlns="" xmlns:a14="http://schemas.microsoft.com/office/drawing/2010/main" w="9525">
                     <a:solidFill>
                       <a:srgbClr val="000000"/>
                     </a:solidFill>
@@ -9594,7 +12809,7 @@
               </a:ln>
               <a:extLst>
                 <a:ext uri="{91240B29-F687-4f45-9708-019B960494DF}">
-                  <a14:hiddenLine xmlns:a14="http://schemas.microsoft.com/office/drawing/2010/main" xmlns="" w="9525">
+                  <a14:hiddenLine xmlns="" xmlns:a14="http://schemas.microsoft.com/office/drawing/2010/main" w="9525">
                     <a:solidFill>
                       <a:srgbClr val="000000"/>
                     </a:solidFill>
@@ -9684,7 +12899,7 @@
               </a:ln>
               <a:extLst>
                 <a:ext uri="{91240B29-F687-4f45-9708-019B960494DF}">
-                  <a14:hiddenLine xmlns:a14="http://schemas.microsoft.com/office/drawing/2010/main" xmlns="" w="9525">
+                  <a14:hiddenLine xmlns="" xmlns:a14="http://schemas.microsoft.com/office/drawing/2010/main" w="9525">
                     <a:solidFill>
                       <a:srgbClr val="000000"/>
                     </a:solidFill>
@@ -9774,7 +12989,7 @@
               </a:ln>
               <a:extLst>
                 <a:ext uri="{91240B29-F687-4f45-9708-019B960494DF}">
-                  <a14:hiddenLine xmlns:a14="http://schemas.microsoft.com/office/drawing/2010/main" xmlns="" w="9525">
+                  <a14:hiddenLine xmlns="" xmlns:a14="http://schemas.microsoft.com/office/drawing/2010/main" w="9525">
                     <a:solidFill>
                       <a:srgbClr val="000000"/>
                     </a:solidFill>
@@ -9836,7 +13051,7 @@
               </a:ln>
               <a:extLst>
                 <a:ext uri="{91240B29-F687-4f45-9708-019B960494DF}">
-                  <a14:hiddenLine xmlns:a14="http://schemas.microsoft.com/office/drawing/2010/main" xmlns="" w="9525">
+                  <a14:hiddenLine xmlns="" xmlns:a14="http://schemas.microsoft.com/office/drawing/2010/main" w="9525">
                     <a:solidFill>
                       <a:srgbClr val="000000"/>
                     </a:solidFill>
@@ -9946,7 +13161,7 @@
               </a:ln>
               <a:extLst>
                 <a:ext uri="{91240B29-F687-4f45-9708-019B960494DF}">
-                  <a14:hiddenLine xmlns:a14="http://schemas.microsoft.com/office/drawing/2010/main" xmlns="" w="9525">
+                  <a14:hiddenLine xmlns="" xmlns:a14="http://schemas.microsoft.com/office/drawing/2010/main" w="9525">
                     <a:solidFill>
                       <a:srgbClr val="000000"/>
                     </a:solidFill>
@@ -10030,7 +13245,7 @@
               </a:ln>
               <a:extLst>
                 <a:ext uri="{91240B29-F687-4f45-9708-019B960494DF}">
-                  <a14:hiddenLine xmlns:a14="http://schemas.microsoft.com/office/drawing/2010/main" xmlns="" w="9525">
+                  <a14:hiddenLine xmlns="" xmlns:a14="http://schemas.microsoft.com/office/drawing/2010/main" w="9525">
                     <a:solidFill>
                       <a:srgbClr val="000000"/>
                     </a:solidFill>
@@ -10092,7 +13307,7 @@
               </a:ln>
               <a:extLst>
                 <a:ext uri="{91240B29-F687-4f45-9708-019B960494DF}">
-                  <a14:hiddenLine xmlns:a14="http://schemas.microsoft.com/office/drawing/2010/main" xmlns="" w="9525">
+                  <a14:hiddenLine xmlns="" xmlns:a14="http://schemas.microsoft.com/office/drawing/2010/main" w="9525">
                     <a:solidFill>
                       <a:srgbClr val="000000"/>
                     </a:solidFill>
@@ -10154,7 +13369,7 @@
               </a:ln>
               <a:extLst>
                 <a:ext uri="{91240B29-F687-4f45-9708-019B960494DF}">
-                  <a14:hiddenLine xmlns:a14="http://schemas.microsoft.com/office/drawing/2010/main" xmlns="" w="9525">
+                  <a14:hiddenLine xmlns="" xmlns:a14="http://schemas.microsoft.com/office/drawing/2010/main" w="9525">
                     <a:solidFill>
                       <a:srgbClr val="000000"/>
                     </a:solidFill>
@@ -10244,7 +13459,7 @@
               </a:ln>
               <a:extLst>
                 <a:ext uri="{91240B29-F687-4f45-9708-019B960494DF}">
-                  <a14:hiddenLine xmlns:a14="http://schemas.microsoft.com/office/drawing/2010/main" xmlns="" w="9525">
+                  <a14:hiddenLine xmlns="" xmlns:a14="http://schemas.microsoft.com/office/drawing/2010/main" w="9525">
                     <a:solidFill>
                       <a:srgbClr val="000000"/>
                     </a:solidFill>
@@ -10278,7 +13493,7 @@
               </a:ln>
               <a:extLst>
                 <a:ext uri="{91240B29-F687-4f45-9708-019B960494DF}">
-                  <a14:hiddenLine xmlns:a14="http://schemas.microsoft.com/office/drawing/2010/main" xmlns="" w="9525">
+                  <a14:hiddenLine xmlns="" xmlns:a14="http://schemas.microsoft.com/office/drawing/2010/main" w="9525">
                     <a:solidFill>
                       <a:srgbClr val="000000"/>
                     </a:solidFill>
@@ -10343,7 +13558,7 @@
               </a:ln>
               <a:extLst>
                 <a:ext uri="{91240B29-F687-4f45-9708-019B960494DF}">
-                  <a14:hiddenLine xmlns:a14="http://schemas.microsoft.com/office/drawing/2010/main" xmlns="" w="9525">
+                  <a14:hiddenLine xmlns="" xmlns:a14="http://schemas.microsoft.com/office/drawing/2010/main" w="9525">
                     <a:solidFill>
                       <a:srgbClr val="000000"/>
                     </a:solidFill>
@@ -10433,7 +13648,7 @@
               </a:ln>
               <a:extLst>
                 <a:ext uri="{91240B29-F687-4f45-9708-019B960494DF}">
-                  <a14:hiddenLine xmlns:a14="http://schemas.microsoft.com/office/drawing/2010/main" xmlns="" w="9525">
+                  <a14:hiddenLine xmlns="" xmlns:a14="http://schemas.microsoft.com/office/drawing/2010/main" w="9525">
                     <a:solidFill>
                       <a:srgbClr val="000000"/>
                     </a:solidFill>
@@ -10495,7 +13710,7 @@
               </a:ln>
               <a:extLst>
                 <a:ext uri="{91240B29-F687-4f45-9708-019B960494DF}">
-                  <a14:hiddenLine xmlns:a14="http://schemas.microsoft.com/office/drawing/2010/main" xmlns="" w="9525">
+                  <a14:hiddenLine xmlns="" xmlns:a14="http://schemas.microsoft.com/office/drawing/2010/main" w="9525">
                     <a:solidFill>
                       <a:srgbClr val="000000"/>
                     </a:solidFill>
@@ -10585,7 +13800,7 @@
               </a:ln>
               <a:extLst>
                 <a:ext uri="{91240B29-F687-4f45-9708-019B960494DF}">
-                  <a14:hiddenLine xmlns:a14="http://schemas.microsoft.com/office/drawing/2010/main" xmlns="" w="9525">
+                  <a14:hiddenLine xmlns="" xmlns:a14="http://schemas.microsoft.com/office/drawing/2010/main" w="9525">
                     <a:solidFill>
                       <a:srgbClr val="000000"/>
                     </a:solidFill>
@@ -10650,7 +13865,7 @@
               </a:ln>
               <a:extLst>
                 <a:ext uri="{91240B29-F687-4f45-9708-019B960494DF}">
-                  <a14:hiddenLine xmlns:a14="http://schemas.microsoft.com/office/drawing/2010/main" xmlns="" w="9525">
+                  <a14:hiddenLine xmlns="" xmlns:a14="http://schemas.microsoft.com/office/drawing/2010/main" w="9525">
                     <a:solidFill>
                       <a:srgbClr val="000000"/>
                     </a:solidFill>
@@ -10712,7 +13927,7 @@
               </a:ln>
               <a:extLst>
                 <a:ext uri="{91240B29-F687-4f45-9708-019B960494DF}">
-                  <a14:hiddenLine xmlns:a14="http://schemas.microsoft.com/office/drawing/2010/main" xmlns="" w="9525">
+                  <a14:hiddenLine xmlns="" xmlns:a14="http://schemas.microsoft.com/office/drawing/2010/main" w="9525">
                     <a:solidFill>
                       <a:srgbClr val="000000"/>
                     </a:solidFill>
@@ -10802,7 +14017,7 @@
               </a:ln>
               <a:extLst>
                 <a:ext uri="{91240B29-F687-4f45-9708-019B960494DF}">
-                  <a14:hiddenLine xmlns:a14="http://schemas.microsoft.com/office/drawing/2010/main" xmlns="" w="9525">
+                  <a14:hiddenLine xmlns="" xmlns:a14="http://schemas.microsoft.com/office/drawing/2010/main" w="9525">
                     <a:solidFill>
                       <a:srgbClr val="000000"/>
                     </a:solidFill>
@@ -10892,7 +14107,7 @@
               </a:ln>
               <a:extLst>
                 <a:ext uri="{91240B29-F687-4f45-9708-019B960494DF}">
-                  <a14:hiddenLine xmlns:a14="http://schemas.microsoft.com/office/drawing/2010/main" xmlns="" w="9525">
+                  <a14:hiddenLine xmlns="" xmlns:a14="http://schemas.microsoft.com/office/drawing/2010/main" w="9525">
                     <a:solidFill>
                       <a:srgbClr val="000000"/>
                     </a:solidFill>
@@ -10957,7 +14172,7 @@
               </a:ln>
               <a:extLst>
                 <a:ext uri="{91240B29-F687-4f45-9708-019B960494DF}">
-                  <a14:hiddenLine xmlns:a14="http://schemas.microsoft.com/office/drawing/2010/main" xmlns="" w="9525">
+                  <a14:hiddenLine xmlns="" xmlns:a14="http://schemas.microsoft.com/office/drawing/2010/main" w="9525">
                     <a:solidFill>
                       <a:srgbClr val="000000"/>
                     </a:solidFill>
@@ -11077,7 +14292,7 @@
               </a:ln>
               <a:extLst>
                 <a:ext uri="{91240B29-F687-4f45-9708-019B960494DF}">
-                  <a14:hiddenLine xmlns:a14="http://schemas.microsoft.com/office/drawing/2010/main" xmlns="" w="9525">
+                  <a14:hiddenLine xmlns="" xmlns:a14="http://schemas.microsoft.com/office/drawing/2010/main" w="9525">
                     <a:solidFill>
                       <a:srgbClr val="000000"/>
                     </a:solidFill>
@@ -11158,7 +14373,7 @@
               </a:ln>
               <a:extLst>
                 <a:ext uri="{91240B29-F687-4f45-9708-019B960494DF}">
-                  <a14:hiddenLine xmlns:a14="http://schemas.microsoft.com/office/drawing/2010/main" xmlns="" w="9525">
+                  <a14:hiddenLine xmlns="" xmlns:a14="http://schemas.microsoft.com/office/drawing/2010/main" w="9525">
                     <a:solidFill>
                       <a:srgbClr val="000000"/>
                     </a:solidFill>
@@ -11273,7 +14488,7 @@
               </a:ln>
               <a:extLst>
                 <a:ext uri="{91240B29-F687-4f45-9708-019B960494DF}">
-                  <a14:hiddenLine xmlns:a14="http://schemas.microsoft.com/office/drawing/2010/main" xmlns="" w="9525">
+                  <a14:hiddenLine xmlns="" xmlns:a14="http://schemas.microsoft.com/office/drawing/2010/main" w="9525">
                     <a:solidFill>
                       <a:srgbClr val="000000"/>
                     </a:solidFill>
@@ -11363,7 +14578,7 @@
               </a:ln>
               <a:extLst>
                 <a:ext uri="{91240B29-F687-4f45-9708-019B960494DF}">
-                  <a14:hiddenLine xmlns:a14="http://schemas.microsoft.com/office/drawing/2010/main" xmlns="" w="9525">
+                  <a14:hiddenLine xmlns="" xmlns:a14="http://schemas.microsoft.com/office/drawing/2010/main" w="9525">
                     <a:solidFill>
                       <a:srgbClr val="000000"/>
                     </a:solidFill>
@@ -11428,7 +14643,7 @@
               </a:ln>
               <a:extLst>
                 <a:ext uri="{91240B29-F687-4f45-9708-019B960494DF}">
-                  <a14:hiddenLine xmlns:a14="http://schemas.microsoft.com/office/drawing/2010/main" xmlns="" w="9525">
+                  <a14:hiddenLine xmlns="" xmlns:a14="http://schemas.microsoft.com/office/drawing/2010/main" w="9525">
                     <a:solidFill>
                       <a:srgbClr val="000000"/>
                     </a:solidFill>
@@ -11518,7 +14733,7 @@
               </a:ln>
               <a:extLst>
                 <a:ext uri="{91240B29-F687-4f45-9708-019B960494DF}">
-                  <a14:hiddenLine xmlns:a14="http://schemas.microsoft.com/office/drawing/2010/main" xmlns="" w="9525">
+                  <a14:hiddenLine xmlns="" xmlns:a14="http://schemas.microsoft.com/office/drawing/2010/main" w="9525">
                     <a:solidFill>
                       <a:srgbClr val="000000"/>
                     </a:solidFill>
@@ -11586,7 +14801,7 @@
               </a:ln>
               <a:extLst>
                 <a:ext uri="{91240B29-F687-4f45-9708-019B960494DF}">
-                  <a14:hiddenLine xmlns:a14="http://schemas.microsoft.com/office/drawing/2010/main" xmlns="" w="9525">
+                  <a14:hiddenLine xmlns="" xmlns:a14="http://schemas.microsoft.com/office/drawing/2010/main" w="9525">
                     <a:solidFill>
                       <a:srgbClr val="000000"/>
                     </a:solidFill>
@@ -11676,7 +14891,7 @@
               </a:ln>
               <a:extLst>
                 <a:ext uri="{91240B29-F687-4f45-9708-019B960494DF}">
-                  <a14:hiddenLine xmlns:a14="http://schemas.microsoft.com/office/drawing/2010/main" xmlns="" w="9525">
+                  <a14:hiddenLine xmlns="" xmlns:a14="http://schemas.microsoft.com/office/drawing/2010/main" w="9525">
                     <a:solidFill>
                       <a:srgbClr val="000000"/>
                     </a:solidFill>
@@ -11744,7 +14959,7 @@
               </a:ln>
               <a:extLst>
                 <a:ext uri="{91240B29-F687-4f45-9708-019B960494DF}">
-                  <a14:hiddenLine xmlns:a14="http://schemas.microsoft.com/office/drawing/2010/main" xmlns="" w="9525">
+                  <a14:hiddenLine xmlns="" xmlns:a14="http://schemas.microsoft.com/office/drawing/2010/main" w="9525">
                     <a:solidFill>
                       <a:srgbClr val="000000"/>
                     </a:solidFill>
@@ -11834,7 +15049,7 @@
               </a:ln>
               <a:extLst>
                 <a:ext uri="{91240B29-F687-4f45-9708-019B960494DF}">
-                  <a14:hiddenLine xmlns:a14="http://schemas.microsoft.com/office/drawing/2010/main" xmlns="" w="9525">
+                  <a14:hiddenLine xmlns="" xmlns:a14="http://schemas.microsoft.com/office/drawing/2010/main" w="9525">
                     <a:solidFill>
                       <a:srgbClr val="000000"/>
                     </a:solidFill>
@@ -11868,7 +15083,7 @@
               </a:ln>
               <a:extLst>
                 <a:ext uri="{91240B29-F687-4f45-9708-019B960494DF}">
-                  <a14:hiddenLine xmlns:a14="http://schemas.microsoft.com/office/drawing/2010/main" xmlns="" w="9525">
+                  <a14:hiddenLine xmlns="" xmlns:a14="http://schemas.microsoft.com/office/drawing/2010/main" w="9525">
                     <a:solidFill>
                       <a:srgbClr val="000000"/>
                     </a:solidFill>
@@ -12008,7 +15223,7 @@
           <a:p>
             <a:fld id="{E7CFAB0E-6CF7-4E2D-AB95-A3C382A856D7}" type="datetimeFigureOut">
               <a:rPr lang="nl-NL" smtClean="0"/>
-              <a:t>7-5-2019</a:t>
+              <a:t>10-5-2019</a:t>
             </a:fld>
             <a:endParaRPr lang="nl-NL"/>
           </a:p>
@@ -12597,7 +15812,7 @@
             <a:noFill/>
             <a:extLst>
               <a:ext uri="{909E8E84-426E-40dd-AFC4-6F175D3DCCD1}">
-                <a14:hiddenFill xmlns="" xmlns:a16="http://schemas.microsoft.com/office/drawing/2014/main" xmlns:a14="http://schemas.microsoft.com/office/drawing/2010/main" xmlns:p14="http://schemas.microsoft.com/office/powerpoint/2010/main">
+                <a14:hiddenFill xmlns:p14="http://schemas.microsoft.com/office/powerpoint/2010/main" xmlns:a14="http://schemas.microsoft.com/office/drawing/2010/main" xmlns:a16="http://schemas.microsoft.com/office/drawing/2014/main" xmlns="">
                   <a:solidFill>
                     <a:srgbClr val="FFFFFF"/>
                   </a:solidFill>
@@ -14932,129 +18147,44 @@
           <a:lstStyle/>
           <a:p>
             <a:r>
-              <a:rPr lang="en-US" dirty="0" err="1"/>
-              <a:t>Vooruitgang</a:t>
-            </a:r>
-            <a:r>
-              <a:rPr lang="en-US" dirty="0"/>
-              <a:t> project </a:t>
-            </a:r>
-            <a:r>
-              <a:rPr lang="en-US" dirty="0" err="1"/>
-              <a:t>Endroids</a:t>
+              <a:rPr lang="en-US"/>
+              <a:t>Vooruitgang project Endroids</a:t>
             </a:r>
             <a:endParaRPr lang="en-US" dirty="0"/>
           </a:p>
         </p:txBody>
       </p:sp>
-      <p:pic>
-        <p:nvPicPr>
-          <p:cNvPr id="5" name="Afbeelding 4">
+      <p:graphicFrame>
+        <p:nvGraphicFramePr>
+          <p:cNvPr id="7" name="Tijdelijke aanduiding voor inhoud 2">
             <a:extLst>
               <a:ext uri="{FF2B5EF4-FFF2-40B4-BE49-F238E27FC236}">
-                <a16:creationId xmlns:a16="http://schemas.microsoft.com/office/drawing/2014/main" id="{7FE3BEB6-485D-42BB-AC80-23CBEA2F98D4}"/>
+                <a16:creationId xmlns:a16="http://schemas.microsoft.com/office/drawing/2014/main" id="{A68F8C9A-56E2-46EE-A31A-5393F307F43C}"/>
               </a:ext>
             </a:extLst>
           </p:cNvPr>
-          <p:cNvPicPr>
-            <a:picLocks noChangeAspect="1"/>
-          </p:cNvPicPr>
-          <p:nvPr/>
-        </p:nvPicPr>
-        <p:blipFill rotWithShape="1">
-          <a:blip r:embed="rId3">
-            <a:extLst>
-              <a:ext uri="{28A0092B-C50C-407E-A947-70E740481C1C}">
-                <a14:useLocalDpi xmlns:a14="http://schemas.microsoft.com/office/drawing/2010/main" val="0"/>
-              </a:ext>
-            </a:extLst>
-          </a:blip>
-          <a:srcRect t="17876" r="-1" b="16649"/>
-          <a:stretch/>
-        </p:blipFill>
-        <p:spPr>
-          <a:xfrm>
-            <a:off x="1141411" y="2880280"/>
-            <a:ext cx="3494597" cy="2288064"/>
-          </a:xfrm>
-          <a:prstGeom prst="round2DiagRect">
-            <a:avLst>
-              <a:gd name="adj1" fmla="val 5608"/>
-              <a:gd name="adj2" fmla="val 0"/>
-            </a:avLst>
-          </a:prstGeom>
-          <a:ln w="19050" cap="sq">
-            <a:solidFill>
-              <a:schemeClr val="tx2">
-                <a:lumMod val="60000"/>
-                <a:lumOff val="40000"/>
-                <a:alpha val="60000"/>
-              </a:schemeClr>
-            </a:solidFill>
-            <a:miter lim="800000"/>
-          </a:ln>
-          <a:effectLst>
-            <a:outerShdw blurRad="88900" dist="38100" dir="5400000" algn="t" rotWithShape="0">
-              <a:prstClr val="black">
-                <a:alpha val="40000"/>
-              </a:prstClr>
-            </a:outerShdw>
-          </a:effectLst>
-        </p:spPr>
-      </p:pic>
-      <p:sp>
-        <p:nvSpPr>
-          <p:cNvPr id="3" name="Tijdelijke aanduiding voor inhoud 2">
-            <a:extLst>
-              <a:ext uri="{FF2B5EF4-FFF2-40B4-BE49-F238E27FC236}">
-                <a16:creationId xmlns:a16="http://schemas.microsoft.com/office/drawing/2014/main" id="{E901ED30-9789-41AD-92E8-4941B3D6554D}"/>
-              </a:ext>
-            </a:extLst>
-          </p:cNvPr>
-          <p:cNvSpPr>
-            <a:spLocks noGrp="1"/>
-          </p:cNvSpPr>
+          <p:cNvGraphicFramePr>
+            <a:graphicFrameLocks noGrp="1"/>
+          </p:cNvGraphicFramePr>
           <p:nvPr>
             <p:ph idx="1"/>
+            <p:extLst>
+              <p:ext uri="{D42A27DB-BD31-4B8C-83A1-F6EECF244321}">
+                <p14:modId xmlns:p14="http://schemas.microsoft.com/office/powerpoint/2010/main" val="849288609"/>
+              </p:ext>
+            </p:extLst>
           </p:nvPr>
-        </p:nvSpPr>
-        <p:spPr>
-          <a:xfrm>
-            <a:off x="5034579" y="2249487"/>
-            <a:ext cx="6012832" cy="3541714"/>
-          </a:xfrm>
-        </p:spPr>
-        <p:txBody>
-          <a:bodyPr vert="horz" lIns="91440" tIns="45720" rIns="91440" bIns="45720" rtlCol="0">
-            <a:normAutofit/>
-          </a:bodyPr>
-          <a:lstStyle/>
-          <a:p>
-            <a:r>
-              <a:rPr lang="en-US" cap="all" dirty="0" err="1"/>
-              <a:t>Spullen</a:t>
-            </a:r>
-            <a:r>
-              <a:rPr lang="en-US" cap="all" dirty="0"/>
-              <a:t> </a:t>
-            </a:r>
-            <a:r>
-              <a:rPr lang="en-US" cap="all" dirty="0" err="1"/>
-              <a:t>Bestellen</a:t>
-            </a:r>
-            <a:endParaRPr lang="en-US" cap="all" dirty="0"/>
-          </a:p>
-          <a:p>
-            <a:r>
-              <a:rPr lang="en-US" cap="all" dirty="0"/>
-              <a:t>Begin van de app</a:t>
-            </a:r>
-          </a:p>
-          <a:p>
-            <a:endParaRPr lang="en-US" cap="all" dirty="0"/>
-          </a:p>
-        </p:txBody>
-      </p:sp>
+        </p:nvGraphicFramePr>
+        <p:xfrm>
+          <a:off x="1141413" y="2418820"/>
+          <a:ext cx="9906000" cy="3142721"/>
+        </p:xfrm>
+        <a:graphic>
+          <a:graphicData uri="http://schemas.openxmlformats.org/drawingml/2006/diagram">
+            <dgm:relIds xmlns:dgm="http://schemas.openxmlformats.org/drawingml/2006/diagram" xmlns:r="http://schemas.openxmlformats.org/officeDocument/2006/relationships" r:dm="rId3" r:lo="rId4" r:qs="rId5" r:cs="rId6"/>
+          </a:graphicData>
+        </a:graphic>
+      </p:graphicFrame>
     </p:spTree>
     <p:extLst>
       <p:ext uri="{BB962C8B-B14F-4D97-AF65-F5344CB8AC3E}">
